--- a/Knock-It_Deck.pptx
+++ b/Knock-It_Deck.pptx
@@ -1,38 +1,41 @@
 
 <file path=ppt/presentation.xml><?xml version="1.0" encoding="utf-8"?>
-<p:presentation xmlns:a="http://schemas.openxmlformats.org/drawingml/2006/main" xmlns:r="http://schemas.openxmlformats.org/officeDocument/2006/relationships" xmlns:mc="http://schemas.openxmlformats.org/markup-compatibility/2006" xmlns:mv="urn:schemas-microsoft-com:mac:vml" xmlns:p="http://schemas.openxmlformats.org/presentationml/2006/main" xmlns:c="http://schemas.openxmlformats.org/drawingml/2006/chart" xmlns:dgm="http://schemas.openxmlformats.org/drawingml/2006/diagram" xmlns:o="urn:schemas-microsoft-com:office:office" xmlns:v="urn:schemas-microsoft-com:vml" xmlns:pvml="urn:schemas-microsoft-com:office:powerpoint" xmlns:com="http://schemas.openxmlformats.org/drawingml/2006/compatibility" xmlns:p14="http://schemas.microsoft.com/office/powerpoint/2010/main" autoCompressPictures="0" embedTrueTypeFonts="1" strictFirstAndLastChars="0" saveSubsetFonts="1">
+<p:presentation xmlns:a="http://schemas.openxmlformats.org/drawingml/2006/main" xmlns:r="http://schemas.openxmlformats.org/officeDocument/2006/relationships" xmlns:p="http://schemas.openxmlformats.org/presentationml/2006/main" strictFirstAndLastChars="0" embedTrueTypeFonts="1" saveSubsetFonts="1" autoCompressPictures="0">
   <p:sldMasterIdLst>
-    <p:sldMasterId id="2147483659" r:id="rId3"/>
+    <p:sldMasterId id="2147483659" r:id="rId1"/>
   </p:sldMasterIdLst>
   <p:notesMasterIdLst>
-    <p:notesMasterId r:id="rId4"/>
+    <p:notesMasterId r:id="rId13"/>
   </p:notesMasterIdLst>
   <p:sldIdLst>
-    <p:sldId id="256" r:id="rId5"/>
-    <p:sldId id="257" r:id="rId6"/>
-    <p:sldId id="258" r:id="rId7"/>
-    <p:sldId id="259" r:id="rId8"/>
-    <p:sldId id="260" r:id="rId9"/>
-    <p:sldId id="261" r:id="rId10"/>
+    <p:sldId id="256" r:id="rId2"/>
+    <p:sldId id="257" r:id="rId3"/>
+    <p:sldId id="258" r:id="rId4"/>
+    <p:sldId id="259" r:id="rId5"/>
+    <p:sldId id="264" r:id="rId6"/>
+    <p:sldId id="260" r:id="rId7"/>
+    <p:sldId id="261" r:id="rId8"/>
+    <p:sldId id="265" r:id="rId9"/>
+    <p:sldId id="266" r:id="rId10"/>
     <p:sldId id="262" r:id="rId11"/>
     <p:sldId id="263" r:id="rId12"/>
   </p:sldIdLst>
-  <p:sldSz cy="5143500" cx="9144000"/>
+  <p:sldSz cx="9144000" cy="5143500" type="screen16x9"/>
   <p:notesSz cx="6858000" cy="9144000"/>
   <p:embeddedFontLst>
     <p:embeddedFont>
-      <p:font typeface="Amatic SC"/>
-      <p:regular r:id="rId13"/>
-      <p:bold r:id="rId14"/>
+      <p:font typeface="Amatic SC" panose="020B0604020202020204" charset="0"/>
+      <p:regular r:id="rId14"/>
+      <p:bold r:id="rId15"/>
     </p:embeddedFont>
     <p:embeddedFont>
-      <p:font typeface="Source Code Pro"/>
-      <p:regular r:id="rId15"/>
-      <p:bold r:id="rId16"/>
+      <p:font typeface="Source Code Pro" panose="020B0604020202020204" charset="0"/>
+      <p:regular r:id="rId16"/>
+      <p:bold r:id="rId17"/>
     </p:embeddedFont>
   </p:embeddedFontLst>
   <p:defaultTextStyle>
-    <a:defPPr lvl="0" marR="0" rtl="0" algn="l">
+    <a:defPPr marR="0" lvl="0" algn="l" rtl="0">
       <a:lnSpc>
         <a:spcPct val="100000"/>
       </a:lnSpc>
@@ -43,7 +46,7 @@
         <a:spcPts val="0"/>
       </a:spcAft>
     </a:defPPr>
-    <a:lvl1pPr lvl="0" marR="0" rtl="0" algn="l">
+    <a:lvl1pPr marR="0" lvl="0" algn="l" rtl="0">
       <a:lnSpc>
         <a:spcPct val="100000"/>
       </a:lnSpc>
@@ -54,7 +57,7 @@
         <a:spcPts val="0"/>
       </a:spcAft>
       <a:buNone/>
-      <a:defRPr b="0" i="0" sz="1400" u="none" cap="none" strike="noStrike">
+      <a:defRPr sz="1400" b="0" i="0" u="none" strike="noStrike" cap="none">
         <a:solidFill>
           <a:srgbClr val="000000"/>
         </a:solidFill>
@@ -64,7 +67,7 @@
         <a:sym typeface="Arial"/>
       </a:defRPr>
     </a:lvl1pPr>
-    <a:lvl2pPr lvl="1" marR="0" rtl="0" algn="l">
+    <a:lvl2pPr marR="0" lvl="1" algn="l" rtl="0">
       <a:lnSpc>
         <a:spcPct val="100000"/>
       </a:lnSpc>
@@ -75,7 +78,7 @@
         <a:spcPts val="0"/>
       </a:spcAft>
       <a:buNone/>
-      <a:defRPr b="0" i="0" sz="1400" u="none" cap="none" strike="noStrike">
+      <a:defRPr sz="1400" b="0" i="0" u="none" strike="noStrike" cap="none">
         <a:solidFill>
           <a:srgbClr val="000000"/>
         </a:solidFill>
@@ -85,7 +88,7 @@
         <a:sym typeface="Arial"/>
       </a:defRPr>
     </a:lvl2pPr>
-    <a:lvl3pPr lvl="2" marR="0" rtl="0" algn="l">
+    <a:lvl3pPr marR="0" lvl="2" algn="l" rtl="0">
       <a:lnSpc>
         <a:spcPct val="100000"/>
       </a:lnSpc>
@@ -96,7 +99,7 @@
         <a:spcPts val="0"/>
       </a:spcAft>
       <a:buNone/>
-      <a:defRPr b="0" i="0" sz="1400" u="none" cap="none" strike="noStrike">
+      <a:defRPr sz="1400" b="0" i="0" u="none" strike="noStrike" cap="none">
         <a:solidFill>
           <a:srgbClr val="000000"/>
         </a:solidFill>
@@ -106,7 +109,7 @@
         <a:sym typeface="Arial"/>
       </a:defRPr>
     </a:lvl3pPr>
-    <a:lvl4pPr lvl="3" marR="0" rtl="0" algn="l">
+    <a:lvl4pPr marR="0" lvl="3" algn="l" rtl="0">
       <a:lnSpc>
         <a:spcPct val="100000"/>
       </a:lnSpc>
@@ -117,7 +120,7 @@
         <a:spcPts val="0"/>
       </a:spcAft>
       <a:buNone/>
-      <a:defRPr b="0" i="0" sz="1400" u="none" cap="none" strike="noStrike">
+      <a:defRPr sz="1400" b="0" i="0" u="none" strike="noStrike" cap="none">
         <a:solidFill>
           <a:srgbClr val="000000"/>
         </a:solidFill>
@@ -127,7 +130,7 @@
         <a:sym typeface="Arial"/>
       </a:defRPr>
     </a:lvl4pPr>
-    <a:lvl5pPr lvl="4" marR="0" rtl="0" algn="l">
+    <a:lvl5pPr marR="0" lvl="4" algn="l" rtl="0">
       <a:lnSpc>
         <a:spcPct val="100000"/>
       </a:lnSpc>
@@ -138,7 +141,7 @@
         <a:spcPts val="0"/>
       </a:spcAft>
       <a:buNone/>
-      <a:defRPr b="0" i="0" sz="1400" u="none" cap="none" strike="noStrike">
+      <a:defRPr sz="1400" b="0" i="0" u="none" strike="noStrike" cap="none">
         <a:solidFill>
           <a:srgbClr val="000000"/>
         </a:solidFill>
@@ -148,7 +151,7 @@
         <a:sym typeface="Arial"/>
       </a:defRPr>
     </a:lvl5pPr>
-    <a:lvl6pPr lvl="5" marR="0" rtl="0" algn="l">
+    <a:lvl6pPr marR="0" lvl="5" algn="l" rtl="0">
       <a:lnSpc>
         <a:spcPct val="100000"/>
       </a:lnSpc>
@@ -159,7 +162,7 @@
         <a:spcPts val="0"/>
       </a:spcAft>
       <a:buNone/>
-      <a:defRPr b="0" i="0" sz="1400" u="none" cap="none" strike="noStrike">
+      <a:defRPr sz="1400" b="0" i="0" u="none" strike="noStrike" cap="none">
         <a:solidFill>
           <a:srgbClr val="000000"/>
         </a:solidFill>
@@ -169,7 +172,7 @@
         <a:sym typeface="Arial"/>
       </a:defRPr>
     </a:lvl6pPr>
-    <a:lvl7pPr lvl="6" marR="0" rtl="0" algn="l">
+    <a:lvl7pPr marR="0" lvl="6" algn="l" rtl="0">
       <a:lnSpc>
         <a:spcPct val="100000"/>
       </a:lnSpc>
@@ -180,7 +183,7 @@
         <a:spcPts val="0"/>
       </a:spcAft>
       <a:buNone/>
-      <a:defRPr b="0" i="0" sz="1400" u="none" cap="none" strike="noStrike">
+      <a:defRPr sz="1400" b="0" i="0" u="none" strike="noStrike" cap="none">
         <a:solidFill>
           <a:srgbClr val="000000"/>
         </a:solidFill>
@@ -190,7 +193,7 @@
         <a:sym typeface="Arial"/>
       </a:defRPr>
     </a:lvl7pPr>
-    <a:lvl8pPr lvl="7" marR="0" rtl="0" algn="l">
+    <a:lvl8pPr marR="0" lvl="7" algn="l" rtl="0">
       <a:lnSpc>
         <a:spcPct val="100000"/>
       </a:lnSpc>
@@ -201,7 +204,7 @@
         <a:spcPts val="0"/>
       </a:spcAft>
       <a:buNone/>
-      <a:defRPr b="0" i="0" sz="1400" u="none" cap="none" strike="noStrike">
+      <a:defRPr sz="1400" b="0" i="0" u="none" strike="noStrike" cap="none">
         <a:solidFill>
           <a:srgbClr val="000000"/>
         </a:solidFill>
@@ -211,7 +214,7 @@
         <a:sym typeface="Arial"/>
       </a:defRPr>
     </a:lvl8pPr>
-    <a:lvl9pPr lvl="8" marR="0" rtl="0" algn="l">
+    <a:lvl9pPr marR="0" lvl="8" algn="l" rtl="0">
       <a:lnSpc>
         <a:spcPct val="100000"/>
       </a:lnSpc>
@@ -222,7 +225,7 @@
         <a:spcPts val="0"/>
       </a:spcAft>
       <a:buNone/>
-      <a:defRPr b="0" i="0" sz="1400" u="none" cap="none" strike="noStrike">
+      <a:defRPr sz="1400" b="0" i="0" u="none" strike="noStrike" cap="none">
         <a:solidFill>
           <a:srgbClr val="000000"/>
         </a:solidFill>
@@ -237,11 +240,16 @@
 </file>
 
 <file path=ppt/notesMasters/notesMaster1.xml><?xml version="1.0" encoding="utf-8"?>
-<p:notesMaster xmlns:a="http://schemas.openxmlformats.org/drawingml/2006/main" xmlns:r="http://schemas.openxmlformats.org/officeDocument/2006/relationships" xmlns:mc="http://schemas.openxmlformats.org/markup-compatibility/2006" xmlns:mv="urn:schemas-microsoft-com:mac:vml" xmlns:p="http://schemas.openxmlformats.org/presentationml/2006/main" xmlns:c="http://schemas.openxmlformats.org/drawingml/2006/chart" xmlns:dgm="http://schemas.openxmlformats.org/drawingml/2006/diagram" xmlns:o="urn:schemas-microsoft-com:office:office" xmlns:v="urn:schemas-microsoft-com:vml" xmlns:pvml="urn:schemas-microsoft-com:office:powerpoint" xmlns:com="http://schemas.openxmlformats.org/drawingml/2006/compatibility" xmlns:p14="http://schemas.microsoft.com/office/powerpoint/2010/main">
+<p:notesMaster xmlns:a="http://schemas.openxmlformats.org/drawingml/2006/main" xmlns:r="http://schemas.openxmlformats.org/officeDocument/2006/relationships" xmlns:p="http://schemas.openxmlformats.org/presentationml/2006/main">
   <p:cSld>
+    <p:bg>
+      <p:bgRef idx="1001">
+        <a:schemeClr val="bg1"/>
+      </p:bgRef>
+    </p:bg>
     <p:spTree>
       <p:nvGrpSpPr>
-        <p:cNvPr id="2" name="Shape 2"/>
+        <p:cNvPr id="1" name="Shape 2"/>
         <p:cNvGrpSpPr/>
         <p:nvPr/>
       </p:nvGrpSpPr>
@@ -256,9 +264,11 @@
       <p:sp>
         <p:nvSpPr>
           <p:cNvPr id="3" name="Shape 3"/>
-          <p:cNvSpPr/>
+          <p:cNvSpPr>
+            <a:spLocks noGrp="1" noRot="1" noChangeAspect="1"/>
+          </p:cNvSpPr>
           <p:nvPr>
-            <p:ph idx="2" type="sldImg"/>
+            <p:ph type="sldImg" idx="2"/>
           </p:nvPr>
         </p:nvSpPr>
         <p:spPr>
@@ -267,8 +277,13 @@
             <a:ext cx="6096075" cy="3429000"/>
           </a:xfrm>
           <a:custGeom>
+            <a:avLst/>
+            <a:gdLst/>
+            <a:ahLst/>
+            <a:cxnLst/>
+            <a:rect l="0" t="0" r="0" b="0"/>
             <a:pathLst>
-              <a:path extrusionOk="0" h="120000" w="120000">
+              <a:path w="120000" h="120000" extrusionOk="0">
                 <a:moveTo>
                   <a:pt x="0" y="0"/>
                 </a:moveTo>
@@ -286,23 +301,25 @@
             </a:pathLst>
           </a:custGeom>
           <a:noFill/>
-          <a:ln cap="flat" cmpd="sng" w="9525">
+          <a:ln w="9525" cap="flat" cmpd="sng">
             <a:solidFill>
               <a:srgbClr val="000000"/>
             </a:solidFill>
             <a:prstDash val="solid"/>
             <a:round/>
-            <a:headEnd len="med" w="med" type="none"/>
-            <a:tailEnd len="med" w="med" type="none"/>
+            <a:headEnd type="none" w="med" len="med"/>
+            <a:tailEnd type="none" w="med" len="med"/>
           </a:ln>
         </p:spPr>
       </p:sp>
       <p:sp>
         <p:nvSpPr>
           <p:cNvPr id="4" name="Shape 4"/>
-          <p:cNvSpPr txBox="1"/>
+          <p:cNvSpPr txBox="1">
+            <a:spLocks noGrp="1"/>
+          </p:cNvSpPr>
           <p:nvPr>
-            <p:ph idx="1" type="body"/>
+            <p:ph type="body" idx="1"/>
           </p:nvPr>
         </p:nvSpPr>
         <p:spPr>
@@ -319,7 +336,7 @@
           </a:ln>
         </p:spPr>
         <p:txBody>
-          <a:bodyPr anchorCtr="0" anchor="t" bIns="91425" lIns="91425" rIns="91425" tIns="91425"/>
+          <a:bodyPr lIns="91425" tIns="91425" rIns="91425" bIns="91425" anchor="t" anchorCtr="0"/>
           <a:lstStyle>
             <a:lvl1pPr lvl="0">
               <a:spcBef>
@@ -376,21 +393,115 @@
               <a:defRPr sz="1100"/>
             </a:lvl9pPr>
           </a:lstStyle>
-          <a:p/>
+          <a:p>
+            <a:endParaRPr/>
+          </a:p>
         </p:txBody>
       </p:sp>
     </p:spTree>
   </p:cSld>
-  <p:clrMap accent1="accent1" accent2="accent2" accent3="accent3" accent4="accent4" accent5="accent5" accent6="accent6" bg1="lt1" bg2="dk2" tx1="dk1" tx2="lt2" folHlink="folHlink" hlink="hlink"/>
+  <p:clrMap bg1="lt1" tx1="dk1" bg2="dk2" tx2="lt2" accent1="accent1" accent2="accent2" accent3="accent3" accent4="accent4" accent5="accent5" accent6="accent6" hlink="hlink" folHlink="folHlink"/>
+  <p:notesStyle>
+    <a:lvl1pPr marL="0" algn="l" defTabSz="914400" rtl="0" eaLnBrk="1" latinLnBrk="0" hangingPunct="1">
+      <a:defRPr sz="1200" kern="1200">
+        <a:solidFill>
+          <a:schemeClr val="tx1"/>
+        </a:solidFill>
+        <a:latin typeface="+mn-lt"/>
+        <a:ea typeface="+mn-ea"/>
+        <a:cs typeface="+mn-cs"/>
+      </a:defRPr>
+    </a:lvl1pPr>
+    <a:lvl2pPr marL="457200" algn="l" defTabSz="914400" rtl="0" eaLnBrk="1" latinLnBrk="0" hangingPunct="1">
+      <a:defRPr sz="1200" kern="1200">
+        <a:solidFill>
+          <a:schemeClr val="tx1"/>
+        </a:solidFill>
+        <a:latin typeface="+mn-lt"/>
+        <a:ea typeface="+mn-ea"/>
+        <a:cs typeface="+mn-cs"/>
+      </a:defRPr>
+    </a:lvl2pPr>
+    <a:lvl3pPr marL="914400" algn="l" defTabSz="914400" rtl="0" eaLnBrk="1" latinLnBrk="0" hangingPunct="1">
+      <a:defRPr sz="1200" kern="1200">
+        <a:solidFill>
+          <a:schemeClr val="tx1"/>
+        </a:solidFill>
+        <a:latin typeface="+mn-lt"/>
+        <a:ea typeface="+mn-ea"/>
+        <a:cs typeface="+mn-cs"/>
+      </a:defRPr>
+    </a:lvl3pPr>
+    <a:lvl4pPr marL="1371600" algn="l" defTabSz="914400" rtl="0" eaLnBrk="1" latinLnBrk="0" hangingPunct="1">
+      <a:defRPr sz="1200" kern="1200">
+        <a:solidFill>
+          <a:schemeClr val="tx1"/>
+        </a:solidFill>
+        <a:latin typeface="+mn-lt"/>
+        <a:ea typeface="+mn-ea"/>
+        <a:cs typeface="+mn-cs"/>
+      </a:defRPr>
+    </a:lvl4pPr>
+    <a:lvl5pPr marL="1828800" algn="l" defTabSz="914400" rtl="0" eaLnBrk="1" latinLnBrk="0" hangingPunct="1">
+      <a:defRPr sz="1200" kern="1200">
+        <a:solidFill>
+          <a:schemeClr val="tx1"/>
+        </a:solidFill>
+        <a:latin typeface="+mn-lt"/>
+        <a:ea typeface="+mn-ea"/>
+        <a:cs typeface="+mn-cs"/>
+      </a:defRPr>
+    </a:lvl5pPr>
+    <a:lvl6pPr marL="2286000" algn="l" defTabSz="914400" rtl="0" eaLnBrk="1" latinLnBrk="0" hangingPunct="1">
+      <a:defRPr sz="1200" kern="1200">
+        <a:solidFill>
+          <a:schemeClr val="tx1"/>
+        </a:solidFill>
+        <a:latin typeface="+mn-lt"/>
+        <a:ea typeface="+mn-ea"/>
+        <a:cs typeface="+mn-cs"/>
+      </a:defRPr>
+    </a:lvl6pPr>
+    <a:lvl7pPr marL="2743200" algn="l" defTabSz="914400" rtl="0" eaLnBrk="1" latinLnBrk="0" hangingPunct="1">
+      <a:defRPr sz="1200" kern="1200">
+        <a:solidFill>
+          <a:schemeClr val="tx1"/>
+        </a:solidFill>
+        <a:latin typeface="+mn-lt"/>
+        <a:ea typeface="+mn-ea"/>
+        <a:cs typeface="+mn-cs"/>
+      </a:defRPr>
+    </a:lvl7pPr>
+    <a:lvl8pPr marL="3200400" algn="l" defTabSz="914400" rtl="0" eaLnBrk="1" latinLnBrk="0" hangingPunct="1">
+      <a:defRPr sz="1200" kern="1200">
+        <a:solidFill>
+          <a:schemeClr val="tx1"/>
+        </a:solidFill>
+        <a:latin typeface="+mn-lt"/>
+        <a:ea typeface="+mn-ea"/>
+        <a:cs typeface="+mn-cs"/>
+      </a:defRPr>
+    </a:lvl8pPr>
+    <a:lvl9pPr marL="3657600" algn="l" defTabSz="914400" rtl="0" eaLnBrk="1" latinLnBrk="0" hangingPunct="1">
+      <a:defRPr sz="1200" kern="1200">
+        <a:solidFill>
+          <a:schemeClr val="tx1"/>
+        </a:solidFill>
+        <a:latin typeface="+mn-lt"/>
+        <a:ea typeface="+mn-ea"/>
+        <a:cs typeface="+mn-cs"/>
+      </a:defRPr>
+    </a:lvl9pPr>
+  </p:notesStyle>
 </p:notesMaster>
 </file>
 
 <file path=ppt/notesSlides/notesSlide1.xml><?xml version="1.0" encoding="utf-8"?>
-<p:notes xmlns:a="http://schemas.openxmlformats.org/drawingml/2006/main" xmlns:r="http://schemas.openxmlformats.org/officeDocument/2006/relationships" xmlns:mc="http://schemas.openxmlformats.org/markup-compatibility/2006" xmlns:mv="urn:schemas-microsoft-com:mac:vml" xmlns:p="http://schemas.openxmlformats.org/presentationml/2006/main" xmlns:c="http://schemas.openxmlformats.org/drawingml/2006/chart" xmlns:dgm="http://schemas.openxmlformats.org/drawingml/2006/diagram" xmlns:o="urn:schemas-microsoft-com:office:office" xmlns:v="urn:schemas-microsoft-com:vml" xmlns:pvml="urn:schemas-microsoft-com:office:powerpoint" xmlns:com="http://schemas.openxmlformats.org/drawingml/2006/compatibility" xmlns:p14="http://schemas.microsoft.com/office/powerpoint/2010/main" showMasterPhAnim="0" showMasterSp="0">
+<p:notes xmlns:a="http://schemas.openxmlformats.org/drawingml/2006/main" xmlns:r="http://schemas.openxmlformats.org/officeDocument/2006/relationships" xmlns:p="http://schemas.openxmlformats.org/presentationml/2006/main" showMasterSp="0" showMasterPhAnim="0">
   <p:cSld>
     <p:spTree>
       <p:nvGrpSpPr>
-        <p:cNvPr id="52" name="Shape 52"/>
+        <p:cNvPr id="1" name="Shape 52"/>
         <p:cNvGrpSpPr/>
         <p:nvPr/>
       </p:nvGrpSpPr>
@@ -405,19 +516,26 @@
       <p:sp>
         <p:nvSpPr>
           <p:cNvPr id="53" name="Shape 53"/>
-          <p:cNvSpPr/>
+          <p:cNvSpPr>
+            <a:spLocks noGrp="1" noRot="1" noChangeAspect="1"/>
+          </p:cNvSpPr>
           <p:nvPr>
-            <p:ph idx="2" type="sldImg"/>
+            <p:ph type="sldImg" idx="2"/>
           </p:nvPr>
         </p:nvSpPr>
         <p:spPr>
           <a:xfrm>
-            <a:off x="381300" y="685800"/>
-            <a:ext cx="6096075" cy="3429000"/>
+            <a:off x="381000" y="685800"/>
+            <a:ext cx="6096000" cy="3429000"/>
           </a:xfrm>
           <a:custGeom>
+            <a:avLst/>
+            <a:gdLst/>
+            <a:ahLst/>
+            <a:cxnLst/>
+            <a:rect l="0" t="0" r="0" b="0"/>
             <a:pathLst>
-              <a:path extrusionOk="0" h="120000" w="120000">
+              <a:path w="120000" h="120000" extrusionOk="0">
                 <a:moveTo>
                   <a:pt x="0" y="0"/>
                 </a:moveTo>
@@ -439,9 +557,11 @@
       <p:sp>
         <p:nvSpPr>
           <p:cNvPr id="54" name="Shape 54"/>
-          <p:cNvSpPr txBox="1"/>
+          <p:cNvSpPr txBox="1">
+            <a:spLocks noGrp="1"/>
+          </p:cNvSpPr>
           <p:nvPr>
-            <p:ph idx="1" type="body"/>
+            <p:ph type="body" idx="1"/>
           </p:nvPr>
         </p:nvSpPr>
         <p:spPr>
@@ -454,7 +574,7 @@
           </a:prstGeom>
         </p:spPr>
         <p:txBody>
-          <a:bodyPr anchorCtr="0" anchor="t" bIns="91425" lIns="91425" rIns="91425" tIns="91425">
+          <a:bodyPr lIns="91425" tIns="91425" rIns="91425" bIns="91425" anchor="t" anchorCtr="0">
             <a:noAutofit/>
           </a:bodyPr>
           <a:lstStyle/>
@@ -465,9 +585,6 @@
               </a:spcBef>
               <a:buNone/>
             </a:pPr>
-            <a:r>
-              <a:t/>
-            </a:r>
             <a:endParaRPr/>
           </a:p>
         </p:txBody>
@@ -481,11 +598,11 @@
 </file>
 
 <file path=ppt/notesSlides/notesSlide2.xml><?xml version="1.0" encoding="utf-8"?>
-<p:notes xmlns:a="http://schemas.openxmlformats.org/drawingml/2006/main" xmlns:r="http://schemas.openxmlformats.org/officeDocument/2006/relationships" xmlns:mc="http://schemas.openxmlformats.org/markup-compatibility/2006" xmlns:mv="urn:schemas-microsoft-com:mac:vml" xmlns:p="http://schemas.openxmlformats.org/presentationml/2006/main" xmlns:c="http://schemas.openxmlformats.org/drawingml/2006/chart" xmlns:dgm="http://schemas.openxmlformats.org/drawingml/2006/diagram" xmlns:o="urn:schemas-microsoft-com:office:office" xmlns:v="urn:schemas-microsoft-com:vml" xmlns:pvml="urn:schemas-microsoft-com:office:powerpoint" xmlns:com="http://schemas.openxmlformats.org/drawingml/2006/compatibility" xmlns:p14="http://schemas.microsoft.com/office/powerpoint/2010/main" showMasterPhAnim="0" showMasterSp="0">
+<p:notes xmlns:a="http://schemas.openxmlformats.org/drawingml/2006/main" xmlns:r="http://schemas.openxmlformats.org/officeDocument/2006/relationships" xmlns:p="http://schemas.openxmlformats.org/presentationml/2006/main" showMasterSp="0" showMasterPhAnim="0">
   <p:cSld>
     <p:spTree>
       <p:nvGrpSpPr>
-        <p:cNvPr id="58" name="Shape 58"/>
+        <p:cNvPr id="1" name="Shape 58"/>
         <p:cNvGrpSpPr/>
         <p:nvPr/>
       </p:nvGrpSpPr>
@@ -500,19 +617,26 @@
       <p:sp>
         <p:nvSpPr>
           <p:cNvPr id="59" name="Shape 59"/>
-          <p:cNvSpPr/>
+          <p:cNvSpPr>
+            <a:spLocks noGrp="1" noRot="1" noChangeAspect="1"/>
+          </p:cNvSpPr>
           <p:nvPr>
-            <p:ph idx="2" type="sldImg"/>
+            <p:ph type="sldImg" idx="2"/>
           </p:nvPr>
         </p:nvSpPr>
         <p:spPr>
           <a:xfrm>
-            <a:off x="381300" y="685800"/>
+            <a:off x="381000" y="685800"/>
             <a:ext cx="6096000" cy="3429000"/>
           </a:xfrm>
           <a:custGeom>
+            <a:avLst/>
+            <a:gdLst/>
+            <a:ahLst/>
+            <a:cxnLst/>
+            <a:rect l="0" t="0" r="0" b="0"/>
             <a:pathLst>
-              <a:path extrusionOk="0" h="120000" w="120000">
+              <a:path w="120000" h="120000" extrusionOk="0">
                 <a:moveTo>
                   <a:pt x="0" y="0"/>
                 </a:moveTo>
@@ -534,9 +658,11 @@
       <p:sp>
         <p:nvSpPr>
           <p:cNvPr id="60" name="Shape 60"/>
-          <p:cNvSpPr txBox="1"/>
+          <p:cNvSpPr txBox="1">
+            <a:spLocks noGrp="1"/>
+          </p:cNvSpPr>
           <p:nvPr>
-            <p:ph idx="1" type="body"/>
+            <p:ph type="body" idx="1"/>
           </p:nvPr>
         </p:nvSpPr>
         <p:spPr>
@@ -549,7 +675,7 @@
           </a:prstGeom>
         </p:spPr>
         <p:txBody>
-          <a:bodyPr anchorCtr="0" anchor="t" bIns="91425" lIns="91425" rIns="91425" tIns="91425">
+          <a:bodyPr lIns="91425" tIns="91425" rIns="91425" bIns="91425" anchor="t" anchorCtr="0">
             <a:noAutofit/>
           </a:bodyPr>
           <a:lstStyle/>
@@ -560,9 +686,6 @@
               </a:spcBef>
               <a:buNone/>
             </a:pPr>
-            <a:r>
-              <a:t/>
-            </a:r>
             <a:endParaRPr/>
           </a:p>
         </p:txBody>
@@ -576,11 +699,11 @@
 </file>
 
 <file path=ppt/notesSlides/notesSlide3.xml><?xml version="1.0" encoding="utf-8"?>
-<p:notes xmlns:a="http://schemas.openxmlformats.org/drawingml/2006/main" xmlns:r="http://schemas.openxmlformats.org/officeDocument/2006/relationships" xmlns:mc="http://schemas.openxmlformats.org/markup-compatibility/2006" xmlns:mv="urn:schemas-microsoft-com:mac:vml" xmlns:p="http://schemas.openxmlformats.org/presentationml/2006/main" xmlns:c="http://schemas.openxmlformats.org/drawingml/2006/chart" xmlns:dgm="http://schemas.openxmlformats.org/drawingml/2006/diagram" xmlns:o="urn:schemas-microsoft-com:office:office" xmlns:v="urn:schemas-microsoft-com:vml" xmlns:pvml="urn:schemas-microsoft-com:office:powerpoint" xmlns:com="http://schemas.openxmlformats.org/drawingml/2006/compatibility" xmlns:p14="http://schemas.microsoft.com/office/powerpoint/2010/main" showMasterPhAnim="0" showMasterSp="0">
+<p:notes xmlns:a="http://schemas.openxmlformats.org/drawingml/2006/main" xmlns:r="http://schemas.openxmlformats.org/officeDocument/2006/relationships" xmlns:p="http://schemas.openxmlformats.org/presentationml/2006/main" showMasterSp="0" showMasterPhAnim="0">
   <p:cSld>
     <p:spTree>
       <p:nvGrpSpPr>
-        <p:cNvPr id="64" name="Shape 64"/>
+        <p:cNvPr id="1" name="Shape 64"/>
         <p:cNvGrpSpPr/>
         <p:nvPr/>
       </p:nvGrpSpPr>
@@ -595,19 +718,26 @@
       <p:sp>
         <p:nvSpPr>
           <p:cNvPr id="65" name="Shape 65"/>
-          <p:cNvSpPr/>
+          <p:cNvSpPr>
+            <a:spLocks noGrp="1" noRot="1" noChangeAspect="1"/>
+          </p:cNvSpPr>
           <p:nvPr>
-            <p:ph idx="2" type="sldImg"/>
+            <p:ph type="sldImg" idx="2"/>
           </p:nvPr>
         </p:nvSpPr>
         <p:spPr>
           <a:xfrm>
-            <a:off x="381300" y="685800"/>
+            <a:off x="381000" y="685800"/>
             <a:ext cx="6096000" cy="3429000"/>
           </a:xfrm>
           <a:custGeom>
+            <a:avLst/>
+            <a:gdLst/>
+            <a:ahLst/>
+            <a:cxnLst/>
+            <a:rect l="0" t="0" r="0" b="0"/>
             <a:pathLst>
-              <a:path extrusionOk="0" h="120000" w="120000">
+              <a:path w="120000" h="120000" extrusionOk="0">
                 <a:moveTo>
                   <a:pt x="0" y="0"/>
                 </a:moveTo>
@@ -629,9 +759,11 @@
       <p:sp>
         <p:nvSpPr>
           <p:cNvPr id="66" name="Shape 66"/>
-          <p:cNvSpPr txBox="1"/>
+          <p:cNvSpPr txBox="1">
+            <a:spLocks noGrp="1"/>
+          </p:cNvSpPr>
           <p:nvPr>
-            <p:ph idx="1" type="body"/>
+            <p:ph type="body" idx="1"/>
           </p:nvPr>
         </p:nvSpPr>
         <p:spPr>
@@ -644,7 +776,7 @@
           </a:prstGeom>
         </p:spPr>
         <p:txBody>
-          <a:bodyPr anchorCtr="0" anchor="t" bIns="91425" lIns="91425" rIns="91425" tIns="91425">
+          <a:bodyPr lIns="91425" tIns="91425" rIns="91425" bIns="91425" anchor="t" anchorCtr="0">
             <a:noAutofit/>
           </a:bodyPr>
           <a:lstStyle/>
@@ -655,9 +787,6 @@
               </a:spcBef>
               <a:buNone/>
             </a:pPr>
-            <a:r>
-              <a:t/>
-            </a:r>
             <a:endParaRPr/>
           </a:p>
         </p:txBody>
@@ -671,11 +800,11 @@
 </file>
 
 <file path=ppt/notesSlides/notesSlide4.xml><?xml version="1.0" encoding="utf-8"?>
-<p:notes xmlns:a="http://schemas.openxmlformats.org/drawingml/2006/main" xmlns:r="http://schemas.openxmlformats.org/officeDocument/2006/relationships" xmlns:mc="http://schemas.openxmlformats.org/markup-compatibility/2006" xmlns:mv="urn:schemas-microsoft-com:mac:vml" xmlns:p="http://schemas.openxmlformats.org/presentationml/2006/main" xmlns:c="http://schemas.openxmlformats.org/drawingml/2006/chart" xmlns:dgm="http://schemas.openxmlformats.org/drawingml/2006/diagram" xmlns:o="urn:schemas-microsoft-com:office:office" xmlns:v="urn:schemas-microsoft-com:vml" xmlns:pvml="urn:schemas-microsoft-com:office:powerpoint" xmlns:com="http://schemas.openxmlformats.org/drawingml/2006/compatibility" xmlns:p14="http://schemas.microsoft.com/office/powerpoint/2010/main" showMasterPhAnim="0" showMasterSp="0">
+<p:notes xmlns:a="http://schemas.openxmlformats.org/drawingml/2006/main" xmlns:r="http://schemas.openxmlformats.org/officeDocument/2006/relationships" xmlns:p="http://schemas.openxmlformats.org/presentationml/2006/main" showMasterSp="0" showMasterPhAnim="0">
   <p:cSld>
     <p:spTree>
       <p:nvGrpSpPr>
-        <p:cNvPr id="69" name="Shape 69"/>
+        <p:cNvPr id="1" name="Shape 69"/>
         <p:cNvGrpSpPr/>
         <p:nvPr/>
       </p:nvGrpSpPr>
@@ -690,19 +819,26 @@
       <p:sp>
         <p:nvSpPr>
           <p:cNvPr id="70" name="Shape 70"/>
-          <p:cNvSpPr/>
+          <p:cNvSpPr>
+            <a:spLocks noGrp="1" noRot="1" noChangeAspect="1"/>
+          </p:cNvSpPr>
           <p:nvPr>
-            <p:ph idx="2" type="sldImg"/>
+            <p:ph type="sldImg" idx="2"/>
           </p:nvPr>
         </p:nvSpPr>
         <p:spPr>
           <a:xfrm>
-            <a:off x="381300" y="685800"/>
+            <a:off x="381000" y="685800"/>
             <a:ext cx="6096000" cy="3429000"/>
           </a:xfrm>
           <a:custGeom>
+            <a:avLst/>
+            <a:gdLst/>
+            <a:ahLst/>
+            <a:cxnLst/>
+            <a:rect l="0" t="0" r="0" b="0"/>
             <a:pathLst>
-              <a:path extrusionOk="0" h="120000" w="120000">
+              <a:path w="120000" h="120000" extrusionOk="0">
                 <a:moveTo>
                   <a:pt x="0" y="0"/>
                 </a:moveTo>
@@ -724,9 +860,11 @@
       <p:sp>
         <p:nvSpPr>
           <p:cNvPr id="71" name="Shape 71"/>
-          <p:cNvSpPr txBox="1"/>
+          <p:cNvSpPr txBox="1">
+            <a:spLocks noGrp="1"/>
+          </p:cNvSpPr>
           <p:nvPr>
-            <p:ph idx="1" type="body"/>
+            <p:ph type="body" idx="1"/>
           </p:nvPr>
         </p:nvSpPr>
         <p:spPr>
@@ -739,7 +877,7 @@
           </a:prstGeom>
         </p:spPr>
         <p:txBody>
-          <a:bodyPr anchorCtr="0" anchor="t" bIns="91425" lIns="91425" rIns="91425" tIns="91425">
+          <a:bodyPr lIns="91425" tIns="91425" rIns="91425" bIns="91425" anchor="t" anchorCtr="0">
             <a:noAutofit/>
           </a:bodyPr>
           <a:lstStyle/>
@@ -750,9 +888,6 @@
               </a:spcBef>
               <a:buNone/>
             </a:pPr>
-            <a:r>
-              <a:t/>
-            </a:r>
             <a:endParaRPr/>
           </a:p>
         </p:txBody>
@@ -766,11 +901,11 @@
 </file>
 
 <file path=ppt/notesSlides/notesSlide5.xml><?xml version="1.0" encoding="utf-8"?>
-<p:notes xmlns:a="http://schemas.openxmlformats.org/drawingml/2006/main" xmlns:r="http://schemas.openxmlformats.org/officeDocument/2006/relationships" xmlns:mc="http://schemas.openxmlformats.org/markup-compatibility/2006" xmlns:mv="urn:schemas-microsoft-com:mac:vml" xmlns:p="http://schemas.openxmlformats.org/presentationml/2006/main" xmlns:c="http://schemas.openxmlformats.org/drawingml/2006/chart" xmlns:dgm="http://schemas.openxmlformats.org/drawingml/2006/diagram" xmlns:o="urn:schemas-microsoft-com:office:office" xmlns:v="urn:schemas-microsoft-com:vml" xmlns:pvml="urn:schemas-microsoft-com:office:powerpoint" xmlns:com="http://schemas.openxmlformats.org/drawingml/2006/compatibility" xmlns:p14="http://schemas.microsoft.com/office/powerpoint/2010/main" showMasterPhAnim="0" showMasterSp="0">
+<p:notes xmlns:a="http://schemas.openxmlformats.org/drawingml/2006/main" xmlns:r="http://schemas.openxmlformats.org/officeDocument/2006/relationships" xmlns:p="http://schemas.openxmlformats.org/presentationml/2006/main" showMasterSp="0" showMasterPhAnim="0">
   <p:cSld>
     <p:spTree>
       <p:nvGrpSpPr>
-        <p:cNvPr id="78" name="Shape 78"/>
+        <p:cNvPr id="1" name="Shape 78"/>
         <p:cNvGrpSpPr/>
         <p:nvPr/>
       </p:nvGrpSpPr>
@@ -785,19 +920,26 @@
       <p:sp>
         <p:nvSpPr>
           <p:cNvPr id="79" name="Shape 79"/>
-          <p:cNvSpPr/>
+          <p:cNvSpPr>
+            <a:spLocks noGrp="1" noRot="1" noChangeAspect="1"/>
+          </p:cNvSpPr>
           <p:nvPr>
-            <p:ph idx="2" type="sldImg"/>
+            <p:ph type="sldImg" idx="2"/>
           </p:nvPr>
         </p:nvSpPr>
         <p:spPr>
           <a:xfrm>
-            <a:off x="381300" y="685800"/>
+            <a:off x="381000" y="685800"/>
             <a:ext cx="6096000" cy="3429000"/>
           </a:xfrm>
           <a:custGeom>
+            <a:avLst/>
+            <a:gdLst/>
+            <a:ahLst/>
+            <a:cxnLst/>
+            <a:rect l="0" t="0" r="0" b="0"/>
             <a:pathLst>
-              <a:path extrusionOk="0" h="120000" w="120000">
+              <a:path w="120000" h="120000" extrusionOk="0">
                 <a:moveTo>
                   <a:pt x="0" y="0"/>
                 </a:moveTo>
@@ -819,9 +961,11 @@
       <p:sp>
         <p:nvSpPr>
           <p:cNvPr id="80" name="Shape 80"/>
-          <p:cNvSpPr txBox="1"/>
+          <p:cNvSpPr txBox="1">
+            <a:spLocks noGrp="1"/>
+          </p:cNvSpPr>
           <p:nvPr>
-            <p:ph idx="1" type="body"/>
+            <p:ph type="body" idx="1"/>
           </p:nvPr>
         </p:nvSpPr>
         <p:spPr>
@@ -834,7 +978,7 @@
           </a:prstGeom>
         </p:spPr>
         <p:txBody>
-          <a:bodyPr anchorCtr="0" anchor="t" bIns="91425" lIns="91425" rIns="91425" tIns="91425">
+          <a:bodyPr lIns="91425" tIns="91425" rIns="91425" bIns="91425" anchor="t" anchorCtr="0">
             <a:noAutofit/>
           </a:bodyPr>
           <a:lstStyle/>
@@ -845,9 +989,6 @@
               </a:spcBef>
               <a:buNone/>
             </a:pPr>
-            <a:r>
-              <a:t/>
-            </a:r>
             <a:endParaRPr/>
           </a:p>
         </p:txBody>
@@ -861,11 +1002,11 @@
 </file>
 
 <file path=ppt/notesSlides/notesSlide6.xml><?xml version="1.0" encoding="utf-8"?>
-<p:notes xmlns:a="http://schemas.openxmlformats.org/drawingml/2006/main" xmlns:r="http://schemas.openxmlformats.org/officeDocument/2006/relationships" xmlns:mc="http://schemas.openxmlformats.org/markup-compatibility/2006" xmlns:mv="urn:schemas-microsoft-com:mac:vml" xmlns:p="http://schemas.openxmlformats.org/presentationml/2006/main" xmlns:c="http://schemas.openxmlformats.org/drawingml/2006/chart" xmlns:dgm="http://schemas.openxmlformats.org/drawingml/2006/diagram" xmlns:o="urn:schemas-microsoft-com:office:office" xmlns:v="urn:schemas-microsoft-com:vml" xmlns:pvml="urn:schemas-microsoft-com:office:powerpoint" xmlns:com="http://schemas.openxmlformats.org/drawingml/2006/compatibility" xmlns:p14="http://schemas.microsoft.com/office/powerpoint/2010/main" showMasterPhAnim="0" showMasterSp="0">
+<p:notes xmlns:a="http://schemas.openxmlformats.org/drawingml/2006/main" xmlns:r="http://schemas.openxmlformats.org/officeDocument/2006/relationships" xmlns:p="http://schemas.openxmlformats.org/presentationml/2006/main" showMasterSp="0" showMasterPhAnim="0">
   <p:cSld>
     <p:spTree>
       <p:nvGrpSpPr>
-        <p:cNvPr id="83" name="Shape 83"/>
+        <p:cNvPr id="1" name="Shape 83"/>
         <p:cNvGrpSpPr/>
         <p:nvPr/>
       </p:nvGrpSpPr>
@@ -880,19 +1021,26 @@
       <p:sp>
         <p:nvSpPr>
           <p:cNvPr id="84" name="Shape 84"/>
-          <p:cNvSpPr/>
+          <p:cNvSpPr>
+            <a:spLocks noGrp="1" noRot="1" noChangeAspect="1"/>
+          </p:cNvSpPr>
           <p:nvPr>
-            <p:ph idx="2" type="sldImg"/>
+            <p:ph type="sldImg" idx="2"/>
           </p:nvPr>
         </p:nvSpPr>
         <p:spPr>
           <a:xfrm>
-            <a:off x="381300" y="685800"/>
+            <a:off x="381000" y="685800"/>
             <a:ext cx="6096000" cy="3429000"/>
           </a:xfrm>
           <a:custGeom>
+            <a:avLst/>
+            <a:gdLst/>
+            <a:ahLst/>
+            <a:cxnLst/>
+            <a:rect l="0" t="0" r="0" b="0"/>
             <a:pathLst>
-              <a:path extrusionOk="0" h="120000" w="120000">
+              <a:path w="120000" h="120000" extrusionOk="0">
                 <a:moveTo>
                   <a:pt x="0" y="0"/>
                 </a:moveTo>
@@ -914,9 +1062,11 @@
       <p:sp>
         <p:nvSpPr>
           <p:cNvPr id="85" name="Shape 85"/>
-          <p:cNvSpPr txBox="1"/>
+          <p:cNvSpPr txBox="1">
+            <a:spLocks noGrp="1"/>
+          </p:cNvSpPr>
           <p:nvPr>
-            <p:ph idx="1" type="body"/>
+            <p:ph type="body" idx="1"/>
           </p:nvPr>
         </p:nvSpPr>
         <p:spPr>
@@ -929,7 +1079,7 @@
           </a:prstGeom>
         </p:spPr>
         <p:txBody>
-          <a:bodyPr anchorCtr="0" anchor="t" bIns="91425" lIns="91425" rIns="91425" tIns="91425">
+          <a:bodyPr lIns="91425" tIns="91425" rIns="91425" bIns="91425" anchor="t" anchorCtr="0">
             <a:noAutofit/>
           </a:bodyPr>
           <a:lstStyle/>
@@ -940,9 +1090,6 @@
               </a:spcBef>
               <a:buNone/>
             </a:pPr>
-            <a:r>
-              <a:t/>
-            </a:r>
             <a:endParaRPr/>
           </a:p>
         </p:txBody>
@@ -956,11 +1103,117 @@
 </file>
 
 <file path=ppt/notesSlides/notesSlide7.xml><?xml version="1.0" encoding="utf-8"?>
-<p:notes xmlns:a="http://schemas.openxmlformats.org/drawingml/2006/main" xmlns:r="http://schemas.openxmlformats.org/officeDocument/2006/relationships" xmlns:mc="http://schemas.openxmlformats.org/markup-compatibility/2006" xmlns:mv="urn:schemas-microsoft-com:mac:vml" xmlns:p="http://schemas.openxmlformats.org/presentationml/2006/main" xmlns:c="http://schemas.openxmlformats.org/drawingml/2006/chart" xmlns:dgm="http://schemas.openxmlformats.org/drawingml/2006/diagram" xmlns:o="urn:schemas-microsoft-com:office:office" xmlns:v="urn:schemas-microsoft-com:vml" xmlns:pvml="urn:schemas-microsoft-com:office:powerpoint" xmlns:com="http://schemas.openxmlformats.org/drawingml/2006/compatibility" xmlns:p14="http://schemas.microsoft.com/office/powerpoint/2010/main" showMasterPhAnim="0" showMasterSp="0">
+<p:notes xmlns:a="http://schemas.openxmlformats.org/drawingml/2006/main" xmlns:r="http://schemas.openxmlformats.org/officeDocument/2006/relationships" xmlns:p="http://schemas.openxmlformats.org/presentationml/2006/main" showMasterSp="0" showMasterPhAnim="0">
   <p:cSld>
     <p:spTree>
       <p:nvGrpSpPr>
-        <p:cNvPr id="89" name="Shape 89"/>
+        <p:cNvPr id="1" name="Shape 78"/>
+        <p:cNvGrpSpPr/>
+        <p:nvPr/>
+      </p:nvGrpSpPr>
+      <p:grpSpPr>
+        <a:xfrm>
+          <a:off x="0" y="0"/>
+          <a:ext cx="0" cy="0"/>
+          <a:chOff x="0" y="0"/>
+          <a:chExt cx="0" cy="0"/>
+        </a:xfrm>
+      </p:grpSpPr>
+      <p:sp>
+        <p:nvSpPr>
+          <p:cNvPr id="79" name="Shape 79"/>
+          <p:cNvSpPr>
+            <a:spLocks noGrp="1" noRot="1" noChangeAspect="1"/>
+          </p:cNvSpPr>
+          <p:nvPr>
+            <p:ph type="sldImg" idx="2"/>
+          </p:nvPr>
+        </p:nvSpPr>
+        <p:spPr>
+          <a:xfrm>
+            <a:off x="381000" y="685800"/>
+            <a:ext cx="6096000" cy="3429000"/>
+          </a:xfrm>
+          <a:custGeom>
+            <a:avLst/>
+            <a:gdLst/>
+            <a:ahLst/>
+            <a:cxnLst/>
+            <a:rect l="0" t="0" r="0" b="0"/>
+            <a:pathLst>
+              <a:path w="120000" h="120000" extrusionOk="0">
+                <a:moveTo>
+                  <a:pt x="0" y="0"/>
+                </a:moveTo>
+                <a:lnTo>
+                  <a:pt x="120000" y="0"/>
+                </a:lnTo>
+                <a:lnTo>
+                  <a:pt x="120000" y="120000"/>
+                </a:lnTo>
+                <a:lnTo>
+                  <a:pt x="0" y="120000"/>
+                </a:lnTo>
+                <a:close/>
+              </a:path>
+            </a:pathLst>
+          </a:custGeom>
+        </p:spPr>
+      </p:sp>
+      <p:sp>
+        <p:nvSpPr>
+          <p:cNvPr id="80" name="Shape 80"/>
+          <p:cNvSpPr txBox="1">
+            <a:spLocks noGrp="1"/>
+          </p:cNvSpPr>
+          <p:nvPr>
+            <p:ph type="body" idx="1"/>
+          </p:nvPr>
+        </p:nvSpPr>
+        <p:spPr>
+          <a:xfrm>
+            <a:off x="685800" y="4343400"/>
+            <a:ext cx="5486400" cy="4114800"/>
+          </a:xfrm>
+          <a:prstGeom prst="rect">
+            <a:avLst/>
+          </a:prstGeom>
+        </p:spPr>
+        <p:txBody>
+          <a:bodyPr lIns="91425" tIns="91425" rIns="91425" bIns="91425" anchor="t" anchorCtr="0">
+            <a:noAutofit/>
+          </a:bodyPr>
+          <a:lstStyle/>
+          <a:p>
+            <a:pPr lvl="0" rtl="0">
+              <a:spcBef>
+                <a:spcPts val="0"/>
+              </a:spcBef>
+              <a:buNone/>
+            </a:pPr>
+            <a:endParaRPr/>
+          </a:p>
+        </p:txBody>
+      </p:sp>
+    </p:spTree>
+    <p:extLst>
+      <p:ext uri="{BB962C8B-B14F-4D97-AF65-F5344CB8AC3E}">
+        <p14:creationId xmlns:p14="http://schemas.microsoft.com/office/powerpoint/2010/main" val="2797258851"/>
+      </p:ext>
+    </p:extLst>
+  </p:cSld>
+  <p:clrMapOvr>
+    <a:masterClrMapping/>
+  </p:clrMapOvr>
+</p:notes>
+</file>
+
+<file path=ppt/notesSlides/notesSlide8.xml><?xml version="1.0" encoding="utf-8"?>
+<p:notes xmlns:a="http://schemas.openxmlformats.org/drawingml/2006/main" xmlns:r="http://schemas.openxmlformats.org/officeDocument/2006/relationships" xmlns:p="http://schemas.openxmlformats.org/presentationml/2006/main" showMasterSp="0" showMasterPhAnim="0">
+  <p:cSld>
+    <p:spTree>
+      <p:nvGrpSpPr>
+        <p:cNvPr id="1" name="Shape 89"/>
         <p:cNvGrpSpPr/>
         <p:nvPr/>
       </p:nvGrpSpPr>
@@ -975,19 +1228,26 @@
       <p:sp>
         <p:nvSpPr>
           <p:cNvPr id="90" name="Shape 90"/>
-          <p:cNvSpPr/>
+          <p:cNvSpPr>
+            <a:spLocks noGrp="1" noRot="1" noChangeAspect="1"/>
+          </p:cNvSpPr>
           <p:nvPr>
-            <p:ph idx="2" type="sldImg"/>
+            <p:ph type="sldImg" idx="2"/>
           </p:nvPr>
         </p:nvSpPr>
         <p:spPr>
           <a:xfrm>
-            <a:off x="381300" y="685800"/>
+            <a:off x="381000" y="685800"/>
             <a:ext cx="6096000" cy="3429000"/>
           </a:xfrm>
           <a:custGeom>
+            <a:avLst/>
+            <a:gdLst/>
+            <a:ahLst/>
+            <a:cxnLst/>
+            <a:rect l="0" t="0" r="0" b="0"/>
             <a:pathLst>
-              <a:path extrusionOk="0" h="120000" w="120000">
+              <a:path w="120000" h="120000" extrusionOk="0">
                 <a:moveTo>
                   <a:pt x="0" y="0"/>
                 </a:moveTo>
@@ -1009,9 +1269,11 @@
       <p:sp>
         <p:nvSpPr>
           <p:cNvPr id="91" name="Shape 91"/>
-          <p:cNvSpPr txBox="1"/>
+          <p:cNvSpPr txBox="1">
+            <a:spLocks noGrp="1"/>
+          </p:cNvSpPr>
           <p:nvPr>
-            <p:ph idx="1" type="body"/>
+            <p:ph type="body" idx="1"/>
           </p:nvPr>
         </p:nvSpPr>
         <p:spPr>
@@ -1024,7 +1286,7 @@
           </a:prstGeom>
         </p:spPr>
         <p:txBody>
-          <a:bodyPr anchorCtr="0" anchor="t" bIns="91425" lIns="91425" rIns="91425" tIns="91425">
+          <a:bodyPr lIns="91425" tIns="91425" rIns="91425" bIns="91425" anchor="t" anchorCtr="0">
             <a:noAutofit/>
           </a:bodyPr>
           <a:lstStyle/>
@@ -1035,9 +1297,6 @@
               </a:spcBef>
               <a:buNone/>
             </a:pPr>
-            <a:r>
-              <a:t/>
-            </a:r>
             <a:endParaRPr/>
           </a:p>
         </p:txBody>
@@ -1050,12 +1309,12 @@
 </p:notes>
 </file>
 
-<file path=ppt/notesSlides/notesSlide8.xml><?xml version="1.0" encoding="utf-8"?>
-<p:notes xmlns:a="http://schemas.openxmlformats.org/drawingml/2006/main" xmlns:r="http://schemas.openxmlformats.org/officeDocument/2006/relationships" xmlns:mc="http://schemas.openxmlformats.org/markup-compatibility/2006" xmlns:mv="urn:schemas-microsoft-com:mac:vml" xmlns:p="http://schemas.openxmlformats.org/presentationml/2006/main" xmlns:c="http://schemas.openxmlformats.org/drawingml/2006/chart" xmlns:dgm="http://schemas.openxmlformats.org/drawingml/2006/diagram" xmlns:o="urn:schemas-microsoft-com:office:office" xmlns:v="urn:schemas-microsoft-com:vml" xmlns:pvml="urn:schemas-microsoft-com:office:powerpoint" xmlns:com="http://schemas.openxmlformats.org/drawingml/2006/compatibility" xmlns:p14="http://schemas.microsoft.com/office/powerpoint/2010/main" showMasterPhAnim="0" showMasterSp="0">
+<file path=ppt/notesSlides/notesSlide9.xml><?xml version="1.0" encoding="utf-8"?>
+<p:notes xmlns:a="http://schemas.openxmlformats.org/drawingml/2006/main" xmlns:r="http://schemas.openxmlformats.org/officeDocument/2006/relationships" xmlns:p="http://schemas.openxmlformats.org/presentationml/2006/main" showMasterSp="0" showMasterPhAnim="0">
   <p:cSld>
     <p:spTree>
       <p:nvGrpSpPr>
-        <p:cNvPr id="94" name="Shape 94"/>
+        <p:cNvPr id="1" name="Shape 94"/>
         <p:cNvGrpSpPr/>
         <p:nvPr/>
       </p:nvGrpSpPr>
@@ -1070,19 +1329,26 @@
       <p:sp>
         <p:nvSpPr>
           <p:cNvPr id="95" name="Shape 95"/>
-          <p:cNvSpPr/>
+          <p:cNvSpPr>
+            <a:spLocks noGrp="1" noRot="1" noChangeAspect="1"/>
+          </p:cNvSpPr>
           <p:nvPr>
-            <p:ph idx="2" type="sldImg"/>
+            <p:ph type="sldImg" idx="2"/>
           </p:nvPr>
         </p:nvSpPr>
         <p:spPr>
           <a:xfrm>
-            <a:off x="381300" y="685800"/>
+            <a:off x="381000" y="685800"/>
             <a:ext cx="6096000" cy="3429000"/>
           </a:xfrm>
           <a:custGeom>
+            <a:avLst/>
+            <a:gdLst/>
+            <a:ahLst/>
+            <a:cxnLst/>
+            <a:rect l="0" t="0" r="0" b="0"/>
             <a:pathLst>
-              <a:path extrusionOk="0" h="120000" w="120000">
+              <a:path w="120000" h="120000" extrusionOk="0">
                 <a:moveTo>
                   <a:pt x="0" y="0"/>
                 </a:moveTo>
@@ -1104,9 +1370,11 @@
       <p:sp>
         <p:nvSpPr>
           <p:cNvPr id="96" name="Shape 96"/>
-          <p:cNvSpPr txBox="1"/>
+          <p:cNvSpPr txBox="1">
+            <a:spLocks noGrp="1"/>
+          </p:cNvSpPr>
           <p:nvPr>
-            <p:ph idx="1" type="body"/>
+            <p:ph type="body" idx="1"/>
           </p:nvPr>
         </p:nvSpPr>
         <p:spPr>
@@ -1119,7 +1387,7 @@
           </a:prstGeom>
         </p:spPr>
         <p:txBody>
-          <a:bodyPr anchorCtr="0" anchor="t" bIns="91425" lIns="91425" rIns="91425" tIns="91425">
+          <a:bodyPr lIns="91425" tIns="91425" rIns="91425" bIns="91425" anchor="t" anchorCtr="0">
             <a:noAutofit/>
           </a:bodyPr>
           <a:lstStyle/>
@@ -1130,9 +1398,6 @@
               </a:spcBef>
               <a:buNone/>
             </a:pPr>
-            <a:r>
-              <a:t/>
-            </a:r>
             <a:endParaRPr/>
           </a:p>
         </p:txBody>
@@ -1146,18 +1411,19 @@
 </file>
 
 <file path=ppt/slideLayouts/slideLayout1.xml><?xml version="1.0" encoding="utf-8"?>
-<p:sldLayout xmlns:a="http://schemas.openxmlformats.org/drawingml/2006/main" xmlns:r="http://schemas.openxmlformats.org/officeDocument/2006/relationships" xmlns:mc="http://schemas.openxmlformats.org/markup-compatibility/2006" xmlns:mv="urn:schemas-microsoft-com:mac:vml" xmlns:p="http://schemas.openxmlformats.org/presentationml/2006/main" xmlns:c="http://schemas.openxmlformats.org/drawingml/2006/chart" xmlns:dgm="http://schemas.openxmlformats.org/drawingml/2006/diagram" xmlns:o="urn:schemas-microsoft-com:office:office" xmlns:v="urn:schemas-microsoft-com:vml" xmlns:pvml="urn:schemas-microsoft-com:office:powerpoint" xmlns:com="http://schemas.openxmlformats.org/drawingml/2006/compatibility" xmlns:p14="http://schemas.microsoft.com/office/powerpoint/2010/main" type="title">
+<p:sldLayout xmlns:a="http://schemas.openxmlformats.org/drawingml/2006/main" xmlns:r="http://schemas.openxmlformats.org/officeDocument/2006/relationships" xmlns:p="http://schemas.openxmlformats.org/presentationml/2006/main" type="title">
   <p:cSld name="Title slide">
     <p:bg>
       <p:bgPr>
         <a:solidFill>
           <a:schemeClr val="dk1"/>
         </a:solidFill>
+        <a:effectLst/>
       </p:bgPr>
     </p:bg>
     <p:spTree>
       <p:nvGrpSpPr>
-        <p:cNvPr id="9" name="Shape 9"/>
+        <p:cNvPr id="1" name="Shape 9"/>
         <p:cNvGrpSpPr/>
         <p:nvPr/>
       </p:nvGrpSpPr>
@@ -1191,7 +1457,7 @@
           </a:ln>
         </p:spPr>
         <p:txBody>
-          <a:bodyPr anchorCtr="0" anchor="ctr" bIns="91425" lIns="91425" rIns="91425" tIns="91425">
+          <a:bodyPr lIns="91425" tIns="91425" rIns="91425" bIns="91425" anchor="ctr" anchorCtr="0">
             <a:noAutofit/>
           </a:bodyPr>
           <a:lstStyle/>
@@ -1202,9 +1468,6 @@
               </a:spcBef>
               <a:buNone/>
             </a:pPr>
-            <a:r>
-              <a:t/>
-            </a:r>
             <a:endParaRPr/>
           </a:p>
         </p:txBody>
@@ -1212,7 +1475,9 @@
       <p:sp>
         <p:nvSpPr>
           <p:cNvPr id="11" name="Shape 11"/>
-          <p:cNvSpPr txBox="1"/>
+          <p:cNvSpPr txBox="1">
+            <a:spLocks noGrp="1"/>
+          </p:cNvSpPr>
           <p:nvPr>
             <p:ph type="ctrTitle"/>
           </p:nvPr>
@@ -1227,7 +1492,7 @@
           </a:prstGeom>
         </p:spPr>
         <p:txBody>
-          <a:bodyPr anchorCtr="0" anchor="ctr" bIns="91425" lIns="91425" rIns="91425" tIns="91425"/>
+          <a:bodyPr lIns="91425" tIns="91425" rIns="91425" bIns="91425" anchor="ctr" anchorCtr="0"/>
           <a:lstStyle>
             <a:lvl1pPr lvl="0" algn="ctr">
               <a:spcBef>
@@ -1293,15 +1558,19 @@
               <a:defRPr sz="8000"/>
             </a:lvl9pPr>
           </a:lstStyle>
-          <a:p/>
+          <a:p>
+            <a:endParaRPr/>
+          </a:p>
         </p:txBody>
       </p:sp>
       <p:sp>
         <p:nvSpPr>
           <p:cNvPr id="12" name="Shape 12"/>
-          <p:cNvSpPr txBox="1"/>
+          <p:cNvSpPr txBox="1">
+            <a:spLocks noGrp="1"/>
+          </p:cNvSpPr>
           <p:nvPr>
-            <p:ph idx="1" type="subTitle"/>
+            <p:ph type="subTitle" idx="1"/>
           </p:nvPr>
         </p:nvSpPr>
         <p:spPr>
@@ -1314,7 +1583,7 @@
           </a:prstGeom>
         </p:spPr>
         <p:txBody>
-          <a:bodyPr anchorCtr="0" anchor="ctr" bIns="91425" lIns="91425" rIns="91425" tIns="91425"/>
+          <a:bodyPr lIns="91425" tIns="91425" rIns="91425" bIns="91425" anchor="ctr" anchorCtr="0"/>
           <a:lstStyle>
             <a:lvl1pPr lvl="0" algn="ctr">
               <a:lnSpc>
@@ -1331,7 +1600,7 @@
               </a:buClr>
               <a:buSzPct val="100000"/>
               <a:buNone/>
-              <a:defRPr b="1" sz="2100">
+              <a:defRPr sz="2100" b="1">
                 <a:solidFill>
                   <a:schemeClr val="accent1"/>
                 </a:solidFill>
@@ -1352,7 +1621,7 @@
               </a:buClr>
               <a:buSzPct val="100000"/>
               <a:buNone/>
-              <a:defRPr b="1" sz="2100">
+              <a:defRPr sz="2100" b="1">
                 <a:solidFill>
                   <a:schemeClr val="accent1"/>
                 </a:solidFill>
@@ -1373,7 +1642,7 @@
               </a:buClr>
               <a:buSzPct val="100000"/>
               <a:buNone/>
-              <a:defRPr b="1" sz="2100">
+              <a:defRPr sz="2100" b="1">
                 <a:solidFill>
                   <a:schemeClr val="accent1"/>
                 </a:solidFill>
@@ -1394,7 +1663,7 @@
               </a:buClr>
               <a:buSzPct val="100000"/>
               <a:buNone/>
-              <a:defRPr b="1" sz="2100">
+              <a:defRPr sz="2100" b="1">
                 <a:solidFill>
                   <a:schemeClr val="accent1"/>
                 </a:solidFill>
@@ -1415,7 +1684,7 @@
               </a:buClr>
               <a:buSzPct val="100000"/>
               <a:buNone/>
-              <a:defRPr b="1" sz="2100">
+              <a:defRPr sz="2100" b="1">
                 <a:solidFill>
                   <a:schemeClr val="accent1"/>
                 </a:solidFill>
@@ -1436,7 +1705,7 @@
               </a:buClr>
               <a:buSzPct val="100000"/>
               <a:buNone/>
-              <a:defRPr b="1" sz="2100">
+              <a:defRPr sz="2100" b="1">
                 <a:solidFill>
                   <a:schemeClr val="accent1"/>
                 </a:solidFill>
@@ -1457,7 +1726,7 @@
               </a:buClr>
               <a:buSzPct val="100000"/>
               <a:buNone/>
-              <a:defRPr b="1" sz="2100">
+              <a:defRPr sz="2100" b="1">
                 <a:solidFill>
                   <a:schemeClr val="accent1"/>
                 </a:solidFill>
@@ -1478,7 +1747,7 @@
               </a:buClr>
               <a:buSzPct val="100000"/>
               <a:buNone/>
-              <a:defRPr b="1" sz="2100">
+              <a:defRPr sz="2100" b="1">
                 <a:solidFill>
                   <a:schemeClr val="accent1"/>
                 </a:solidFill>
@@ -1499,22 +1768,26 @@
               </a:buClr>
               <a:buSzPct val="100000"/>
               <a:buNone/>
-              <a:defRPr b="1" sz="2100">
+              <a:defRPr sz="2100" b="1">
                 <a:solidFill>
                   <a:schemeClr val="accent1"/>
                 </a:solidFill>
               </a:defRPr>
             </a:lvl9pPr>
           </a:lstStyle>
-          <a:p/>
+          <a:p>
+            <a:endParaRPr/>
+          </a:p>
         </p:txBody>
       </p:sp>
       <p:sp>
         <p:nvSpPr>
           <p:cNvPr id="13" name="Shape 13"/>
-          <p:cNvSpPr txBox="1"/>
+          <p:cNvSpPr txBox="1">
+            <a:spLocks noGrp="1"/>
+          </p:cNvSpPr>
           <p:nvPr>
-            <p:ph idx="12" type="sldNum"/>
+            <p:ph type="sldNum" idx="12"/>
           </p:nvPr>
         </p:nvSpPr>
         <p:spPr>
@@ -1527,7 +1800,7 @@
           </a:prstGeom>
         </p:spPr>
         <p:txBody>
-          <a:bodyPr anchorCtr="0" anchor="ctr" bIns="91425" lIns="91425" rIns="91425" tIns="91425">
+          <a:bodyPr lIns="91425" tIns="91425" rIns="91425" bIns="91425" anchor="ctr" anchorCtr="0">
             <a:noAutofit/>
           </a:bodyPr>
           <a:lstStyle/>
@@ -1542,6 +1815,7 @@
               <a:rPr lang="en"/>
               <a:t>‹#›</a:t>
             </a:fld>
+            <a:endParaRPr lang="en"/>
           </a:p>
         </p:txBody>
       </p:sp>
@@ -1554,11 +1828,11 @@
 </file>
 
 <file path=ppt/slideLayouts/slideLayout10.xml><?xml version="1.0" encoding="utf-8"?>
-<p:sldLayout xmlns:a="http://schemas.openxmlformats.org/drawingml/2006/main" xmlns:r="http://schemas.openxmlformats.org/officeDocument/2006/relationships" xmlns:mc="http://schemas.openxmlformats.org/markup-compatibility/2006" xmlns:mv="urn:schemas-microsoft-com:mac:vml" xmlns:p="http://schemas.openxmlformats.org/presentationml/2006/main" xmlns:c="http://schemas.openxmlformats.org/drawingml/2006/chart" xmlns:dgm="http://schemas.openxmlformats.org/drawingml/2006/diagram" xmlns:o="urn:schemas-microsoft-com:office:office" xmlns:v="urn:schemas-microsoft-com:vml" xmlns:pvml="urn:schemas-microsoft-com:office:powerpoint" xmlns:com="http://schemas.openxmlformats.org/drawingml/2006/compatibility" xmlns:p14="http://schemas.microsoft.com/office/powerpoint/2010/main">
+<p:sldLayout xmlns:a="http://schemas.openxmlformats.org/drawingml/2006/main" xmlns:r="http://schemas.openxmlformats.org/officeDocument/2006/relationships" xmlns:p="http://schemas.openxmlformats.org/presentationml/2006/main">
   <p:cSld name="Big number">
     <p:spTree>
       <p:nvGrpSpPr>
-        <p:cNvPr id="46" name="Shape 46"/>
+        <p:cNvPr id="1" name="Shape 46"/>
         <p:cNvGrpSpPr/>
         <p:nvPr/>
       </p:nvGrpSpPr>
@@ -1573,7 +1847,9 @@
       <p:sp>
         <p:nvSpPr>
           <p:cNvPr id="47" name="Shape 47"/>
-          <p:cNvSpPr txBox="1"/>
+          <p:cNvSpPr txBox="1">
+            <a:spLocks noGrp="1"/>
+          </p:cNvSpPr>
           <p:nvPr>
             <p:ph type="title"/>
           </p:nvPr>
@@ -1588,7 +1864,7 @@
           </a:prstGeom>
         </p:spPr>
         <p:txBody>
-          <a:bodyPr anchorCtr="0" anchor="b" bIns="91425" lIns="91425" rIns="91425" tIns="91425"/>
+          <a:bodyPr lIns="91425" tIns="91425" rIns="91425" bIns="91425" anchor="b" anchorCtr="0"/>
           <a:lstStyle>
             <a:lvl1pPr lvl="0" algn="ctr">
               <a:spcBef>
@@ -1717,15 +1993,19 @@
               </a:defRPr>
             </a:lvl9pPr>
           </a:lstStyle>
-          <a:p/>
+          <a:p>
+            <a:endParaRPr/>
+          </a:p>
         </p:txBody>
       </p:sp>
       <p:sp>
         <p:nvSpPr>
           <p:cNvPr id="48" name="Shape 48"/>
-          <p:cNvSpPr txBox="1"/>
+          <p:cNvSpPr txBox="1">
+            <a:spLocks noGrp="1"/>
+          </p:cNvSpPr>
           <p:nvPr>
-            <p:ph idx="1" type="body"/>
+            <p:ph type="body" idx="1"/>
           </p:nvPr>
         </p:nvSpPr>
         <p:spPr>
@@ -1738,7 +2018,7 @@
           </a:prstGeom>
         </p:spPr>
         <p:txBody>
-          <a:bodyPr anchorCtr="0" anchor="t" bIns="91425" lIns="91425" rIns="91425" tIns="91425"/>
+          <a:bodyPr lIns="91425" tIns="91425" rIns="91425" bIns="91425" anchor="t" anchorCtr="0"/>
           <a:lstStyle>
             <a:lvl1pPr lvl="0" algn="ctr">
               <a:spcBef>
@@ -1858,15 +2138,19 @@
               </a:defRPr>
             </a:lvl9pPr>
           </a:lstStyle>
-          <a:p/>
+          <a:p>
+            <a:endParaRPr/>
+          </a:p>
         </p:txBody>
       </p:sp>
       <p:sp>
         <p:nvSpPr>
           <p:cNvPr id="49" name="Shape 49"/>
-          <p:cNvSpPr txBox="1"/>
+          <p:cNvSpPr txBox="1">
+            <a:spLocks noGrp="1"/>
+          </p:cNvSpPr>
           <p:nvPr>
-            <p:ph idx="12" type="sldNum"/>
+            <p:ph type="sldNum" idx="12"/>
           </p:nvPr>
         </p:nvSpPr>
         <p:spPr>
@@ -1879,7 +2163,7 @@
           </a:prstGeom>
         </p:spPr>
         <p:txBody>
-          <a:bodyPr anchorCtr="0" anchor="ctr" bIns="91425" lIns="91425" rIns="91425" tIns="91425">
+          <a:bodyPr lIns="91425" tIns="91425" rIns="91425" bIns="91425" anchor="ctr" anchorCtr="0">
             <a:noAutofit/>
           </a:bodyPr>
           <a:lstStyle/>
@@ -1894,6 +2178,7 @@
               <a:rPr lang="en"/>
               <a:t>‹#›</a:t>
             </a:fld>
+            <a:endParaRPr lang="en"/>
           </a:p>
         </p:txBody>
       </p:sp>
@@ -1906,11 +2191,11 @@
 </file>
 
 <file path=ppt/slideLayouts/slideLayout11.xml><?xml version="1.0" encoding="utf-8"?>
-<p:sldLayout xmlns:a="http://schemas.openxmlformats.org/drawingml/2006/main" xmlns:r="http://schemas.openxmlformats.org/officeDocument/2006/relationships" xmlns:mc="http://schemas.openxmlformats.org/markup-compatibility/2006" xmlns:mv="urn:schemas-microsoft-com:mac:vml" xmlns:p="http://schemas.openxmlformats.org/presentationml/2006/main" xmlns:c="http://schemas.openxmlformats.org/drawingml/2006/chart" xmlns:dgm="http://schemas.openxmlformats.org/drawingml/2006/diagram" xmlns:o="urn:schemas-microsoft-com:office:office" xmlns:v="urn:schemas-microsoft-com:vml" xmlns:pvml="urn:schemas-microsoft-com:office:powerpoint" xmlns:com="http://schemas.openxmlformats.org/drawingml/2006/compatibility" xmlns:p14="http://schemas.microsoft.com/office/powerpoint/2010/main" type="blank">
+<p:sldLayout xmlns:a="http://schemas.openxmlformats.org/drawingml/2006/main" xmlns:r="http://schemas.openxmlformats.org/officeDocument/2006/relationships" xmlns:p="http://schemas.openxmlformats.org/presentationml/2006/main" type="blank">
   <p:cSld name="Blank">
     <p:spTree>
       <p:nvGrpSpPr>
-        <p:cNvPr id="50" name="Shape 50"/>
+        <p:cNvPr id="1" name="Shape 50"/>
         <p:cNvGrpSpPr/>
         <p:nvPr/>
       </p:nvGrpSpPr>
@@ -1925,9 +2210,11 @@
       <p:sp>
         <p:nvSpPr>
           <p:cNvPr id="51" name="Shape 51"/>
-          <p:cNvSpPr txBox="1"/>
+          <p:cNvSpPr txBox="1">
+            <a:spLocks noGrp="1"/>
+          </p:cNvSpPr>
           <p:nvPr>
-            <p:ph idx="12" type="sldNum"/>
+            <p:ph type="sldNum" idx="12"/>
           </p:nvPr>
         </p:nvSpPr>
         <p:spPr>
@@ -1940,7 +2227,7 @@
           </a:prstGeom>
         </p:spPr>
         <p:txBody>
-          <a:bodyPr anchorCtr="0" anchor="ctr" bIns="91425" lIns="91425" rIns="91425" tIns="91425">
+          <a:bodyPr lIns="91425" tIns="91425" rIns="91425" bIns="91425" anchor="ctr" anchorCtr="0">
             <a:noAutofit/>
           </a:bodyPr>
           <a:lstStyle/>
@@ -1955,6 +2242,7 @@
               <a:rPr lang="en"/>
               <a:t>‹#›</a:t>
             </a:fld>
+            <a:endParaRPr lang="en"/>
           </a:p>
         </p:txBody>
       </p:sp>
@@ -1967,18 +2255,19 @@
 </file>
 
 <file path=ppt/slideLayouts/slideLayout2.xml><?xml version="1.0" encoding="utf-8"?>
-<p:sldLayout xmlns:a="http://schemas.openxmlformats.org/drawingml/2006/main" xmlns:r="http://schemas.openxmlformats.org/officeDocument/2006/relationships" xmlns:mc="http://schemas.openxmlformats.org/markup-compatibility/2006" xmlns:mv="urn:schemas-microsoft-com:mac:vml" xmlns:p="http://schemas.openxmlformats.org/presentationml/2006/main" xmlns:c="http://schemas.openxmlformats.org/drawingml/2006/chart" xmlns:dgm="http://schemas.openxmlformats.org/drawingml/2006/diagram" xmlns:o="urn:schemas-microsoft-com:office:office" xmlns:v="urn:schemas-microsoft-com:vml" xmlns:pvml="urn:schemas-microsoft-com:office:powerpoint" xmlns:com="http://schemas.openxmlformats.org/drawingml/2006/compatibility" xmlns:p14="http://schemas.microsoft.com/office/powerpoint/2010/main" type="secHead">
+<p:sldLayout xmlns:a="http://schemas.openxmlformats.org/drawingml/2006/main" xmlns:r="http://schemas.openxmlformats.org/officeDocument/2006/relationships" xmlns:p="http://schemas.openxmlformats.org/presentationml/2006/main" type="secHead">
   <p:cSld name="Section header">
     <p:bg>
       <p:bgPr>
         <a:solidFill>
           <a:schemeClr val="dk1"/>
         </a:solidFill>
+        <a:effectLst/>
       </p:bgPr>
     </p:bg>
     <p:spTree>
       <p:nvGrpSpPr>
-        <p:cNvPr id="14" name="Shape 14"/>
+        <p:cNvPr id="1" name="Shape 14"/>
         <p:cNvGrpSpPr/>
         <p:nvPr/>
       </p:nvGrpSpPr>
@@ -1993,7 +2282,9 @@
       <p:sp>
         <p:nvSpPr>
           <p:cNvPr id="15" name="Shape 15"/>
-          <p:cNvSpPr txBox="1"/>
+          <p:cNvSpPr txBox="1">
+            <a:spLocks noGrp="1"/>
+          </p:cNvSpPr>
           <p:nvPr>
             <p:ph type="title"/>
           </p:nvPr>
@@ -2011,7 +2302,7 @@
           </a:solidFill>
         </p:spPr>
         <p:txBody>
-          <a:bodyPr anchorCtr="0" anchor="ctr" bIns="91425" lIns="91425" rIns="91425" tIns="91425"/>
+          <a:bodyPr lIns="91425" tIns="91425" rIns="91425" bIns="91425" anchor="ctr" anchorCtr="0"/>
           <a:lstStyle>
             <a:lvl1pPr lvl="0" algn="ctr">
               <a:spcBef>
@@ -2077,15 +2368,19 @@
               <a:defRPr sz="4800"/>
             </a:lvl9pPr>
           </a:lstStyle>
-          <a:p/>
+          <a:p>
+            <a:endParaRPr/>
+          </a:p>
         </p:txBody>
       </p:sp>
       <p:sp>
         <p:nvSpPr>
           <p:cNvPr id="16" name="Shape 16"/>
-          <p:cNvSpPr txBox="1"/>
+          <p:cNvSpPr txBox="1">
+            <a:spLocks noGrp="1"/>
+          </p:cNvSpPr>
           <p:nvPr>
-            <p:ph idx="12" type="sldNum"/>
+            <p:ph type="sldNum" idx="12"/>
           </p:nvPr>
         </p:nvSpPr>
         <p:spPr>
@@ -2098,7 +2393,7 @@
           </a:prstGeom>
         </p:spPr>
         <p:txBody>
-          <a:bodyPr anchorCtr="0" anchor="ctr" bIns="91425" lIns="91425" rIns="91425" tIns="91425">
+          <a:bodyPr lIns="91425" tIns="91425" rIns="91425" bIns="91425" anchor="ctr" anchorCtr="0">
             <a:noAutofit/>
           </a:bodyPr>
           <a:lstStyle/>
@@ -2113,6 +2408,7 @@
               <a:rPr lang="en"/>
               <a:t>‹#›</a:t>
             </a:fld>
+            <a:endParaRPr lang="en"/>
           </a:p>
         </p:txBody>
       </p:sp>
@@ -2125,11 +2421,11 @@
 </file>
 
 <file path=ppt/slideLayouts/slideLayout3.xml><?xml version="1.0" encoding="utf-8"?>
-<p:sldLayout xmlns:a="http://schemas.openxmlformats.org/drawingml/2006/main" xmlns:r="http://schemas.openxmlformats.org/officeDocument/2006/relationships" xmlns:mc="http://schemas.openxmlformats.org/markup-compatibility/2006" xmlns:mv="urn:schemas-microsoft-com:mac:vml" xmlns:p="http://schemas.openxmlformats.org/presentationml/2006/main" xmlns:c="http://schemas.openxmlformats.org/drawingml/2006/chart" xmlns:dgm="http://schemas.openxmlformats.org/drawingml/2006/diagram" xmlns:o="urn:schemas-microsoft-com:office:office" xmlns:v="urn:schemas-microsoft-com:vml" xmlns:pvml="urn:schemas-microsoft-com:office:powerpoint" xmlns:com="http://schemas.openxmlformats.org/drawingml/2006/compatibility" xmlns:p14="http://schemas.microsoft.com/office/powerpoint/2010/main" type="tx">
+<p:sldLayout xmlns:a="http://schemas.openxmlformats.org/drawingml/2006/main" xmlns:r="http://schemas.openxmlformats.org/officeDocument/2006/relationships" xmlns:p="http://schemas.openxmlformats.org/presentationml/2006/main" type="tx">
   <p:cSld name="Title and body">
     <p:spTree>
       <p:nvGrpSpPr>
-        <p:cNvPr id="17" name="Shape 17"/>
+        <p:cNvPr id="1" name="Shape 17"/>
         <p:cNvGrpSpPr/>
         <p:nvPr/>
       </p:nvGrpSpPr>
@@ -2144,7 +2440,9 @@
       <p:sp>
         <p:nvSpPr>
           <p:cNvPr id="18" name="Shape 18"/>
-          <p:cNvSpPr txBox="1"/>
+          <p:cNvSpPr txBox="1">
+            <a:spLocks noGrp="1"/>
+          </p:cNvSpPr>
           <p:nvPr>
             <p:ph type="title"/>
           </p:nvPr>
@@ -2159,7 +2457,7 @@
           </a:prstGeom>
         </p:spPr>
         <p:txBody>
-          <a:bodyPr anchorCtr="0" anchor="t" bIns="91425" lIns="91425" rIns="91425" tIns="91425"/>
+          <a:bodyPr lIns="91425" tIns="91425" rIns="91425" bIns="91425" anchor="t" anchorCtr="0"/>
           <a:lstStyle>
             <a:lvl1pPr lvl="0">
               <a:spcBef>
@@ -2216,15 +2514,19 @@
               <a:defRPr/>
             </a:lvl9pPr>
           </a:lstStyle>
-          <a:p/>
+          <a:p>
+            <a:endParaRPr/>
+          </a:p>
         </p:txBody>
       </p:sp>
       <p:sp>
         <p:nvSpPr>
           <p:cNvPr id="19" name="Shape 19"/>
-          <p:cNvSpPr txBox="1"/>
+          <p:cNvSpPr txBox="1">
+            <a:spLocks noGrp="1"/>
+          </p:cNvSpPr>
           <p:nvPr>
-            <p:ph idx="1" type="body"/>
+            <p:ph type="body" idx="1"/>
           </p:nvPr>
         </p:nvSpPr>
         <p:spPr>
@@ -2237,7 +2539,7 @@
           </a:prstGeom>
         </p:spPr>
         <p:txBody>
-          <a:bodyPr anchorCtr="0" anchor="t" bIns="91425" lIns="91425" rIns="91425" tIns="91425"/>
+          <a:bodyPr lIns="91425" tIns="91425" rIns="91425" bIns="91425" anchor="t" anchorCtr="0"/>
           <a:lstStyle>
             <a:lvl1pPr lvl="0">
               <a:spcBef>
@@ -2294,15 +2596,19 @@
               <a:defRPr/>
             </a:lvl9pPr>
           </a:lstStyle>
-          <a:p/>
+          <a:p>
+            <a:endParaRPr/>
+          </a:p>
         </p:txBody>
       </p:sp>
       <p:sp>
         <p:nvSpPr>
           <p:cNvPr id="20" name="Shape 20"/>
-          <p:cNvSpPr txBox="1"/>
+          <p:cNvSpPr txBox="1">
+            <a:spLocks noGrp="1"/>
+          </p:cNvSpPr>
           <p:nvPr>
-            <p:ph idx="12" type="sldNum"/>
+            <p:ph type="sldNum" idx="12"/>
           </p:nvPr>
         </p:nvSpPr>
         <p:spPr>
@@ -2315,7 +2621,7 @@
           </a:prstGeom>
         </p:spPr>
         <p:txBody>
-          <a:bodyPr anchorCtr="0" anchor="ctr" bIns="91425" lIns="91425" rIns="91425" tIns="91425">
+          <a:bodyPr lIns="91425" tIns="91425" rIns="91425" bIns="91425" anchor="ctr" anchorCtr="0">
             <a:noAutofit/>
           </a:bodyPr>
           <a:lstStyle/>
@@ -2330,6 +2636,7 @@
               <a:rPr lang="en"/>
               <a:t>‹#›</a:t>
             </a:fld>
+            <a:endParaRPr lang="en"/>
           </a:p>
         </p:txBody>
       </p:sp>
@@ -2342,11 +2649,11 @@
 </file>
 
 <file path=ppt/slideLayouts/slideLayout4.xml><?xml version="1.0" encoding="utf-8"?>
-<p:sldLayout xmlns:a="http://schemas.openxmlformats.org/drawingml/2006/main" xmlns:r="http://schemas.openxmlformats.org/officeDocument/2006/relationships" xmlns:mc="http://schemas.openxmlformats.org/markup-compatibility/2006" xmlns:mv="urn:schemas-microsoft-com:mac:vml" xmlns:p="http://schemas.openxmlformats.org/presentationml/2006/main" xmlns:c="http://schemas.openxmlformats.org/drawingml/2006/chart" xmlns:dgm="http://schemas.openxmlformats.org/drawingml/2006/diagram" xmlns:o="urn:schemas-microsoft-com:office:office" xmlns:v="urn:schemas-microsoft-com:vml" xmlns:pvml="urn:schemas-microsoft-com:office:powerpoint" xmlns:com="http://schemas.openxmlformats.org/drawingml/2006/compatibility" xmlns:p14="http://schemas.microsoft.com/office/powerpoint/2010/main" type="twoColTx">
+<p:sldLayout xmlns:a="http://schemas.openxmlformats.org/drawingml/2006/main" xmlns:r="http://schemas.openxmlformats.org/officeDocument/2006/relationships" xmlns:p="http://schemas.openxmlformats.org/presentationml/2006/main" type="twoColTx">
   <p:cSld name="Title and two columns">
     <p:spTree>
       <p:nvGrpSpPr>
-        <p:cNvPr id="21" name="Shape 21"/>
+        <p:cNvPr id="1" name="Shape 21"/>
         <p:cNvGrpSpPr/>
         <p:nvPr/>
       </p:nvGrpSpPr>
@@ -2361,7 +2668,9 @@
       <p:sp>
         <p:nvSpPr>
           <p:cNvPr id="22" name="Shape 22"/>
-          <p:cNvSpPr txBox="1"/>
+          <p:cNvSpPr txBox="1">
+            <a:spLocks noGrp="1"/>
+          </p:cNvSpPr>
           <p:nvPr>
             <p:ph type="title"/>
           </p:nvPr>
@@ -2376,7 +2685,7 @@
           </a:prstGeom>
         </p:spPr>
         <p:txBody>
-          <a:bodyPr anchorCtr="0" anchor="t" bIns="91425" lIns="91425" rIns="91425" tIns="91425"/>
+          <a:bodyPr lIns="91425" tIns="91425" rIns="91425" bIns="91425" anchor="t" anchorCtr="0"/>
           <a:lstStyle>
             <a:lvl1pPr lvl="0">
               <a:spcBef>
@@ -2433,15 +2742,19 @@
               <a:defRPr/>
             </a:lvl9pPr>
           </a:lstStyle>
-          <a:p/>
+          <a:p>
+            <a:endParaRPr/>
+          </a:p>
         </p:txBody>
       </p:sp>
       <p:sp>
         <p:nvSpPr>
           <p:cNvPr id="23" name="Shape 23"/>
-          <p:cNvSpPr txBox="1"/>
+          <p:cNvSpPr txBox="1">
+            <a:spLocks noGrp="1"/>
+          </p:cNvSpPr>
           <p:nvPr>
-            <p:ph idx="1" type="body"/>
+            <p:ph type="body" idx="1"/>
           </p:nvPr>
         </p:nvSpPr>
         <p:spPr>
@@ -2454,7 +2767,7 @@
           </a:prstGeom>
         </p:spPr>
         <p:txBody>
-          <a:bodyPr anchorCtr="0" anchor="t" bIns="91425" lIns="91425" rIns="91425" tIns="91425"/>
+          <a:bodyPr lIns="91425" tIns="91425" rIns="91425" bIns="91425" anchor="t" anchorCtr="0"/>
           <a:lstStyle>
             <a:lvl1pPr lvl="0">
               <a:spcBef>
@@ -2520,15 +2833,19 @@
               <a:defRPr sz="1200"/>
             </a:lvl9pPr>
           </a:lstStyle>
-          <a:p/>
+          <a:p>
+            <a:endParaRPr/>
+          </a:p>
         </p:txBody>
       </p:sp>
       <p:sp>
         <p:nvSpPr>
           <p:cNvPr id="24" name="Shape 24"/>
-          <p:cNvSpPr txBox="1"/>
+          <p:cNvSpPr txBox="1">
+            <a:spLocks noGrp="1"/>
+          </p:cNvSpPr>
           <p:nvPr>
-            <p:ph idx="2" type="body"/>
+            <p:ph type="body" idx="2"/>
           </p:nvPr>
         </p:nvSpPr>
         <p:spPr>
@@ -2541,7 +2858,7 @@
           </a:prstGeom>
         </p:spPr>
         <p:txBody>
-          <a:bodyPr anchorCtr="0" anchor="t" bIns="91425" lIns="91425" rIns="91425" tIns="91425"/>
+          <a:bodyPr lIns="91425" tIns="91425" rIns="91425" bIns="91425" anchor="t" anchorCtr="0"/>
           <a:lstStyle>
             <a:lvl1pPr lvl="0">
               <a:spcBef>
@@ -2607,15 +2924,19 @@
               <a:defRPr sz="1200"/>
             </a:lvl9pPr>
           </a:lstStyle>
-          <a:p/>
+          <a:p>
+            <a:endParaRPr/>
+          </a:p>
         </p:txBody>
       </p:sp>
       <p:sp>
         <p:nvSpPr>
           <p:cNvPr id="25" name="Shape 25"/>
-          <p:cNvSpPr txBox="1"/>
+          <p:cNvSpPr txBox="1">
+            <a:spLocks noGrp="1"/>
+          </p:cNvSpPr>
           <p:nvPr>
-            <p:ph idx="12" type="sldNum"/>
+            <p:ph type="sldNum" idx="12"/>
           </p:nvPr>
         </p:nvSpPr>
         <p:spPr>
@@ -2628,7 +2949,7 @@
           </a:prstGeom>
         </p:spPr>
         <p:txBody>
-          <a:bodyPr anchorCtr="0" anchor="ctr" bIns="91425" lIns="91425" rIns="91425" tIns="91425">
+          <a:bodyPr lIns="91425" tIns="91425" rIns="91425" bIns="91425" anchor="ctr" anchorCtr="0">
             <a:noAutofit/>
           </a:bodyPr>
           <a:lstStyle/>
@@ -2643,6 +2964,7 @@
               <a:rPr lang="en"/>
               <a:t>‹#›</a:t>
             </a:fld>
+            <a:endParaRPr lang="en"/>
           </a:p>
         </p:txBody>
       </p:sp>
@@ -2655,11 +2977,11 @@
 </file>
 
 <file path=ppt/slideLayouts/slideLayout5.xml><?xml version="1.0" encoding="utf-8"?>
-<p:sldLayout xmlns:a="http://schemas.openxmlformats.org/drawingml/2006/main" xmlns:r="http://schemas.openxmlformats.org/officeDocument/2006/relationships" xmlns:mc="http://schemas.openxmlformats.org/markup-compatibility/2006" xmlns:mv="urn:schemas-microsoft-com:mac:vml" xmlns:p="http://schemas.openxmlformats.org/presentationml/2006/main" xmlns:c="http://schemas.openxmlformats.org/drawingml/2006/chart" xmlns:dgm="http://schemas.openxmlformats.org/drawingml/2006/diagram" xmlns:o="urn:schemas-microsoft-com:office:office" xmlns:v="urn:schemas-microsoft-com:vml" xmlns:pvml="urn:schemas-microsoft-com:office:powerpoint" xmlns:com="http://schemas.openxmlformats.org/drawingml/2006/compatibility" xmlns:p14="http://schemas.microsoft.com/office/powerpoint/2010/main" type="titleOnly">
+<p:sldLayout xmlns:a="http://schemas.openxmlformats.org/drawingml/2006/main" xmlns:r="http://schemas.openxmlformats.org/officeDocument/2006/relationships" xmlns:p="http://schemas.openxmlformats.org/presentationml/2006/main" type="titleOnly">
   <p:cSld name="Title only">
     <p:spTree>
       <p:nvGrpSpPr>
-        <p:cNvPr id="26" name="Shape 26"/>
+        <p:cNvPr id="1" name="Shape 26"/>
         <p:cNvGrpSpPr/>
         <p:nvPr/>
       </p:nvGrpSpPr>
@@ -2674,7 +2996,9 @@
       <p:sp>
         <p:nvSpPr>
           <p:cNvPr id="27" name="Shape 27"/>
-          <p:cNvSpPr txBox="1"/>
+          <p:cNvSpPr txBox="1">
+            <a:spLocks noGrp="1"/>
+          </p:cNvSpPr>
           <p:nvPr>
             <p:ph type="title"/>
           </p:nvPr>
@@ -2689,7 +3013,7 @@
           </a:prstGeom>
         </p:spPr>
         <p:txBody>
-          <a:bodyPr anchorCtr="0" anchor="t" bIns="91425" lIns="91425" rIns="91425" tIns="91425"/>
+          <a:bodyPr lIns="91425" tIns="91425" rIns="91425" bIns="91425" anchor="t" anchorCtr="0"/>
           <a:lstStyle>
             <a:lvl1pPr lvl="0">
               <a:spcBef>
@@ -2755,15 +3079,19 @@
               <a:defRPr sz="4000"/>
             </a:lvl9pPr>
           </a:lstStyle>
-          <a:p/>
+          <a:p>
+            <a:endParaRPr/>
+          </a:p>
         </p:txBody>
       </p:sp>
       <p:sp>
         <p:nvSpPr>
           <p:cNvPr id="28" name="Shape 28"/>
-          <p:cNvSpPr txBox="1"/>
+          <p:cNvSpPr txBox="1">
+            <a:spLocks noGrp="1"/>
+          </p:cNvSpPr>
           <p:nvPr>
-            <p:ph idx="12" type="sldNum"/>
+            <p:ph type="sldNum" idx="12"/>
           </p:nvPr>
         </p:nvSpPr>
         <p:spPr>
@@ -2776,7 +3104,7 @@
           </a:prstGeom>
         </p:spPr>
         <p:txBody>
-          <a:bodyPr anchorCtr="0" anchor="ctr" bIns="91425" lIns="91425" rIns="91425" tIns="91425">
+          <a:bodyPr lIns="91425" tIns="91425" rIns="91425" bIns="91425" anchor="ctr" anchorCtr="0">
             <a:noAutofit/>
           </a:bodyPr>
           <a:lstStyle/>
@@ -2791,6 +3119,7 @@
               <a:rPr lang="en"/>
               <a:t>‹#›</a:t>
             </a:fld>
+            <a:endParaRPr lang="en"/>
           </a:p>
         </p:txBody>
       </p:sp>
@@ -2803,11 +3132,11 @@
 </file>
 
 <file path=ppt/slideLayouts/slideLayout6.xml><?xml version="1.0" encoding="utf-8"?>
-<p:sldLayout xmlns:a="http://schemas.openxmlformats.org/drawingml/2006/main" xmlns:r="http://schemas.openxmlformats.org/officeDocument/2006/relationships" xmlns:mc="http://schemas.openxmlformats.org/markup-compatibility/2006" xmlns:mv="urn:schemas-microsoft-com:mac:vml" xmlns:p="http://schemas.openxmlformats.org/presentationml/2006/main" xmlns:c="http://schemas.openxmlformats.org/drawingml/2006/chart" xmlns:dgm="http://schemas.openxmlformats.org/drawingml/2006/diagram" xmlns:o="urn:schemas-microsoft-com:office:office" xmlns:v="urn:schemas-microsoft-com:vml" xmlns:pvml="urn:schemas-microsoft-com:office:powerpoint" xmlns:com="http://schemas.openxmlformats.org/drawingml/2006/compatibility" xmlns:p14="http://schemas.microsoft.com/office/powerpoint/2010/main">
+<p:sldLayout xmlns:a="http://schemas.openxmlformats.org/drawingml/2006/main" xmlns:r="http://schemas.openxmlformats.org/officeDocument/2006/relationships" xmlns:p="http://schemas.openxmlformats.org/presentationml/2006/main">
   <p:cSld name="One column text">
     <p:spTree>
       <p:nvGrpSpPr>
-        <p:cNvPr id="29" name="Shape 29"/>
+        <p:cNvPr id="1" name="Shape 29"/>
         <p:cNvGrpSpPr/>
         <p:nvPr/>
       </p:nvGrpSpPr>
@@ -2822,7 +3151,9 @@
       <p:sp>
         <p:nvSpPr>
           <p:cNvPr id="30" name="Shape 30"/>
-          <p:cNvSpPr txBox="1"/>
+          <p:cNvSpPr txBox="1">
+            <a:spLocks noGrp="1"/>
+          </p:cNvSpPr>
           <p:nvPr>
             <p:ph type="title"/>
           </p:nvPr>
@@ -2837,7 +3168,7 @@
           </a:prstGeom>
         </p:spPr>
         <p:txBody>
-          <a:bodyPr anchorCtr="0" anchor="b" bIns="91425" lIns="91425" rIns="91425" tIns="91425"/>
+          <a:bodyPr lIns="91425" tIns="91425" rIns="91425" bIns="91425" anchor="b" anchorCtr="0"/>
           <a:lstStyle>
             <a:lvl1pPr lvl="0">
               <a:spcBef>
@@ -2903,15 +3234,19 @@
               <a:defRPr sz="3000"/>
             </a:lvl9pPr>
           </a:lstStyle>
-          <a:p/>
+          <a:p>
+            <a:endParaRPr/>
+          </a:p>
         </p:txBody>
       </p:sp>
       <p:sp>
         <p:nvSpPr>
           <p:cNvPr id="31" name="Shape 31"/>
-          <p:cNvSpPr txBox="1"/>
+          <p:cNvSpPr txBox="1">
+            <a:spLocks noGrp="1"/>
+          </p:cNvSpPr>
           <p:nvPr>
-            <p:ph idx="1" type="body"/>
+            <p:ph type="body" idx="1"/>
           </p:nvPr>
         </p:nvSpPr>
         <p:spPr>
@@ -2924,7 +3259,7 @@
           </a:prstGeom>
         </p:spPr>
         <p:txBody>
-          <a:bodyPr anchorCtr="0" anchor="t" bIns="91425" lIns="91425" rIns="91425" tIns="91425"/>
+          <a:bodyPr lIns="91425" tIns="91425" rIns="91425" bIns="91425" anchor="t" anchorCtr="0"/>
           <a:lstStyle>
             <a:lvl1pPr lvl="0">
               <a:spcBef>
@@ -2990,15 +3325,19 @@
               <a:defRPr sz="1200"/>
             </a:lvl9pPr>
           </a:lstStyle>
-          <a:p/>
+          <a:p>
+            <a:endParaRPr/>
+          </a:p>
         </p:txBody>
       </p:sp>
       <p:sp>
         <p:nvSpPr>
           <p:cNvPr id="32" name="Shape 32"/>
-          <p:cNvSpPr txBox="1"/>
+          <p:cNvSpPr txBox="1">
+            <a:spLocks noGrp="1"/>
+          </p:cNvSpPr>
           <p:nvPr>
-            <p:ph idx="12" type="sldNum"/>
+            <p:ph type="sldNum" idx="12"/>
           </p:nvPr>
         </p:nvSpPr>
         <p:spPr>
@@ -3011,7 +3350,7 @@
           </a:prstGeom>
         </p:spPr>
         <p:txBody>
-          <a:bodyPr anchorCtr="0" anchor="ctr" bIns="91425" lIns="91425" rIns="91425" tIns="91425">
+          <a:bodyPr lIns="91425" tIns="91425" rIns="91425" bIns="91425" anchor="ctr" anchorCtr="0">
             <a:noAutofit/>
           </a:bodyPr>
           <a:lstStyle/>
@@ -3026,6 +3365,7 @@
               <a:rPr lang="en"/>
               <a:t>‹#›</a:t>
             </a:fld>
+            <a:endParaRPr lang="en"/>
           </a:p>
         </p:txBody>
       </p:sp>
@@ -3038,18 +3378,19 @@
 </file>
 
 <file path=ppt/slideLayouts/slideLayout7.xml><?xml version="1.0" encoding="utf-8"?>
-<p:sldLayout xmlns:a="http://schemas.openxmlformats.org/drawingml/2006/main" xmlns:r="http://schemas.openxmlformats.org/officeDocument/2006/relationships" xmlns:mc="http://schemas.openxmlformats.org/markup-compatibility/2006" xmlns:mv="urn:schemas-microsoft-com:mac:vml" xmlns:p="http://schemas.openxmlformats.org/presentationml/2006/main" xmlns:c="http://schemas.openxmlformats.org/drawingml/2006/chart" xmlns:dgm="http://schemas.openxmlformats.org/drawingml/2006/diagram" xmlns:o="urn:schemas-microsoft-com:office:office" xmlns:v="urn:schemas-microsoft-com:vml" xmlns:pvml="urn:schemas-microsoft-com:office:powerpoint" xmlns:com="http://schemas.openxmlformats.org/drawingml/2006/compatibility" xmlns:p14="http://schemas.microsoft.com/office/powerpoint/2010/main">
+<p:sldLayout xmlns:a="http://schemas.openxmlformats.org/drawingml/2006/main" xmlns:r="http://schemas.openxmlformats.org/officeDocument/2006/relationships" xmlns:p="http://schemas.openxmlformats.org/presentationml/2006/main">
   <p:cSld name="Main point">
     <p:bg>
       <p:bgPr>
         <a:solidFill>
           <a:schemeClr val="accent4"/>
         </a:solidFill>
+        <a:effectLst/>
       </p:bgPr>
     </p:bg>
     <p:spTree>
       <p:nvGrpSpPr>
-        <p:cNvPr id="33" name="Shape 33"/>
+        <p:cNvPr id="1" name="Shape 33"/>
         <p:cNvGrpSpPr/>
         <p:nvPr/>
       </p:nvGrpSpPr>
@@ -3064,7 +3405,9 @@
       <p:sp>
         <p:nvSpPr>
           <p:cNvPr id="34" name="Shape 34"/>
-          <p:cNvSpPr txBox="1"/>
+          <p:cNvSpPr txBox="1">
+            <a:spLocks noGrp="1"/>
+          </p:cNvSpPr>
           <p:nvPr>
             <p:ph type="title"/>
           </p:nvPr>
@@ -3079,7 +3422,7 @@
           </a:prstGeom>
         </p:spPr>
         <p:txBody>
-          <a:bodyPr anchorCtr="0" anchor="ctr" bIns="91425" lIns="91425" rIns="91425" tIns="91425"/>
+          <a:bodyPr lIns="91425" tIns="91425" rIns="91425" bIns="91425" anchor="ctr" anchorCtr="0"/>
           <a:lstStyle>
             <a:lvl1pPr lvl="0">
               <a:spcBef>
@@ -3208,15 +3551,19 @@
               </a:defRPr>
             </a:lvl9pPr>
           </a:lstStyle>
-          <a:p/>
+          <a:p>
+            <a:endParaRPr/>
+          </a:p>
         </p:txBody>
       </p:sp>
       <p:sp>
         <p:nvSpPr>
           <p:cNvPr id="35" name="Shape 35"/>
-          <p:cNvSpPr txBox="1"/>
+          <p:cNvSpPr txBox="1">
+            <a:spLocks noGrp="1"/>
+          </p:cNvSpPr>
           <p:nvPr>
-            <p:ph idx="12" type="sldNum"/>
+            <p:ph type="sldNum" idx="12"/>
           </p:nvPr>
         </p:nvSpPr>
         <p:spPr>
@@ -3229,7 +3576,7 @@
           </a:prstGeom>
         </p:spPr>
         <p:txBody>
-          <a:bodyPr anchorCtr="0" anchor="ctr" bIns="91425" lIns="91425" rIns="91425" tIns="91425">
+          <a:bodyPr lIns="91425" tIns="91425" rIns="91425" bIns="91425" anchor="ctr" anchorCtr="0">
             <a:noAutofit/>
           </a:bodyPr>
           <a:lstStyle/>
@@ -3248,6 +3595,11 @@
               </a:rPr>
               <a:t>‹#›</a:t>
             </a:fld>
+            <a:endParaRPr lang="en">
+              <a:solidFill>
+                <a:schemeClr val="lt1"/>
+              </a:solidFill>
+            </a:endParaRPr>
           </a:p>
         </p:txBody>
       </p:sp>
@@ -3260,11 +3612,11 @@
 </file>
 
 <file path=ppt/slideLayouts/slideLayout8.xml><?xml version="1.0" encoding="utf-8"?>
-<p:sldLayout xmlns:a="http://schemas.openxmlformats.org/drawingml/2006/main" xmlns:r="http://schemas.openxmlformats.org/officeDocument/2006/relationships" xmlns:mc="http://schemas.openxmlformats.org/markup-compatibility/2006" xmlns:mv="urn:schemas-microsoft-com:mac:vml" xmlns:p="http://schemas.openxmlformats.org/presentationml/2006/main" xmlns:c="http://schemas.openxmlformats.org/drawingml/2006/chart" xmlns:dgm="http://schemas.openxmlformats.org/drawingml/2006/diagram" xmlns:o="urn:schemas-microsoft-com:office:office" xmlns:v="urn:schemas-microsoft-com:vml" xmlns:pvml="urn:schemas-microsoft-com:office:powerpoint" xmlns:com="http://schemas.openxmlformats.org/drawingml/2006/compatibility" xmlns:p14="http://schemas.microsoft.com/office/powerpoint/2010/main">
+<p:sldLayout xmlns:a="http://schemas.openxmlformats.org/drawingml/2006/main" xmlns:r="http://schemas.openxmlformats.org/officeDocument/2006/relationships" xmlns:p="http://schemas.openxmlformats.org/presentationml/2006/main">
   <p:cSld name="Section title and description">
     <p:spTree>
       <p:nvGrpSpPr>
-        <p:cNvPr id="36" name="Shape 36"/>
+        <p:cNvPr id="1" name="Shape 36"/>
         <p:cNvGrpSpPr/>
         <p:nvPr/>
       </p:nvGrpSpPr>
@@ -3298,7 +3650,7 @@
           </a:ln>
         </p:spPr>
         <p:txBody>
-          <a:bodyPr anchorCtr="0" anchor="ctr" bIns="91425" lIns="91425" rIns="91425" tIns="91425">
+          <a:bodyPr lIns="91425" tIns="91425" rIns="91425" bIns="91425" anchor="ctr" anchorCtr="0">
             <a:noAutofit/>
           </a:bodyPr>
           <a:lstStyle/>
@@ -3309,9 +3661,6 @@
               </a:spcBef>
               <a:buNone/>
             </a:pPr>
-            <a:r>
-              <a:t/>
-            </a:r>
             <a:endParaRPr/>
           </a:p>
         </p:txBody>
@@ -3331,21 +3680,23 @@
             <a:avLst/>
           </a:prstGeom>
           <a:noFill/>
-          <a:ln cap="flat" cmpd="sng" w="28575">
+          <a:ln w="28575" cap="flat" cmpd="sng">
             <a:solidFill>
               <a:schemeClr val="lt1"/>
             </a:solidFill>
             <a:prstDash val="solid"/>
             <a:round/>
-            <a:headEnd len="med" w="med" type="none"/>
-            <a:tailEnd len="med" w="med" type="none"/>
+            <a:headEnd type="none" w="med" len="med"/>
+            <a:tailEnd type="none" w="med" len="med"/>
           </a:ln>
         </p:spPr>
       </p:cxnSp>
       <p:sp>
         <p:nvSpPr>
           <p:cNvPr id="39" name="Shape 39"/>
-          <p:cNvSpPr txBox="1"/>
+          <p:cNvSpPr txBox="1">
+            <a:spLocks noGrp="1"/>
+          </p:cNvSpPr>
           <p:nvPr>
             <p:ph type="title"/>
           </p:nvPr>
@@ -3360,7 +3711,7 @@
           </a:prstGeom>
         </p:spPr>
         <p:txBody>
-          <a:bodyPr anchorCtr="0" anchor="b" bIns="91425" lIns="91425" rIns="91425" tIns="91425"/>
+          <a:bodyPr lIns="91425" tIns="91425" rIns="91425" bIns="91425" anchor="b" anchorCtr="0"/>
           <a:lstStyle>
             <a:lvl1pPr lvl="0" algn="ctr">
               <a:spcBef>
@@ -3426,15 +3777,19 @@
               <a:defRPr sz="5400"/>
             </a:lvl9pPr>
           </a:lstStyle>
-          <a:p/>
+          <a:p>
+            <a:endParaRPr/>
+          </a:p>
         </p:txBody>
       </p:sp>
       <p:sp>
         <p:nvSpPr>
           <p:cNvPr id="40" name="Shape 40"/>
-          <p:cNvSpPr txBox="1"/>
+          <p:cNvSpPr txBox="1">
+            <a:spLocks noGrp="1"/>
+          </p:cNvSpPr>
           <p:nvPr>
-            <p:ph idx="1" type="subTitle"/>
+            <p:ph type="subTitle" idx="1"/>
           </p:nvPr>
         </p:nvSpPr>
         <p:spPr>
@@ -3447,7 +3802,7 @@
           </a:prstGeom>
         </p:spPr>
         <p:txBody>
-          <a:bodyPr anchorCtr="0" anchor="t" bIns="91425" lIns="91425" rIns="91425" tIns="91425"/>
+          <a:bodyPr lIns="91425" tIns="91425" rIns="91425" bIns="91425" anchor="t" anchorCtr="0"/>
           <a:lstStyle>
             <a:lvl1pPr lvl="0" algn="ctr">
               <a:lnSpc>
@@ -3575,15 +3930,19 @@
               <a:defRPr sz="1800"/>
             </a:lvl9pPr>
           </a:lstStyle>
-          <a:p/>
+          <a:p>
+            <a:endParaRPr/>
+          </a:p>
         </p:txBody>
       </p:sp>
       <p:sp>
         <p:nvSpPr>
           <p:cNvPr id="41" name="Shape 41"/>
-          <p:cNvSpPr txBox="1"/>
+          <p:cNvSpPr txBox="1">
+            <a:spLocks noGrp="1"/>
+          </p:cNvSpPr>
           <p:nvPr>
-            <p:ph idx="2" type="body"/>
+            <p:ph type="body" idx="2"/>
           </p:nvPr>
         </p:nvSpPr>
         <p:spPr>
@@ -3596,7 +3955,7 @@
           </a:prstGeom>
         </p:spPr>
         <p:txBody>
-          <a:bodyPr anchorCtr="0" anchor="ctr" bIns="91425" lIns="91425" rIns="91425" tIns="91425"/>
+          <a:bodyPr lIns="91425" tIns="91425" rIns="91425" bIns="91425" anchor="ctr" anchorCtr="0"/>
           <a:lstStyle>
             <a:lvl1pPr lvl="0">
               <a:spcBef>
@@ -3716,15 +4075,19 @@
               </a:defRPr>
             </a:lvl9pPr>
           </a:lstStyle>
-          <a:p/>
+          <a:p>
+            <a:endParaRPr/>
+          </a:p>
         </p:txBody>
       </p:sp>
       <p:sp>
         <p:nvSpPr>
           <p:cNvPr id="42" name="Shape 42"/>
-          <p:cNvSpPr txBox="1"/>
+          <p:cNvSpPr txBox="1">
+            <a:spLocks noGrp="1"/>
+          </p:cNvSpPr>
           <p:nvPr>
-            <p:ph idx="12" type="sldNum"/>
+            <p:ph type="sldNum" idx="12"/>
           </p:nvPr>
         </p:nvSpPr>
         <p:spPr>
@@ -3737,7 +4100,7 @@
           </a:prstGeom>
         </p:spPr>
         <p:txBody>
-          <a:bodyPr anchorCtr="0" anchor="ctr" bIns="91425" lIns="91425" rIns="91425" tIns="91425">
+          <a:bodyPr lIns="91425" tIns="91425" rIns="91425" bIns="91425" anchor="ctr" anchorCtr="0">
             <a:noAutofit/>
           </a:bodyPr>
           <a:lstStyle/>
@@ -3752,6 +4115,7 @@
               <a:rPr lang="en"/>
               <a:t>‹#›</a:t>
             </a:fld>
+            <a:endParaRPr lang="en"/>
           </a:p>
         </p:txBody>
       </p:sp>
@@ -3764,11 +4128,11 @@
 </file>
 
 <file path=ppt/slideLayouts/slideLayout9.xml><?xml version="1.0" encoding="utf-8"?>
-<p:sldLayout xmlns:a="http://schemas.openxmlformats.org/drawingml/2006/main" xmlns:r="http://schemas.openxmlformats.org/officeDocument/2006/relationships" xmlns:mc="http://schemas.openxmlformats.org/markup-compatibility/2006" xmlns:mv="urn:schemas-microsoft-com:mac:vml" xmlns:p="http://schemas.openxmlformats.org/presentationml/2006/main" xmlns:c="http://schemas.openxmlformats.org/drawingml/2006/chart" xmlns:dgm="http://schemas.openxmlformats.org/drawingml/2006/diagram" xmlns:o="urn:schemas-microsoft-com:office:office" xmlns:v="urn:schemas-microsoft-com:vml" xmlns:pvml="urn:schemas-microsoft-com:office:powerpoint" xmlns:com="http://schemas.openxmlformats.org/drawingml/2006/compatibility" xmlns:p14="http://schemas.microsoft.com/office/powerpoint/2010/main">
+<p:sldLayout xmlns:a="http://schemas.openxmlformats.org/drawingml/2006/main" xmlns:r="http://schemas.openxmlformats.org/officeDocument/2006/relationships" xmlns:p="http://schemas.openxmlformats.org/presentationml/2006/main">
   <p:cSld name="Caption">
     <p:spTree>
       <p:nvGrpSpPr>
-        <p:cNvPr id="43" name="Shape 43"/>
+        <p:cNvPr id="1" name="Shape 43"/>
         <p:cNvGrpSpPr/>
         <p:nvPr/>
       </p:nvGrpSpPr>
@@ -3783,9 +4147,11 @@
       <p:sp>
         <p:nvSpPr>
           <p:cNvPr id="44" name="Shape 44"/>
-          <p:cNvSpPr txBox="1"/>
+          <p:cNvSpPr txBox="1">
+            <a:spLocks noGrp="1"/>
+          </p:cNvSpPr>
           <p:nvPr>
-            <p:ph idx="1" type="body"/>
+            <p:ph type="body" idx="1"/>
           </p:nvPr>
         </p:nvSpPr>
         <p:spPr>
@@ -3798,7 +4164,7 @@
           </a:prstGeom>
         </p:spPr>
         <p:txBody>
-          <a:bodyPr anchorCtr="0" anchor="ctr" bIns="91425" lIns="91425" rIns="91425" tIns="91425"/>
+          <a:bodyPr lIns="91425" tIns="91425" rIns="91425" bIns="91425" anchor="ctr" anchorCtr="0"/>
           <a:lstStyle>
             <a:lvl1pPr lvl="0">
               <a:lnSpc>
@@ -3816,7 +4182,7 @@
               <a:buSzPct val="100000"/>
               <a:buFont typeface="Amatic SC"/>
               <a:buNone/>
-              <a:defRPr b="1" sz="2400">
+              <a:defRPr sz="2400" b="1">
                 <a:solidFill>
                   <a:schemeClr val="accent1"/>
                 </a:solidFill>
@@ -3827,15 +4193,19 @@
               </a:defRPr>
             </a:lvl1pPr>
           </a:lstStyle>
-          <a:p/>
+          <a:p>
+            <a:endParaRPr/>
+          </a:p>
         </p:txBody>
       </p:sp>
       <p:sp>
         <p:nvSpPr>
           <p:cNvPr id="45" name="Shape 45"/>
-          <p:cNvSpPr txBox="1"/>
+          <p:cNvSpPr txBox="1">
+            <a:spLocks noGrp="1"/>
+          </p:cNvSpPr>
           <p:nvPr>
-            <p:ph idx="12" type="sldNum"/>
+            <p:ph type="sldNum" idx="12"/>
           </p:nvPr>
         </p:nvSpPr>
         <p:spPr>
@@ -3848,7 +4218,7 @@
           </a:prstGeom>
         </p:spPr>
         <p:txBody>
-          <a:bodyPr anchorCtr="0" anchor="ctr" bIns="91425" lIns="91425" rIns="91425" tIns="91425">
+          <a:bodyPr lIns="91425" tIns="91425" rIns="91425" bIns="91425" anchor="ctr" anchorCtr="0">
             <a:noAutofit/>
           </a:bodyPr>
           <a:lstStyle/>
@@ -3863,6 +4233,7 @@
               <a:rPr lang="en"/>
               <a:t>‹#›</a:t>
             </a:fld>
+            <a:endParaRPr lang="en"/>
           </a:p>
         </p:txBody>
       </p:sp>
@@ -3875,18 +4246,19 @@
 </file>
 
 <file path=ppt/slideMasters/slideMaster1.xml><?xml version="1.0" encoding="utf-8"?>
-<p:sldMaster xmlns:a="http://schemas.openxmlformats.org/drawingml/2006/main" xmlns:r="http://schemas.openxmlformats.org/officeDocument/2006/relationships" xmlns:mc="http://schemas.openxmlformats.org/markup-compatibility/2006" xmlns:mv="urn:schemas-microsoft-com:mac:vml" xmlns:p="http://schemas.openxmlformats.org/presentationml/2006/main" xmlns:c="http://schemas.openxmlformats.org/drawingml/2006/chart" xmlns:dgm="http://schemas.openxmlformats.org/drawingml/2006/diagram" xmlns:o="urn:schemas-microsoft-com:office:office" xmlns:v="urn:schemas-microsoft-com:vml" xmlns:pvml="urn:schemas-microsoft-com:office:powerpoint" xmlns:com="http://schemas.openxmlformats.org/drawingml/2006/compatibility" xmlns:p14="http://schemas.microsoft.com/office/powerpoint/2010/main">
+<p:sldMaster xmlns:a="http://schemas.openxmlformats.org/drawingml/2006/main" xmlns:r="http://schemas.openxmlformats.org/officeDocument/2006/relationships" xmlns:p="http://schemas.openxmlformats.org/presentationml/2006/main">
   <p:cSld>
     <p:bg>
       <p:bgPr>
         <a:solidFill>
           <a:schemeClr val="lt1"/>
         </a:solidFill>
+        <a:effectLst/>
       </p:bgPr>
     </p:bg>
     <p:spTree>
       <p:nvGrpSpPr>
-        <p:cNvPr id="5" name="Shape 5"/>
+        <p:cNvPr id="1" name="Shape 5"/>
         <p:cNvGrpSpPr/>
         <p:nvPr/>
       </p:nvGrpSpPr>
@@ -3901,7 +4273,9 @@
       <p:sp>
         <p:nvSpPr>
           <p:cNvPr id="6" name="Shape 6"/>
-          <p:cNvSpPr txBox="1"/>
+          <p:cNvSpPr txBox="1">
+            <a:spLocks noGrp="1"/>
+          </p:cNvSpPr>
           <p:nvPr>
             <p:ph type="title"/>
           </p:nvPr>
@@ -3920,7 +4294,7 @@
           </a:ln>
         </p:spPr>
         <p:txBody>
-          <a:bodyPr anchorCtr="0" anchor="t" bIns="91425" lIns="91425" rIns="91425" tIns="91425"/>
+          <a:bodyPr lIns="91425" tIns="91425" rIns="91425" bIns="91425" anchor="t" anchorCtr="0"/>
           <a:lstStyle>
             <a:lvl1pPr lvl="0">
               <a:spcBef>
@@ -3932,7 +4306,7 @@
               <a:buSzPct val="100000"/>
               <a:buFont typeface="Amatic SC"/>
               <a:buNone/>
-              <a:defRPr b="1" sz="4200">
+              <a:defRPr sz="4200" b="1">
                 <a:solidFill>
                   <a:schemeClr val="accent1"/>
                 </a:solidFill>
@@ -3952,7 +4326,7 @@
               <a:buSzPct val="100000"/>
               <a:buFont typeface="Amatic SC"/>
               <a:buNone/>
-              <a:defRPr b="1" sz="4200">
+              <a:defRPr sz="4200" b="1">
                 <a:solidFill>
                   <a:schemeClr val="accent1"/>
                 </a:solidFill>
@@ -3972,7 +4346,7 @@
               <a:buSzPct val="100000"/>
               <a:buFont typeface="Amatic SC"/>
               <a:buNone/>
-              <a:defRPr b="1" sz="4200">
+              <a:defRPr sz="4200" b="1">
                 <a:solidFill>
                   <a:schemeClr val="accent1"/>
                 </a:solidFill>
@@ -3992,7 +4366,7 @@
               <a:buSzPct val="100000"/>
               <a:buFont typeface="Amatic SC"/>
               <a:buNone/>
-              <a:defRPr b="1" sz="4200">
+              <a:defRPr sz="4200" b="1">
                 <a:solidFill>
                   <a:schemeClr val="accent1"/>
                 </a:solidFill>
@@ -4012,7 +4386,7 @@
               <a:buSzPct val="100000"/>
               <a:buFont typeface="Amatic SC"/>
               <a:buNone/>
-              <a:defRPr b="1" sz="4200">
+              <a:defRPr sz="4200" b="1">
                 <a:solidFill>
                   <a:schemeClr val="accent1"/>
                 </a:solidFill>
@@ -4032,7 +4406,7 @@
               <a:buSzPct val="100000"/>
               <a:buFont typeface="Amatic SC"/>
               <a:buNone/>
-              <a:defRPr b="1" sz="4200">
+              <a:defRPr sz="4200" b="1">
                 <a:solidFill>
                   <a:schemeClr val="accent1"/>
                 </a:solidFill>
@@ -4052,7 +4426,7 @@
               <a:buSzPct val="100000"/>
               <a:buFont typeface="Amatic SC"/>
               <a:buNone/>
-              <a:defRPr b="1" sz="4200">
+              <a:defRPr sz="4200" b="1">
                 <a:solidFill>
                   <a:schemeClr val="accent1"/>
                 </a:solidFill>
@@ -4072,7 +4446,7 @@
               <a:buSzPct val="100000"/>
               <a:buFont typeface="Amatic SC"/>
               <a:buNone/>
-              <a:defRPr b="1" sz="4200">
+              <a:defRPr sz="4200" b="1">
                 <a:solidFill>
                   <a:schemeClr val="accent1"/>
                 </a:solidFill>
@@ -4092,7 +4466,7 @@
               <a:buSzPct val="100000"/>
               <a:buFont typeface="Amatic SC"/>
               <a:buNone/>
-              <a:defRPr b="1" sz="4200">
+              <a:defRPr sz="4200" b="1">
                 <a:solidFill>
                   <a:schemeClr val="accent1"/>
                 </a:solidFill>
@@ -4103,15 +4477,19 @@
               </a:defRPr>
             </a:lvl9pPr>
           </a:lstStyle>
-          <a:p/>
+          <a:p>
+            <a:endParaRPr/>
+          </a:p>
         </p:txBody>
       </p:sp>
       <p:sp>
         <p:nvSpPr>
           <p:cNvPr id="7" name="Shape 7"/>
-          <p:cNvSpPr txBox="1"/>
+          <p:cNvSpPr txBox="1">
+            <a:spLocks noGrp="1"/>
+          </p:cNvSpPr>
           <p:nvPr>
-            <p:ph idx="1" type="body"/>
+            <p:ph type="body" idx="1"/>
           </p:nvPr>
         </p:nvSpPr>
         <p:spPr>
@@ -4128,7 +4506,7 @@
           </a:ln>
         </p:spPr>
         <p:txBody>
-          <a:bodyPr anchorCtr="0" anchor="t" bIns="91425" lIns="91425" rIns="91425" tIns="91425"/>
+          <a:bodyPr lIns="91425" tIns="91425" rIns="91425" bIns="91425" anchor="t" anchorCtr="0"/>
           <a:lstStyle>
             <a:lvl1pPr lvl="0">
               <a:lnSpc>
@@ -4348,15 +4726,19 @@
               </a:defRPr>
             </a:lvl9pPr>
           </a:lstStyle>
-          <a:p/>
+          <a:p>
+            <a:endParaRPr/>
+          </a:p>
         </p:txBody>
       </p:sp>
       <p:sp>
         <p:nvSpPr>
           <p:cNvPr id="8" name="Shape 8"/>
-          <p:cNvSpPr txBox="1"/>
+          <p:cNvSpPr txBox="1">
+            <a:spLocks noGrp="1"/>
+          </p:cNvSpPr>
           <p:nvPr>
-            <p:ph idx="12" type="sldNum"/>
+            <p:ph type="sldNum" idx="12"/>
           </p:nvPr>
         </p:nvSpPr>
         <p:spPr>
@@ -4373,7 +4755,7 @@
           </a:ln>
         </p:spPr>
         <p:txBody>
-          <a:bodyPr anchorCtr="0" anchor="ctr" bIns="91425" lIns="91425" rIns="91425" tIns="91425">
+          <a:bodyPr lIns="91425" tIns="91425" rIns="91425" bIns="91425" anchor="ctr" anchorCtr="0">
             <a:noAutofit/>
           </a:bodyPr>
           <a:lstStyle/>
@@ -4396,12 +4778,21 @@
               </a:rPr>
               <a:t>‹#›</a:t>
             </a:fld>
+            <a:endParaRPr lang="en" sz="1000">
+              <a:solidFill>
+                <a:schemeClr val="accent1"/>
+              </a:solidFill>
+              <a:latin typeface="Source Code Pro"/>
+              <a:ea typeface="Source Code Pro"/>
+              <a:cs typeface="Source Code Pro"/>
+              <a:sym typeface="Source Code Pro"/>
+            </a:endParaRPr>
           </a:p>
         </p:txBody>
       </p:sp>
     </p:spTree>
   </p:cSld>
-  <p:clrMap accent1="accent1" accent2="accent2" accent3="accent3" accent4="accent4" accent5="accent5" accent6="accent6" bg1="lt1" bg2="dk2" tx1="dk1" tx2="lt2" folHlink="folHlink" hlink="hlink"/>
+  <p:clrMap bg1="lt1" tx1="dk1" bg2="dk2" tx2="lt2" accent1="accent1" accent2="accent2" accent3="accent3" accent4="accent4" accent5="accent5" accent6="accent6" hlink="hlink" folHlink="folHlink"/>
   <p:sldLayoutIdLst>
     <p:sldLayoutId id="2147483648" r:id="rId1"/>
     <p:sldLayoutId id="2147483649" r:id="rId2"/>
@@ -4415,10 +4806,10 @@
     <p:sldLayoutId id="2147483657" r:id="rId10"/>
     <p:sldLayoutId id="2147483658" r:id="rId11"/>
   </p:sldLayoutIdLst>
-  <p:hf dt="0" ftr="0" hdr="0" sldNum="0"/>
+  <p:hf sldNum="0" hdr="0" ftr="0" dt="0"/>
   <p:txStyles>
     <p:titleStyle>
-      <a:defPPr lvl="0" marR="0" rtl="0" algn="l">
+      <a:defPPr marR="0" lvl="0" algn="l" rtl="0">
         <a:lnSpc>
           <a:spcPct val="100000"/>
         </a:lnSpc>
@@ -4429,7 +4820,7 @@
           <a:spcPts val="0"/>
         </a:spcAft>
       </a:defPPr>
-      <a:lvl1pPr lvl="0" marR="0" rtl="0" algn="l">
+      <a:lvl1pPr marR="0" lvl="0" algn="l" rtl="0">
         <a:lnSpc>
           <a:spcPct val="100000"/>
         </a:lnSpc>
@@ -4440,7 +4831,7 @@
           <a:spcPts val="0"/>
         </a:spcAft>
         <a:buNone/>
-        <a:defRPr b="0" i="0" sz="1400" u="none" cap="none" strike="noStrike">
+        <a:defRPr sz="1400" b="0" i="0" u="none" strike="noStrike" cap="none">
           <a:solidFill>
             <a:srgbClr val="000000"/>
           </a:solidFill>
@@ -4452,7 +4843,7 @@
       </a:lvl1pPr>
     </p:titleStyle>
     <p:bodyStyle>
-      <a:defPPr lvl="0" marR="0" rtl="0" algn="l">
+      <a:defPPr marR="0" lvl="0" algn="l" rtl="0">
         <a:lnSpc>
           <a:spcPct val="100000"/>
         </a:lnSpc>
@@ -4463,7 +4854,7 @@
           <a:spcPts val="0"/>
         </a:spcAft>
       </a:defPPr>
-      <a:lvl1pPr lvl="0" marR="0" rtl="0" algn="l">
+      <a:lvl1pPr marR="0" lvl="0" algn="l" rtl="0">
         <a:lnSpc>
           <a:spcPct val="100000"/>
         </a:lnSpc>
@@ -4474,7 +4865,7 @@
           <a:spcPts val="0"/>
         </a:spcAft>
         <a:buNone/>
-        <a:defRPr b="0" i="0" sz="1400" u="none" cap="none" strike="noStrike">
+        <a:defRPr sz="1400" b="0" i="0" u="none" strike="noStrike" cap="none">
           <a:solidFill>
             <a:srgbClr val="000000"/>
           </a:solidFill>
@@ -4484,7 +4875,7 @@
           <a:sym typeface="Arial"/>
         </a:defRPr>
       </a:lvl1pPr>
-      <a:lvl2pPr lvl="1" marR="0" rtl="0" algn="l">
+      <a:lvl2pPr marR="0" lvl="1" algn="l" rtl="0">
         <a:lnSpc>
           <a:spcPct val="100000"/>
         </a:lnSpc>
@@ -4495,7 +4886,7 @@
           <a:spcPts val="0"/>
         </a:spcAft>
         <a:buNone/>
-        <a:defRPr b="0" i="0" sz="1400" u="none" cap="none" strike="noStrike">
+        <a:defRPr sz="1400" b="0" i="0" u="none" strike="noStrike" cap="none">
           <a:solidFill>
             <a:srgbClr val="000000"/>
           </a:solidFill>
@@ -4505,7 +4896,7 @@
           <a:sym typeface="Arial"/>
         </a:defRPr>
       </a:lvl2pPr>
-      <a:lvl3pPr lvl="2" marR="0" rtl="0" algn="l">
+      <a:lvl3pPr marR="0" lvl="2" algn="l" rtl="0">
         <a:lnSpc>
           <a:spcPct val="100000"/>
         </a:lnSpc>
@@ -4516,7 +4907,7 @@
           <a:spcPts val="0"/>
         </a:spcAft>
         <a:buNone/>
-        <a:defRPr b="0" i="0" sz="1400" u="none" cap="none" strike="noStrike">
+        <a:defRPr sz="1400" b="0" i="0" u="none" strike="noStrike" cap="none">
           <a:solidFill>
             <a:srgbClr val="000000"/>
           </a:solidFill>
@@ -4526,7 +4917,7 @@
           <a:sym typeface="Arial"/>
         </a:defRPr>
       </a:lvl3pPr>
-      <a:lvl4pPr lvl="3" marR="0" rtl="0" algn="l">
+      <a:lvl4pPr marR="0" lvl="3" algn="l" rtl="0">
         <a:lnSpc>
           <a:spcPct val="100000"/>
         </a:lnSpc>
@@ -4537,7 +4928,7 @@
           <a:spcPts val="0"/>
         </a:spcAft>
         <a:buNone/>
-        <a:defRPr b="0" i="0" sz="1400" u="none" cap="none" strike="noStrike">
+        <a:defRPr sz="1400" b="0" i="0" u="none" strike="noStrike" cap="none">
           <a:solidFill>
             <a:srgbClr val="000000"/>
           </a:solidFill>
@@ -4547,7 +4938,7 @@
           <a:sym typeface="Arial"/>
         </a:defRPr>
       </a:lvl4pPr>
-      <a:lvl5pPr lvl="4" marR="0" rtl="0" algn="l">
+      <a:lvl5pPr marR="0" lvl="4" algn="l" rtl="0">
         <a:lnSpc>
           <a:spcPct val="100000"/>
         </a:lnSpc>
@@ -4558,7 +4949,7 @@
           <a:spcPts val="0"/>
         </a:spcAft>
         <a:buNone/>
-        <a:defRPr b="0" i="0" sz="1400" u="none" cap="none" strike="noStrike">
+        <a:defRPr sz="1400" b="0" i="0" u="none" strike="noStrike" cap="none">
           <a:solidFill>
             <a:srgbClr val="000000"/>
           </a:solidFill>
@@ -4568,7 +4959,7 @@
           <a:sym typeface="Arial"/>
         </a:defRPr>
       </a:lvl5pPr>
-      <a:lvl6pPr lvl="5" marR="0" rtl="0" algn="l">
+      <a:lvl6pPr marR="0" lvl="5" algn="l" rtl="0">
         <a:lnSpc>
           <a:spcPct val="100000"/>
         </a:lnSpc>
@@ -4579,7 +4970,7 @@
           <a:spcPts val="0"/>
         </a:spcAft>
         <a:buNone/>
-        <a:defRPr b="0" i="0" sz="1400" u="none" cap="none" strike="noStrike">
+        <a:defRPr sz="1400" b="0" i="0" u="none" strike="noStrike" cap="none">
           <a:solidFill>
             <a:srgbClr val="000000"/>
           </a:solidFill>
@@ -4589,7 +4980,7 @@
           <a:sym typeface="Arial"/>
         </a:defRPr>
       </a:lvl6pPr>
-      <a:lvl7pPr lvl="6" marR="0" rtl="0" algn="l">
+      <a:lvl7pPr marR="0" lvl="6" algn="l" rtl="0">
         <a:lnSpc>
           <a:spcPct val="100000"/>
         </a:lnSpc>
@@ -4600,7 +4991,7 @@
           <a:spcPts val="0"/>
         </a:spcAft>
         <a:buNone/>
-        <a:defRPr b="0" i="0" sz="1400" u="none" cap="none" strike="noStrike">
+        <a:defRPr sz="1400" b="0" i="0" u="none" strike="noStrike" cap="none">
           <a:solidFill>
             <a:srgbClr val="000000"/>
           </a:solidFill>
@@ -4610,7 +5001,7 @@
           <a:sym typeface="Arial"/>
         </a:defRPr>
       </a:lvl7pPr>
-      <a:lvl8pPr lvl="7" marR="0" rtl="0" algn="l">
+      <a:lvl8pPr marR="0" lvl="7" algn="l" rtl="0">
         <a:lnSpc>
           <a:spcPct val="100000"/>
         </a:lnSpc>
@@ -4621,7 +5012,7 @@
           <a:spcPts val="0"/>
         </a:spcAft>
         <a:buNone/>
-        <a:defRPr b="0" i="0" sz="1400" u="none" cap="none" strike="noStrike">
+        <a:defRPr sz="1400" b="0" i="0" u="none" strike="noStrike" cap="none">
           <a:solidFill>
             <a:srgbClr val="000000"/>
           </a:solidFill>
@@ -4631,7 +5022,7 @@
           <a:sym typeface="Arial"/>
         </a:defRPr>
       </a:lvl8pPr>
-      <a:lvl9pPr lvl="8" marR="0" rtl="0" algn="l">
+      <a:lvl9pPr marR="0" lvl="8" algn="l" rtl="0">
         <a:lnSpc>
           <a:spcPct val="100000"/>
         </a:lnSpc>
@@ -4642,7 +5033,7 @@
           <a:spcPts val="0"/>
         </a:spcAft>
         <a:buNone/>
-        <a:defRPr b="0" i="0" sz="1400" u="none" cap="none" strike="noStrike">
+        <a:defRPr sz="1400" b="0" i="0" u="none" strike="noStrike" cap="none">
           <a:solidFill>
             <a:srgbClr val="000000"/>
           </a:solidFill>
@@ -4654,7 +5045,7 @@
       </a:lvl9pPr>
     </p:bodyStyle>
     <p:otherStyle>
-      <a:defPPr lvl="0" marR="0" rtl="0" algn="l">
+      <a:defPPr marR="0" lvl="0" algn="l" rtl="0">
         <a:lnSpc>
           <a:spcPct val="100000"/>
         </a:lnSpc>
@@ -4665,7 +5056,7 @@
           <a:spcPts val="0"/>
         </a:spcAft>
       </a:defPPr>
-      <a:lvl1pPr lvl="0" marR="0" rtl="0" algn="l">
+      <a:lvl1pPr marR="0" lvl="0" algn="l" rtl="0">
         <a:lnSpc>
           <a:spcPct val="100000"/>
         </a:lnSpc>
@@ -4676,7 +5067,7 @@
           <a:spcPts val="0"/>
         </a:spcAft>
         <a:buNone/>
-        <a:defRPr b="0" i="0" sz="1400" u="none" cap="none" strike="noStrike">
+        <a:defRPr sz="1400" b="0" i="0" u="none" strike="noStrike" cap="none">
           <a:solidFill>
             <a:srgbClr val="000000"/>
           </a:solidFill>
@@ -4686,7 +5077,7 @@
           <a:sym typeface="Arial"/>
         </a:defRPr>
       </a:lvl1pPr>
-      <a:lvl2pPr lvl="1" marR="0" rtl="0" algn="l">
+      <a:lvl2pPr marR="0" lvl="1" algn="l" rtl="0">
         <a:lnSpc>
           <a:spcPct val="100000"/>
         </a:lnSpc>
@@ -4697,7 +5088,7 @@
           <a:spcPts val="0"/>
         </a:spcAft>
         <a:buNone/>
-        <a:defRPr b="0" i="0" sz="1400" u="none" cap="none" strike="noStrike">
+        <a:defRPr sz="1400" b="0" i="0" u="none" strike="noStrike" cap="none">
           <a:solidFill>
             <a:srgbClr val="000000"/>
           </a:solidFill>
@@ -4707,7 +5098,7 @@
           <a:sym typeface="Arial"/>
         </a:defRPr>
       </a:lvl2pPr>
-      <a:lvl3pPr lvl="2" marR="0" rtl="0" algn="l">
+      <a:lvl3pPr marR="0" lvl="2" algn="l" rtl="0">
         <a:lnSpc>
           <a:spcPct val="100000"/>
         </a:lnSpc>
@@ -4718,7 +5109,7 @@
           <a:spcPts val="0"/>
         </a:spcAft>
         <a:buNone/>
-        <a:defRPr b="0" i="0" sz="1400" u="none" cap="none" strike="noStrike">
+        <a:defRPr sz="1400" b="0" i="0" u="none" strike="noStrike" cap="none">
           <a:solidFill>
             <a:srgbClr val="000000"/>
           </a:solidFill>
@@ -4728,7 +5119,7 @@
           <a:sym typeface="Arial"/>
         </a:defRPr>
       </a:lvl3pPr>
-      <a:lvl4pPr lvl="3" marR="0" rtl="0" algn="l">
+      <a:lvl4pPr marR="0" lvl="3" algn="l" rtl="0">
         <a:lnSpc>
           <a:spcPct val="100000"/>
         </a:lnSpc>
@@ -4739,7 +5130,7 @@
           <a:spcPts val="0"/>
         </a:spcAft>
         <a:buNone/>
-        <a:defRPr b="0" i="0" sz="1400" u="none" cap="none" strike="noStrike">
+        <a:defRPr sz="1400" b="0" i="0" u="none" strike="noStrike" cap="none">
           <a:solidFill>
             <a:srgbClr val="000000"/>
           </a:solidFill>
@@ -4749,7 +5140,7 @@
           <a:sym typeface="Arial"/>
         </a:defRPr>
       </a:lvl4pPr>
-      <a:lvl5pPr lvl="4" marR="0" rtl="0" algn="l">
+      <a:lvl5pPr marR="0" lvl="4" algn="l" rtl="0">
         <a:lnSpc>
           <a:spcPct val="100000"/>
         </a:lnSpc>
@@ -4760,7 +5151,7 @@
           <a:spcPts val="0"/>
         </a:spcAft>
         <a:buNone/>
-        <a:defRPr b="0" i="0" sz="1400" u="none" cap="none" strike="noStrike">
+        <a:defRPr sz="1400" b="0" i="0" u="none" strike="noStrike" cap="none">
           <a:solidFill>
             <a:srgbClr val="000000"/>
           </a:solidFill>
@@ -4770,7 +5161,7 @@
           <a:sym typeface="Arial"/>
         </a:defRPr>
       </a:lvl5pPr>
-      <a:lvl6pPr lvl="5" marR="0" rtl="0" algn="l">
+      <a:lvl6pPr marR="0" lvl="5" algn="l" rtl="0">
         <a:lnSpc>
           <a:spcPct val="100000"/>
         </a:lnSpc>
@@ -4781,7 +5172,7 @@
           <a:spcPts val="0"/>
         </a:spcAft>
         <a:buNone/>
-        <a:defRPr b="0" i="0" sz="1400" u="none" cap="none" strike="noStrike">
+        <a:defRPr sz="1400" b="0" i="0" u="none" strike="noStrike" cap="none">
           <a:solidFill>
             <a:srgbClr val="000000"/>
           </a:solidFill>
@@ -4791,7 +5182,7 @@
           <a:sym typeface="Arial"/>
         </a:defRPr>
       </a:lvl6pPr>
-      <a:lvl7pPr lvl="6" marR="0" rtl="0" algn="l">
+      <a:lvl7pPr marR="0" lvl="6" algn="l" rtl="0">
         <a:lnSpc>
           <a:spcPct val="100000"/>
         </a:lnSpc>
@@ -4802,7 +5193,7 @@
           <a:spcPts val="0"/>
         </a:spcAft>
         <a:buNone/>
-        <a:defRPr b="0" i="0" sz="1400" u="none" cap="none" strike="noStrike">
+        <a:defRPr sz="1400" b="0" i="0" u="none" strike="noStrike" cap="none">
           <a:solidFill>
             <a:srgbClr val="000000"/>
           </a:solidFill>
@@ -4812,7 +5203,7 @@
           <a:sym typeface="Arial"/>
         </a:defRPr>
       </a:lvl7pPr>
-      <a:lvl8pPr lvl="7" marR="0" rtl="0" algn="l">
+      <a:lvl8pPr marR="0" lvl="7" algn="l" rtl="0">
         <a:lnSpc>
           <a:spcPct val="100000"/>
         </a:lnSpc>
@@ -4823,7 +5214,7 @@
           <a:spcPts val="0"/>
         </a:spcAft>
         <a:buNone/>
-        <a:defRPr b="0" i="0" sz="1400" u="none" cap="none" strike="noStrike">
+        <a:defRPr sz="1400" b="0" i="0" u="none" strike="noStrike" cap="none">
           <a:solidFill>
             <a:srgbClr val="000000"/>
           </a:solidFill>
@@ -4833,7 +5224,7 @@
           <a:sym typeface="Arial"/>
         </a:defRPr>
       </a:lvl8pPr>
-      <a:lvl9pPr lvl="8" marR="0" rtl="0" algn="l">
+      <a:lvl9pPr marR="0" lvl="8" algn="l" rtl="0">
         <a:lnSpc>
           <a:spcPct val="100000"/>
         </a:lnSpc>
@@ -4844,7 +5235,7 @@
           <a:spcPts val="0"/>
         </a:spcAft>
         <a:buNone/>
-        <a:defRPr b="0" i="0" sz="1400" u="none" cap="none" strike="noStrike">
+        <a:defRPr sz="1400" b="0" i="0" u="none" strike="noStrike" cap="none">
           <a:solidFill>
             <a:srgbClr val="000000"/>
           </a:solidFill>
@@ -4860,11 +5251,11 @@
 </file>
 
 <file path=ppt/slides/slide1.xml><?xml version="1.0" encoding="utf-8"?>
-<p:sld xmlns:a="http://schemas.openxmlformats.org/drawingml/2006/main" xmlns:r="http://schemas.openxmlformats.org/officeDocument/2006/relationships" xmlns:mc="http://schemas.openxmlformats.org/markup-compatibility/2006" xmlns:mv="urn:schemas-microsoft-com:mac:vml" xmlns:p="http://schemas.openxmlformats.org/presentationml/2006/main" xmlns:c="http://schemas.openxmlformats.org/drawingml/2006/chart" xmlns:dgm="http://schemas.openxmlformats.org/drawingml/2006/diagram" xmlns:o="urn:schemas-microsoft-com:office:office" xmlns:v="urn:schemas-microsoft-com:vml" xmlns:pvml="urn:schemas-microsoft-com:office:powerpoint" xmlns:com="http://schemas.openxmlformats.org/drawingml/2006/compatibility" xmlns:p14="http://schemas.microsoft.com/office/powerpoint/2010/main">
+<p:sld xmlns:a="http://schemas.openxmlformats.org/drawingml/2006/main" xmlns:r="http://schemas.openxmlformats.org/officeDocument/2006/relationships" xmlns:p="http://schemas.openxmlformats.org/presentationml/2006/main">
   <p:cSld>
     <p:spTree>
       <p:nvGrpSpPr>
-        <p:cNvPr id="55" name="Shape 55"/>
+        <p:cNvPr id="1" name="Shape 55"/>
         <p:cNvGrpSpPr/>
         <p:nvPr/>
       </p:nvGrpSpPr>
@@ -4879,7 +5270,9 @@
       <p:sp>
         <p:nvSpPr>
           <p:cNvPr id="56" name="Shape 56"/>
-          <p:cNvSpPr txBox="1"/>
+          <p:cNvSpPr txBox="1">
+            <a:spLocks noGrp="1"/>
+          </p:cNvSpPr>
           <p:nvPr>
             <p:ph type="ctrTitle"/>
           </p:nvPr>
@@ -4894,7 +5287,7 @@
           </a:prstGeom>
         </p:spPr>
         <p:txBody>
-          <a:bodyPr anchorCtr="0" anchor="ctr" bIns="91425" lIns="91425" rIns="91425" tIns="91425">
+          <a:bodyPr lIns="91425" tIns="91425" rIns="91425" bIns="91425" anchor="ctr" anchorCtr="0">
             <a:noAutofit/>
           </a:bodyPr>
           <a:lstStyle/>
@@ -4915,9 +5308,11 @@
       <p:sp>
         <p:nvSpPr>
           <p:cNvPr id="57" name="Shape 57"/>
-          <p:cNvSpPr txBox="1"/>
+          <p:cNvSpPr txBox="1">
+            <a:spLocks noGrp="1"/>
+          </p:cNvSpPr>
           <p:nvPr>
-            <p:ph idx="1" type="subTitle"/>
+            <p:ph type="subTitle" idx="1"/>
           </p:nvPr>
         </p:nvSpPr>
         <p:spPr>
@@ -4930,20 +5325,24 @@
           </a:prstGeom>
         </p:spPr>
         <p:txBody>
-          <a:bodyPr anchorCtr="0" anchor="ctr" bIns="91425" lIns="91425" rIns="91425" tIns="91425">
+          <a:bodyPr lIns="91425" tIns="91425" rIns="91425" bIns="91425" anchor="ctr" anchorCtr="0">
             <a:noAutofit/>
           </a:bodyPr>
           <a:lstStyle/>
           <a:p>
-            <a:pPr lvl="0" algn="l">
+            <a:pPr lvl="0">
               <a:spcBef>
                 <a:spcPts val="0"/>
               </a:spcBef>
               <a:buNone/>
             </a:pPr>
             <a:r>
-              <a:rPr lang="en"/>
-              <a:t>							Warsame Bashir</a:t>
+              <a:rPr lang="en" dirty="0" smtClean="0"/>
+              <a:t>Warsame </a:t>
+            </a:r>
+            <a:r>
+              <a:rPr lang="en" dirty="0"/>
+              <a:t>Bashir</a:t>
             </a:r>
           </a:p>
         </p:txBody>
@@ -4959,679 +5358,12 @@
 </p:sld>
 </file>
 
-<file path=ppt/slides/slide2.xml><?xml version="1.0" encoding="utf-8"?>
-<p:sld xmlns:a="http://schemas.openxmlformats.org/drawingml/2006/main" xmlns:r="http://schemas.openxmlformats.org/officeDocument/2006/relationships" xmlns:mc="http://schemas.openxmlformats.org/markup-compatibility/2006" xmlns:mv="urn:schemas-microsoft-com:mac:vml" xmlns:p="http://schemas.openxmlformats.org/presentationml/2006/main" xmlns:c="http://schemas.openxmlformats.org/drawingml/2006/chart" xmlns:dgm="http://schemas.openxmlformats.org/drawingml/2006/diagram" xmlns:o="urn:schemas-microsoft-com:office:office" xmlns:v="urn:schemas-microsoft-com:vml" xmlns:pvml="urn:schemas-microsoft-com:office:powerpoint" xmlns:com="http://schemas.openxmlformats.org/drawingml/2006/compatibility" xmlns:p14="http://schemas.microsoft.com/office/powerpoint/2010/main">
+<file path=ppt/slides/slide10.xml><?xml version="1.0" encoding="utf-8"?>
+<p:sld xmlns:a="http://schemas.openxmlformats.org/drawingml/2006/main" xmlns:r="http://schemas.openxmlformats.org/officeDocument/2006/relationships" xmlns:p="http://schemas.openxmlformats.org/presentationml/2006/main">
   <p:cSld>
     <p:spTree>
       <p:nvGrpSpPr>
-        <p:cNvPr id="61" name="Shape 61"/>
-        <p:cNvGrpSpPr/>
-        <p:nvPr/>
-      </p:nvGrpSpPr>
-      <p:grpSpPr>
-        <a:xfrm>
-          <a:off x="0" y="0"/>
-          <a:ext cx="0" cy="0"/>
-          <a:chOff x="0" y="0"/>
-          <a:chExt cx="0" cy="0"/>
-        </a:xfrm>
-      </p:grpSpPr>
-      <p:sp>
-        <p:nvSpPr>
-          <p:cNvPr id="62" name="Shape 62"/>
-          <p:cNvSpPr txBox="1"/>
-          <p:nvPr>
-            <p:ph type="title"/>
-          </p:nvPr>
-        </p:nvSpPr>
-        <p:spPr>
-          <a:xfrm>
-            <a:off x="311700" y="292850"/>
-            <a:ext cx="8520600" cy="801000"/>
-          </a:xfrm>
-          <a:prstGeom prst="rect">
-            <a:avLst/>
-          </a:prstGeom>
-        </p:spPr>
-        <p:txBody>
-          <a:bodyPr anchorCtr="0" anchor="t" bIns="91425" lIns="91425" rIns="91425" tIns="91425">
-            <a:noAutofit/>
-          </a:bodyPr>
-          <a:lstStyle/>
-          <a:p>
-            <a:pPr lvl="0">
-              <a:spcBef>
-                <a:spcPts val="0"/>
-              </a:spcBef>
-              <a:buNone/>
-            </a:pPr>
-            <a:r>
-              <a:rPr lang="en"/>
-              <a:t>Overview</a:t>
-            </a:r>
-          </a:p>
-        </p:txBody>
-      </p:sp>
-      <p:sp>
-        <p:nvSpPr>
-          <p:cNvPr id="63" name="Shape 63"/>
-          <p:cNvSpPr txBox="1"/>
-          <p:nvPr>
-            <p:ph idx="1" type="body"/>
-          </p:nvPr>
-        </p:nvSpPr>
-        <p:spPr>
-          <a:xfrm>
-            <a:off x="311700" y="1228675"/>
-            <a:ext cx="8520600" cy="3340200"/>
-          </a:xfrm>
-          <a:prstGeom prst="rect">
-            <a:avLst/>
-          </a:prstGeom>
-        </p:spPr>
-        <p:txBody>
-          <a:bodyPr anchorCtr="0" anchor="t" bIns="91425" lIns="91425" rIns="91425" tIns="91425">
-            <a:noAutofit/>
-          </a:bodyPr>
-          <a:lstStyle/>
-          <a:p>
-            <a:pPr indent="-228600" lvl="0" marL="457200" rtl="0">
-              <a:spcBef>
-                <a:spcPts val="0"/>
-              </a:spcBef>
-            </a:pPr>
-            <a:r>
-              <a:rPr lang="en"/>
-              <a:t>What is it?</a:t>
-            </a:r>
-          </a:p>
-          <a:p>
-            <a:pPr indent="-228600" lvl="0" marL="457200" rtl="0">
-              <a:spcBef>
-                <a:spcPts val="0"/>
-              </a:spcBef>
-            </a:pPr>
-            <a:r>
-              <a:rPr lang="en"/>
-              <a:t>How does it work?</a:t>
-            </a:r>
-          </a:p>
-          <a:p>
-            <a:pPr indent="-228600" lvl="0" marL="457200" rtl="0">
-              <a:spcBef>
-                <a:spcPts val="0"/>
-              </a:spcBef>
-            </a:pPr>
-            <a:r>
-              <a:rPr lang="en"/>
-              <a:t>Challenges</a:t>
-            </a:r>
-          </a:p>
-          <a:p>
-            <a:pPr indent="-228600" lvl="0" marL="457200" rtl="0">
-              <a:spcBef>
-                <a:spcPts val="0"/>
-              </a:spcBef>
-            </a:pPr>
-            <a:r>
-              <a:rPr lang="en"/>
-              <a:t>Fritzing</a:t>
-            </a:r>
-          </a:p>
-          <a:p>
-            <a:pPr indent="-228600" lvl="0" marL="457200" rtl="0">
-              <a:spcBef>
-                <a:spcPts val="0"/>
-              </a:spcBef>
-            </a:pPr>
-            <a:r>
-              <a:rPr lang="en"/>
-              <a:t>Demo</a:t>
-            </a:r>
-          </a:p>
-        </p:txBody>
-      </p:sp>
-    </p:spTree>
-  </p:cSld>
-  <p:clrMapOvr>
-    <a:masterClrMapping/>
-  </p:clrMapOvr>
-  <p:transition spd="slow">
-    <p:cut/>
-  </p:transition>
-</p:sld>
-</file>
-
-<file path=ppt/slides/slide3.xml><?xml version="1.0" encoding="utf-8"?>
-<p:sld xmlns:a="http://schemas.openxmlformats.org/drawingml/2006/main" xmlns:r="http://schemas.openxmlformats.org/officeDocument/2006/relationships" xmlns:mc="http://schemas.openxmlformats.org/markup-compatibility/2006" xmlns:mv="urn:schemas-microsoft-com:mac:vml" xmlns:p="http://schemas.openxmlformats.org/presentationml/2006/main" xmlns:c="http://schemas.openxmlformats.org/drawingml/2006/chart" xmlns:dgm="http://schemas.openxmlformats.org/drawingml/2006/diagram" xmlns:o="urn:schemas-microsoft-com:office:office" xmlns:v="urn:schemas-microsoft-com:vml" xmlns:pvml="urn:schemas-microsoft-com:office:powerpoint" xmlns:com="http://schemas.openxmlformats.org/drawingml/2006/compatibility" xmlns:p14="http://schemas.microsoft.com/office/powerpoint/2010/main">
-  <p:cSld>
-    <p:spTree>
-      <p:nvGrpSpPr>
-        <p:cNvPr id="67" name="Shape 67"/>
-        <p:cNvGrpSpPr/>
-        <p:nvPr/>
-      </p:nvGrpSpPr>
-      <p:grpSpPr>
-        <a:xfrm>
-          <a:off x="0" y="0"/>
-          <a:ext cx="0" cy="0"/>
-          <a:chOff x="0" y="0"/>
-          <a:chExt cx="0" cy="0"/>
-        </a:xfrm>
-      </p:grpSpPr>
-      <p:sp>
-        <p:nvSpPr>
-          <p:cNvPr id="68" name="Shape 68"/>
-          <p:cNvSpPr txBox="1"/>
-          <p:nvPr>
-            <p:ph type="title"/>
-          </p:nvPr>
-        </p:nvSpPr>
-        <p:spPr>
-          <a:xfrm>
-            <a:off x="246875" y="2197650"/>
-            <a:ext cx="8537700" cy="748200"/>
-          </a:xfrm>
-          <a:prstGeom prst="rect">
-            <a:avLst/>
-          </a:prstGeom>
-        </p:spPr>
-        <p:txBody>
-          <a:bodyPr anchorCtr="0" anchor="t" bIns="91425" lIns="91425" rIns="91425" tIns="91425">
-            <a:noAutofit/>
-          </a:bodyPr>
-          <a:lstStyle/>
-          <a:p>
-            <a:pPr lvl="0" algn="ctr">
-              <a:spcBef>
-                <a:spcPts val="0"/>
-              </a:spcBef>
-              <a:buNone/>
-            </a:pPr>
-            <a:r>
-              <a:rPr lang="en"/>
-              <a:t>What is it?</a:t>
-            </a:r>
-          </a:p>
-        </p:txBody>
-      </p:sp>
-    </p:spTree>
-  </p:cSld>
-  <p:clrMapOvr>
-    <a:masterClrMapping/>
-  </p:clrMapOvr>
-  <p:transition spd="slow">
-    <p:cut/>
-  </p:transition>
-</p:sld>
-</file>
-
-<file path=ppt/slides/slide4.xml><?xml version="1.0" encoding="utf-8"?>
-<p:sld xmlns:a="http://schemas.openxmlformats.org/drawingml/2006/main" xmlns:r="http://schemas.openxmlformats.org/officeDocument/2006/relationships" xmlns:mc="http://schemas.openxmlformats.org/markup-compatibility/2006" xmlns:mv="urn:schemas-microsoft-com:mac:vml" xmlns:p="http://schemas.openxmlformats.org/presentationml/2006/main" xmlns:c="http://schemas.openxmlformats.org/drawingml/2006/chart" xmlns:dgm="http://schemas.openxmlformats.org/drawingml/2006/diagram" xmlns:o="urn:schemas-microsoft-com:office:office" xmlns:v="urn:schemas-microsoft-com:vml" xmlns:pvml="urn:schemas-microsoft-com:office:powerpoint" xmlns:com="http://schemas.openxmlformats.org/drawingml/2006/compatibility" xmlns:p14="http://schemas.microsoft.com/office/powerpoint/2010/main">
-  <p:cSld>
-    <p:spTree>
-      <p:nvGrpSpPr>
-        <p:cNvPr id="72" name="Shape 72"/>
-        <p:cNvGrpSpPr/>
-        <p:nvPr/>
-      </p:nvGrpSpPr>
-      <p:grpSpPr>
-        <a:xfrm>
-          <a:off x="0" y="0"/>
-          <a:ext cx="0" cy="0"/>
-          <a:chOff x="0" y="0"/>
-          <a:chExt cx="0" cy="0"/>
-        </a:xfrm>
-      </p:grpSpPr>
-      <p:pic>
-        <p:nvPicPr>
-          <p:cNvPr id="73" name="Shape 73"/>
-          <p:cNvPicPr preferRelativeResize="0"/>
-          <p:nvPr/>
-        </p:nvPicPr>
-        <p:blipFill>
-          <a:blip r:embed="rId3">
-            <a:alphaModFix/>
-          </a:blip>
-          <a:stretch>
-            <a:fillRect/>
-          </a:stretch>
-        </p:blipFill>
-        <p:spPr>
-          <a:xfrm>
-            <a:off x="381078" y="1700200"/>
-            <a:ext cx="3364649" cy="2239025"/>
-          </a:xfrm>
-          <a:prstGeom prst="rect">
-            <a:avLst/>
-          </a:prstGeom>
-          <a:noFill/>
-          <a:ln>
-            <a:noFill/>
-          </a:ln>
-        </p:spPr>
-      </p:pic>
-      <p:sp>
-        <p:nvSpPr>
-          <p:cNvPr id="74" name="Shape 74"/>
-          <p:cNvSpPr txBox="1"/>
-          <p:nvPr/>
-        </p:nvSpPr>
-        <p:spPr>
-          <a:xfrm>
-            <a:off x="5362900" y="943900"/>
-            <a:ext cx="3100800" cy="756300"/>
-          </a:xfrm>
-          <a:prstGeom prst="rect">
-            <a:avLst/>
-          </a:prstGeom>
-          <a:noFill/>
-          <a:ln>
-            <a:noFill/>
-          </a:ln>
-        </p:spPr>
-        <p:txBody>
-          <a:bodyPr anchorCtr="0" anchor="t" bIns="91425" lIns="91425" rIns="91425" tIns="91425">
-            <a:noAutofit/>
-          </a:bodyPr>
-          <a:lstStyle/>
-          <a:p>
-            <a:pPr lvl="0">
-              <a:spcBef>
-                <a:spcPts val="0"/>
-              </a:spcBef>
-              <a:buNone/>
-            </a:pPr>
-            <a:r>
-              <a:rPr b="1" lang="en" sz="1800"/>
-              <a:t>Beat Maker (Drums)</a:t>
-            </a:r>
-          </a:p>
-        </p:txBody>
-      </p:sp>
-      <p:sp>
-        <p:nvSpPr>
-          <p:cNvPr id="75" name="Shape 75"/>
-          <p:cNvSpPr txBox="1"/>
-          <p:nvPr/>
-        </p:nvSpPr>
-        <p:spPr>
-          <a:xfrm>
-            <a:off x="4204200" y="2193600"/>
-            <a:ext cx="601500" cy="756300"/>
-          </a:xfrm>
-          <a:prstGeom prst="rect">
-            <a:avLst/>
-          </a:prstGeom>
-          <a:noFill/>
-          <a:ln>
-            <a:noFill/>
-          </a:ln>
-        </p:spPr>
-        <p:txBody>
-          <a:bodyPr anchorCtr="0" anchor="t" bIns="91425" lIns="91425" rIns="91425" tIns="91425">
-            <a:noAutofit/>
-          </a:bodyPr>
-          <a:lstStyle/>
-          <a:p>
-            <a:pPr lvl="0" rtl="0">
-              <a:spcBef>
-                <a:spcPts val="0"/>
-              </a:spcBef>
-              <a:buNone/>
-            </a:pPr>
-            <a:r>
-              <a:rPr lang="en" sz="1800"/>
-              <a:t>+</a:t>
-            </a:r>
-          </a:p>
-        </p:txBody>
-      </p:sp>
-      <p:pic>
-        <p:nvPicPr>
-          <p:cNvPr id="76" name="Shape 76"/>
-          <p:cNvPicPr preferRelativeResize="0"/>
-          <p:nvPr/>
-        </p:nvPicPr>
-        <p:blipFill>
-          <a:blip r:embed="rId4">
-            <a:alphaModFix/>
-          </a:blip>
-          <a:stretch>
-            <a:fillRect/>
-          </a:stretch>
-        </p:blipFill>
-        <p:spPr>
-          <a:xfrm>
-            <a:off x="5362900" y="1700200"/>
-            <a:ext cx="3364650" cy="2520237"/>
-          </a:xfrm>
-          <a:prstGeom prst="rect">
-            <a:avLst/>
-          </a:prstGeom>
-          <a:noFill/>
-          <a:ln>
-            <a:noFill/>
-          </a:ln>
-        </p:spPr>
-      </p:pic>
-      <p:sp>
-        <p:nvSpPr>
-          <p:cNvPr id="77" name="Shape 77"/>
-          <p:cNvSpPr txBox="1"/>
-          <p:nvPr/>
-        </p:nvSpPr>
-        <p:spPr>
-          <a:xfrm>
-            <a:off x="580100" y="1096300"/>
-            <a:ext cx="1429500" cy="756300"/>
-          </a:xfrm>
-          <a:prstGeom prst="rect">
-            <a:avLst/>
-          </a:prstGeom>
-          <a:noFill/>
-          <a:ln>
-            <a:noFill/>
-          </a:ln>
-        </p:spPr>
-        <p:txBody>
-          <a:bodyPr anchorCtr="0" anchor="t" bIns="91425" lIns="91425" rIns="91425" tIns="91425">
-            <a:noAutofit/>
-          </a:bodyPr>
-          <a:lstStyle/>
-          <a:p>
-            <a:pPr lvl="0" rtl="0">
-              <a:spcBef>
-                <a:spcPts val="0"/>
-              </a:spcBef>
-              <a:buNone/>
-            </a:pPr>
-            <a:r>
-              <a:rPr b="1" lang="en" sz="1800"/>
-              <a:t>Photon</a:t>
-            </a:r>
-          </a:p>
-        </p:txBody>
-      </p:sp>
-    </p:spTree>
-  </p:cSld>
-  <p:clrMapOvr>
-    <a:masterClrMapping/>
-  </p:clrMapOvr>
-  <p:transition spd="slow">
-    <p:cut/>
-  </p:transition>
-</p:sld>
-</file>
-
-<file path=ppt/slides/slide5.xml><?xml version="1.0" encoding="utf-8"?>
-<p:sld xmlns:a="http://schemas.openxmlformats.org/drawingml/2006/main" xmlns:r="http://schemas.openxmlformats.org/officeDocument/2006/relationships" xmlns:mc="http://schemas.openxmlformats.org/markup-compatibility/2006" xmlns:mv="urn:schemas-microsoft-com:mac:vml" xmlns:p="http://schemas.openxmlformats.org/presentationml/2006/main" xmlns:c="http://schemas.openxmlformats.org/drawingml/2006/chart" xmlns:dgm="http://schemas.openxmlformats.org/drawingml/2006/diagram" xmlns:o="urn:schemas-microsoft-com:office:office" xmlns:v="urn:schemas-microsoft-com:vml" xmlns:pvml="urn:schemas-microsoft-com:office:powerpoint" xmlns:com="http://schemas.openxmlformats.org/drawingml/2006/compatibility" xmlns:p14="http://schemas.microsoft.com/office/powerpoint/2010/main">
-  <p:cSld>
-    <p:spTree>
-      <p:nvGrpSpPr>
-        <p:cNvPr id="81" name="Shape 81"/>
-        <p:cNvGrpSpPr/>
-        <p:nvPr/>
-      </p:nvGrpSpPr>
-      <p:grpSpPr>
-        <a:xfrm>
-          <a:off x="0" y="0"/>
-          <a:ext cx="0" cy="0"/>
-          <a:chOff x="0" y="0"/>
-          <a:chExt cx="0" cy="0"/>
-        </a:xfrm>
-      </p:grpSpPr>
-      <p:sp>
-        <p:nvSpPr>
-          <p:cNvPr id="82" name="Shape 82"/>
-          <p:cNvSpPr txBox="1"/>
-          <p:nvPr>
-            <p:ph type="title"/>
-          </p:nvPr>
-        </p:nvSpPr>
-        <p:spPr>
-          <a:xfrm>
-            <a:off x="246875" y="2197650"/>
-            <a:ext cx="8537700" cy="748200"/>
-          </a:xfrm>
-          <a:prstGeom prst="rect">
-            <a:avLst/>
-          </a:prstGeom>
-        </p:spPr>
-        <p:txBody>
-          <a:bodyPr anchorCtr="0" anchor="t" bIns="91425" lIns="91425" rIns="91425" tIns="91425">
-            <a:noAutofit/>
-          </a:bodyPr>
-          <a:lstStyle/>
-          <a:p>
-            <a:pPr lvl="0" rtl="0" algn="ctr">
-              <a:spcBef>
-                <a:spcPts val="0"/>
-              </a:spcBef>
-              <a:buNone/>
-            </a:pPr>
-            <a:r>
-              <a:rPr lang="en"/>
-              <a:t>How does it work?</a:t>
-            </a:r>
-          </a:p>
-        </p:txBody>
-      </p:sp>
-    </p:spTree>
-  </p:cSld>
-  <p:clrMapOvr>
-    <a:masterClrMapping/>
-  </p:clrMapOvr>
-  <p:transition spd="slow">
-    <p:cut/>
-  </p:transition>
-</p:sld>
-</file>
-
-<file path=ppt/slides/slide6.xml><?xml version="1.0" encoding="utf-8"?>
-<p:sld xmlns:a="http://schemas.openxmlformats.org/drawingml/2006/main" xmlns:r="http://schemas.openxmlformats.org/officeDocument/2006/relationships" xmlns:mc="http://schemas.openxmlformats.org/markup-compatibility/2006" xmlns:mv="urn:schemas-microsoft-com:mac:vml" xmlns:p="http://schemas.openxmlformats.org/presentationml/2006/main" xmlns:c="http://schemas.openxmlformats.org/drawingml/2006/chart" xmlns:dgm="http://schemas.openxmlformats.org/drawingml/2006/diagram" xmlns:o="urn:schemas-microsoft-com:office:office" xmlns:v="urn:schemas-microsoft-com:vml" xmlns:pvml="urn:schemas-microsoft-com:office:powerpoint" xmlns:com="http://schemas.openxmlformats.org/drawingml/2006/compatibility" xmlns:p14="http://schemas.microsoft.com/office/powerpoint/2010/main">
-  <p:cSld>
-    <p:spTree>
-      <p:nvGrpSpPr>
-        <p:cNvPr id="86" name="Shape 86"/>
-        <p:cNvGrpSpPr/>
-        <p:nvPr/>
-      </p:nvGrpSpPr>
-      <p:grpSpPr>
-        <a:xfrm>
-          <a:off x="0" y="0"/>
-          <a:ext cx="0" cy="0"/>
-          <a:chOff x="0" y="0"/>
-          <a:chExt cx="0" cy="0"/>
-        </a:xfrm>
-      </p:grpSpPr>
-      <p:sp>
-        <p:nvSpPr>
-          <p:cNvPr id="87" name="Shape 87"/>
-          <p:cNvSpPr txBox="1"/>
-          <p:nvPr>
-            <p:ph type="title"/>
-          </p:nvPr>
-        </p:nvSpPr>
-        <p:spPr>
-          <a:xfrm>
-            <a:off x="311700" y="292850"/>
-            <a:ext cx="8520600" cy="801000"/>
-          </a:xfrm>
-          <a:prstGeom prst="rect">
-            <a:avLst/>
-          </a:prstGeom>
-        </p:spPr>
-        <p:txBody>
-          <a:bodyPr anchorCtr="0" anchor="t" bIns="91425" lIns="91425" rIns="91425" tIns="91425">
-            <a:noAutofit/>
-          </a:bodyPr>
-          <a:lstStyle/>
-          <a:p>
-            <a:pPr lvl="0">
-              <a:spcBef>
-                <a:spcPts val="0"/>
-              </a:spcBef>
-              <a:buNone/>
-            </a:pPr>
-            <a:r>
-              <a:rPr lang="en"/>
-              <a:t>hEROKU AND SOCKET.IO</a:t>
-            </a:r>
-          </a:p>
-        </p:txBody>
-      </p:sp>
-      <p:sp>
-        <p:nvSpPr>
-          <p:cNvPr id="88" name="Shape 88"/>
-          <p:cNvSpPr txBox="1"/>
-          <p:nvPr>
-            <p:ph idx="1" type="body"/>
-          </p:nvPr>
-        </p:nvSpPr>
-        <p:spPr>
-          <a:xfrm>
-            <a:off x="311700" y="1228675"/>
-            <a:ext cx="8520600" cy="3340200"/>
-          </a:xfrm>
-          <a:prstGeom prst="rect">
-            <a:avLst/>
-          </a:prstGeom>
-        </p:spPr>
-        <p:txBody>
-          <a:bodyPr anchorCtr="0" anchor="t" bIns="91425" lIns="91425" rIns="91425" tIns="91425">
-            <a:noAutofit/>
-          </a:bodyPr>
-          <a:lstStyle/>
-          <a:p>
-            <a:pPr indent="-228600" lvl="0" marL="457200" rtl="0">
-              <a:spcBef>
-                <a:spcPts val="0"/>
-              </a:spcBef>
-            </a:pPr>
-            <a:r>
-              <a:rPr lang="en"/>
-              <a:t>Johnny-Five (NODE)</a:t>
-            </a:r>
-          </a:p>
-          <a:p>
-            <a:pPr indent="-228600" lvl="1" marL="914400" rtl="0">
-              <a:spcBef>
-                <a:spcPts val="0"/>
-              </a:spcBef>
-            </a:pPr>
-            <a:r>
-              <a:rPr lang="en"/>
-              <a:t>Module for connecting to Photon/Arduino </a:t>
-            </a:r>
-          </a:p>
-          <a:p>
-            <a:pPr indent="-228600" lvl="1" marL="914400" rtl="0">
-              <a:spcBef>
-                <a:spcPts val="0"/>
-              </a:spcBef>
-            </a:pPr>
-            <a:r>
-              <a:rPr lang="en"/>
-              <a:t>Javascript based</a:t>
-            </a:r>
-          </a:p>
-          <a:p>
-            <a:pPr indent="-228600" lvl="1" marL="914400" rtl="0">
-              <a:spcBef>
-                <a:spcPts val="0"/>
-              </a:spcBef>
-            </a:pPr>
-            <a:r>
-              <a:rPr lang="en"/>
-              <a:t>Faster development lifecycle (if you prefer JS)</a:t>
-            </a:r>
-          </a:p>
-          <a:p>
-            <a:pPr lvl="0" rtl="0">
-              <a:spcBef>
-                <a:spcPts val="0"/>
-              </a:spcBef>
-              <a:buNone/>
-            </a:pPr>
-            <a:r>
-              <a:t/>
-            </a:r>
-            <a:endParaRPr/>
-          </a:p>
-          <a:p>
-            <a:pPr lvl="0" rtl="0">
-              <a:spcBef>
-                <a:spcPts val="0"/>
-              </a:spcBef>
-              <a:buNone/>
-            </a:pPr>
-            <a:r>
-              <a:rPr lang="en"/>
-              <a:t>------------------------ SOCKET IO -------------------------</a:t>
-            </a:r>
-          </a:p>
-          <a:p>
-            <a:pPr indent="-228600" lvl="0" marL="457200" rtl="0">
-              <a:spcBef>
-                <a:spcPts val="0"/>
-              </a:spcBef>
-            </a:pPr>
-            <a:r>
-              <a:rPr lang="en"/>
-              <a:t>AngularJS / Express</a:t>
-            </a:r>
-          </a:p>
-          <a:p>
-            <a:pPr indent="-228600" lvl="1" marL="914400" rtl="0">
-              <a:spcBef>
-                <a:spcPts val="0"/>
-              </a:spcBef>
-            </a:pPr>
-            <a:r>
-              <a:rPr lang="en"/>
-              <a:t>AngularJS application front end to send ‘</a:t>
-            </a:r>
-            <a:r>
-              <a:rPr b="1" lang="en"/>
-              <a:t>active’</a:t>
-            </a:r>
-            <a:r>
-              <a:rPr lang="en"/>
-              <a:t> beat to Photon</a:t>
-            </a:r>
-          </a:p>
-          <a:p>
-            <a:pPr lvl="0">
-              <a:spcBef>
-                <a:spcPts val="0"/>
-              </a:spcBef>
-              <a:buNone/>
-            </a:pPr>
-            <a:r>
-              <a:t/>
-            </a:r>
-            <a:endParaRPr/>
-          </a:p>
-        </p:txBody>
-      </p:sp>
-    </p:spTree>
-  </p:cSld>
-  <p:clrMapOvr>
-    <a:masterClrMapping/>
-  </p:clrMapOvr>
-  <p:transition spd="slow">
-    <p:cut/>
-  </p:transition>
-</p:sld>
-</file>
-
-<file path=ppt/slides/slide7.xml><?xml version="1.0" encoding="utf-8"?>
-<p:sld xmlns:a="http://schemas.openxmlformats.org/drawingml/2006/main" xmlns:r="http://schemas.openxmlformats.org/officeDocument/2006/relationships" xmlns:mc="http://schemas.openxmlformats.org/markup-compatibility/2006" xmlns:mv="urn:schemas-microsoft-com:mac:vml" xmlns:p="http://schemas.openxmlformats.org/presentationml/2006/main" xmlns:c="http://schemas.openxmlformats.org/drawingml/2006/chart" xmlns:dgm="http://schemas.openxmlformats.org/drawingml/2006/diagram" xmlns:o="urn:schemas-microsoft-com:office:office" xmlns:v="urn:schemas-microsoft-com:vml" xmlns:pvml="urn:schemas-microsoft-com:office:powerpoint" xmlns:com="http://schemas.openxmlformats.org/drawingml/2006/compatibility" xmlns:p14="http://schemas.microsoft.com/office/powerpoint/2010/main">
-  <p:cSld>
-    <p:spTree>
-      <p:nvGrpSpPr>
-        <p:cNvPr id="92" name="Shape 92"/>
+        <p:cNvPr id="1" name="Shape 92"/>
         <p:cNvGrpSpPr/>
         <p:nvPr/>
       </p:nvGrpSpPr>
@@ -5682,12 +5414,12 @@
 </p:sld>
 </file>
 
-<file path=ppt/slides/slide8.xml><?xml version="1.0" encoding="utf-8"?>
-<p:sld xmlns:a="http://schemas.openxmlformats.org/drawingml/2006/main" xmlns:r="http://schemas.openxmlformats.org/officeDocument/2006/relationships" xmlns:mc="http://schemas.openxmlformats.org/markup-compatibility/2006" xmlns:mv="urn:schemas-microsoft-com:mac:vml" xmlns:p="http://schemas.openxmlformats.org/presentationml/2006/main" xmlns:c="http://schemas.openxmlformats.org/drawingml/2006/chart" xmlns:dgm="http://schemas.openxmlformats.org/drawingml/2006/diagram" xmlns:o="urn:schemas-microsoft-com:office:office" xmlns:v="urn:schemas-microsoft-com:vml" xmlns:pvml="urn:schemas-microsoft-com:office:powerpoint" xmlns:com="http://schemas.openxmlformats.org/drawingml/2006/compatibility" xmlns:p14="http://schemas.microsoft.com/office/powerpoint/2010/main">
+<file path=ppt/slides/slide11.xml><?xml version="1.0" encoding="utf-8"?>
+<p:sld xmlns:a="http://schemas.openxmlformats.org/drawingml/2006/main" xmlns:r="http://schemas.openxmlformats.org/officeDocument/2006/relationships" xmlns:p="http://schemas.openxmlformats.org/presentationml/2006/main">
   <p:cSld>
     <p:spTree>
       <p:nvGrpSpPr>
-        <p:cNvPr id="97" name="Shape 97"/>
+        <p:cNvPr id="1" name="Shape 97"/>
         <p:cNvGrpSpPr/>
         <p:nvPr/>
       </p:nvGrpSpPr>
@@ -5702,7 +5434,9 @@
       <p:sp>
         <p:nvSpPr>
           <p:cNvPr id="98" name="Shape 98"/>
-          <p:cNvSpPr txBox="1"/>
+          <p:cNvSpPr txBox="1">
+            <a:spLocks noGrp="1"/>
+          </p:cNvSpPr>
           <p:nvPr>
             <p:ph type="title"/>
           </p:nvPr>
@@ -5717,7 +5451,7 @@
           </a:prstGeom>
         </p:spPr>
         <p:txBody>
-          <a:bodyPr anchorCtr="0" anchor="t" bIns="91425" lIns="91425" rIns="91425" tIns="91425">
+          <a:bodyPr lIns="91425" tIns="91425" rIns="91425" bIns="91425" anchor="t" anchorCtr="0">
             <a:noAutofit/>
           </a:bodyPr>
           <a:lstStyle/>
@@ -5746,8 +5480,1287 @@
 </p:sld>
 </file>
 
+<file path=ppt/slides/slide2.xml><?xml version="1.0" encoding="utf-8"?>
+<p:sld xmlns:a="http://schemas.openxmlformats.org/drawingml/2006/main" xmlns:r="http://schemas.openxmlformats.org/officeDocument/2006/relationships" xmlns:p="http://schemas.openxmlformats.org/presentationml/2006/main">
+  <p:cSld>
+    <p:spTree>
+      <p:nvGrpSpPr>
+        <p:cNvPr id="1" name="Shape 61"/>
+        <p:cNvGrpSpPr/>
+        <p:nvPr/>
+      </p:nvGrpSpPr>
+      <p:grpSpPr>
+        <a:xfrm>
+          <a:off x="0" y="0"/>
+          <a:ext cx="0" cy="0"/>
+          <a:chOff x="0" y="0"/>
+          <a:chExt cx="0" cy="0"/>
+        </a:xfrm>
+      </p:grpSpPr>
+      <p:sp>
+        <p:nvSpPr>
+          <p:cNvPr id="62" name="Shape 62"/>
+          <p:cNvSpPr txBox="1">
+            <a:spLocks noGrp="1"/>
+          </p:cNvSpPr>
+          <p:nvPr>
+            <p:ph type="title"/>
+          </p:nvPr>
+        </p:nvSpPr>
+        <p:spPr>
+          <a:xfrm>
+            <a:off x="311700" y="292850"/>
+            <a:ext cx="8520600" cy="801000"/>
+          </a:xfrm>
+          <a:prstGeom prst="rect">
+            <a:avLst/>
+          </a:prstGeom>
+        </p:spPr>
+        <p:txBody>
+          <a:bodyPr lIns="91425" tIns="91425" rIns="91425" bIns="91425" anchor="t" anchorCtr="0">
+            <a:noAutofit/>
+          </a:bodyPr>
+          <a:lstStyle/>
+          <a:p>
+            <a:pPr lvl="0">
+              <a:spcBef>
+                <a:spcPts val="0"/>
+              </a:spcBef>
+              <a:buNone/>
+            </a:pPr>
+            <a:r>
+              <a:rPr lang="en"/>
+              <a:t>Overview</a:t>
+            </a:r>
+          </a:p>
+        </p:txBody>
+      </p:sp>
+      <p:sp>
+        <p:nvSpPr>
+          <p:cNvPr id="63" name="Shape 63"/>
+          <p:cNvSpPr txBox="1">
+            <a:spLocks noGrp="1"/>
+          </p:cNvSpPr>
+          <p:nvPr>
+            <p:ph type="body" idx="1"/>
+          </p:nvPr>
+        </p:nvSpPr>
+        <p:spPr>
+          <a:xfrm>
+            <a:off x="311700" y="1228675"/>
+            <a:ext cx="8520600" cy="3340200"/>
+          </a:xfrm>
+          <a:prstGeom prst="rect">
+            <a:avLst/>
+          </a:prstGeom>
+        </p:spPr>
+        <p:txBody>
+          <a:bodyPr lIns="91425" tIns="91425" rIns="91425" bIns="91425" anchor="t" anchorCtr="0">
+            <a:noAutofit/>
+          </a:bodyPr>
+          <a:lstStyle/>
+          <a:p>
+            <a:pPr marL="457200" lvl="0" indent="-228600" rtl="0">
+              <a:spcBef>
+                <a:spcPts val="0"/>
+              </a:spcBef>
+            </a:pPr>
+            <a:r>
+              <a:rPr lang="en" dirty="0"/>
+              <a:t>What is it?</a:t>
+            </a:r>
+          </a:p>
+          <a:p>
+            <a:pPr marL="457200" lvl="0" indent="-228600" rtl="0">
+              <a:spcBef>
+                <a:spcPts val="0"/>
+              </a:spcBef>
+            </a:pPr>
+            <a:r>
+              <a:rPr lang="en" dirty="0"/>
+              <a:t>How does it work?</a:t>
+            </a:r>
+          </a:p>
+          <a:p>
+            <a:pPr marL="457200" lvl="0" indent="-228600" rtl="0">
+              <a:spcBef>
+                <a:spcPts val="0"/>
+              </a:spcBef>
+            </a:pPr>
+            <a:r>
+              <a:rPr lang="en" dirty="0"/>
+              <a:t>Challenges</a:t>
+            </a:r>
+          </a:p>
+          <a:p>
+            <a:pPr marL="457200" lvl="0" indent="-228600" rtl="0">
+              <a:spcBef>
+                <a:spcPts val="0"/>
+              </a:spcBef>
+            </a:pPr>
+            <a:r>
+              <a:rPr lang="en" dirty="0"/>
+              <a:t>Fritzing</a:t>
+            </a:r>
+          </a:p>
+          <a:p>
+            <a:pPr marL="457200" lvl="0" indent="-228600" rtl="0">
+              <a:spcBef>
+                <a:spcPts val="0"/>
+              </a:spcBef>
+            </a:pPr>
+            <a:r>
+              <a:rPr lang="en" dirty="0"/>
+              <a:t>Demo</a:t>
+            </a:r>
+          </a:p>
+        </p:txBody>
+      </p:sp>
+    </p:spTree>
+  </p:cSld>
+  <p:clrMapOvr>
+    <a:masterClrMapping/>
+  </p:clrMapOvr>
+  <p:transition spd="slow">
+    <p:cut/>
+  </p:transition>
+</p:sld>
+</file>
+
+<file path=ppt/slides/slide3.xml><?xml version="1.0" encoding="utf-8"?>
+<p:sld xmlns:a="http://schemas.openxmlformats.org/drawingml/2006/main" xmlns:r="http://schemas.openxmlformats.org/officeDocument/2006/relationships" xmlns:p="http://schemas.openxmlformats.org/presentationml/2006/main">
+  <p:cSld>
+    <p:spTree>
+      <p:nvGrpSpPr>
+        <p:cNvPr id="1" name="Shape 67"/>
+        <p:cNvGrpSpPr/>
+        <p:nvPr/>
+      </p:nvGrpSpPr>
+      <p:grpSpPr>
+        <a:xfrm>
+          <a:off x="0" y="0"/>
+          <a:ext cx="0" cy="0"/>
+          <a:chOff x="0" y="0"/>
+          <a:chExt cx="0" cy="0"/>
+        </a:xfrm>
+      </p:grpSpPr>
+      <p:sp>
+        <p:nvSpPr>
+          <p:cNvPr id="68" name="Shape 68"/>
+          <p:cNvSpPr txBox="1">
+            <a:spLocks noGrp="1"/>
+          </p:cNvSpPr>
+          <p:nvPr>
+            <p:ph type="title"/>
+          </p:nvPr>
+        </p:nvSpPr>
+        <p:spPr>
+          <a:xfrm>
+            <a:off x="246875" y="2197650"/>
+            <a:ext cx="8537700" cy="748200"/>
+          </a:xfrm>
+          <a:prstGeom prst="rect">
+            <a:avLst/>
+          </a:prstGeom>
+        </p:spPr>
+        <p:txBody>
+          <a:bodyPr lIns="91425" tIns="91425" rIns="91425" bIns="91425" anchor="t" anchorCtr="0">
+            <a:noAutofit/>
+          </a:bodyPr>
+          <a:lstStyle/>
+          <a:p>
+            <a:pPr lvl="0" algn="ctr">
+              <a:spcBef>
+                <a:spcPts val="0"/>
+              </a:spcBef>
+              <a:buNone/>
+            </a:pPr>
+            <a:r>
+              <a:rPr lang="en"/>
+              <a:t>What is it?</a:t>
+            </a:r>
+          </a:p>
+        </p:txBody>
+      </p:sp>
+    </p:spTree>
+  </p:cSld>
+  <p:clrMapOvr>
+    <a:masterClrMapping/>
+  </p:clrMapOvr>
+  <p:transition spd="slow">
+    <p:cut/>
+  </p:transition>
+</p:sld>
+</file>
+
+<file path=ppt/slides/slide4.xml><?xml version="1.0" encoding="utf-8"?>
+<p:sld xmlns:a="http://schemas.openxmlformats.org/drawingml/2006/main" xmlns:r="http://schemas.openxmlformats.org/officeDocument/2006/relationships" xmlns:p="http://schemas.openxmlformats.org/presentationml/2006/main">
+  <p:cSld>
+    <p:spTree>
+      <p:nvGrpSpPr>
+        <p:cNvPr id="1" name="Shape 72"/>
+        <p:cNvGrpSpPr/>
+        <p:nvPr/>
+      </p:nvGrpSpPr>
+      <p:grpSpPr>
+        <a:xfrm>
+          <a:off x="0" y="0"/>
+          <a:ext cx="0" cy="0"/>
+          <a:chOff x="0" y="0"/>
+          <a:chExt cx="0" cy="0"/>
+        </a:xfrm>
+      </p:grpSpPr>
+      <p:grpSp>
+        <p:nvGrpSpPr>
+          <p:cNvPr id="2" name="Group 1"/>
+          <p:cNvGrpSpPr/>
+          <p:nvPr/>
+        </p:nvGrpSpPr>
+        <p:grpSpPr>
+          <a:xfrm>
+            <a:off x="381078" y="943900"/>
+            <a:ext cx="8346472" cy="3276537"/>
+            <a:chOff x="381078" y="943900"/>
+            <a:chExt cx="8346472" cy="3276537"/>
+          </a:xfrm>
+        </p:grpSpPr>
+        <p:pic>
+          <p:nvPicPr>
+            <p:cNvPr id="73" name="Shape 73"/>
+            <p:cNvPicPr preferRelativeResize="0"/>
+            <p:nvPr/>
+          </p:nvPicPr>
+          <p:blipFill>
+            <a:blip r:embed="rId3">
+              <a:alphaModFix/>
+            </a:blip>
+            <a:stretch>
+              <a:fillRect/>
+            </a:stretch>
+          </p:blipFill>
+          <p:spPr>
+            <a:xfrm>
+              <a:off x="381078" y="1700200"/>
+              <a:ext cx="3364649" cy="2239025"/>
+            </a:xfrm>
+            <a:prstGeom prst="rect">
+              <a:avLst/>
+            </a:prstGeom>
+            <a:noFill/>
+            <a:ln>
+              <a:noFill/>
+            </a:ln>
+          </p:spPr>
+        </p:pic>
+        <p:sp>
+          <p:nvSpPr>
+            <p:cNvPr id="74" name="Shape 74"/>
+            <p:cNvSpPr txBox="1"/>
+            <p:nvPr/>
+          </p:nvSpPr>
+          <p:spPr>
+            <a:xfrm>
+              <a:off x="5362900" y="943900"/>
+              <a:ext cx="3100800" cy="756300"/>
+            </a:xfrm>
+            <a:prstGeom prst="rect">
+              <a:avLst/>
+            </a:prstGeom>
+            <a:noFill/>
+            <a:ln>
+              <a:noFill/>
+            </a:ln>
+          </p:spPr>
+          <p:txBody>
+            <a:bodyPr lIns="91425" tIns="91425" rIns="91425" bIns="91425" anchor="t" anchorCtr="0">
+              <a:noAutofit/>
+            </a:bodyPr>
+            <a:lstStyle/>
+            <a:p>
+              <a:pPr lvl="0">
+                <a:spcBef>
+                  <a:spcPts val="0"/>
+                </a:spcBef>
+                <a:buNone/>
+              </a:pPr>
+              <a:r>
+                <a:rPr lang="en" sz="1800" b="1"/>
+                <a:t>Beat Maker (Drums)</a:t>
+              </a:r>
+            </a:p>
+          </p:txBody>
+        </p:sp>
+        <p:sp>
+          <p:nvSpPr>
+            <p:cNvPr id="75" name="Shape 75"/>
+            <p:cNvSpPr txBox="1"/>
+            <p:nvPr/>
+          </p:nvSpPr>
+          <p:spPr>
+            <a:xfrm>
+              <a:off x="4204200" y="2193600"/>
+              <a:ext cx="601500" cy="756300"/>
+            </a:xfrm>
+            <a:prstGeom prst="rect">
+              <a:avLst/>
+            </a:prstGeom>
+            <a:noFill/>
+            <a:ln>
+              <a:noFill/>
+            </a:ln>
+          </p:spPr>
+          <p:txBody>
+            <a:bodyPr lIns="91425" tIns="91425" rIns="91425" bIns="91425" anchor="t" anchorCtr="0">
+              <a:noAutofit/>
+            </a:bodyPr>
+            <a:lstStyle/>
+            <a:p>
+              <a:pPr lvl="0" rtl="0">
+                <a:spcBef>
+                  <a:spcPts val="0"/>
+                </a:spcBef>
+                <a:buNone/>
+              </a:pPr>
+              <a:r>
+                <a:rPr lang="en" sz="1800"/>
+                <a:t>+</a:t>
+              </a:r>
+            </a:p>
+          </p:txBody>
+        </p:sp>
+        <p:pic>
+          <p:nvPicPr>
+            <p:cNvPr id="76" name="Shape 76"/>
+            <p:cNvPicPr preferRelativeResize="0"/>
+            <p:nvPr/>
+          </p:nvPicPr>
+          <p:blipFill>
+            <a:blip r:embed="rId4">
+              <a:alphaModFix/>
+            </a:blip>
+            <a:stretch>
+              <a:fillRect/>
+            </a:stretch>
+          </p:blipFill>
+          <p:spPr>
+            <a:xfrm>
+              <a:off x="5362900" y="1700200"/>
+              <a:ext cx="3364650" cy="2520237"/>
+            </a:xfrm>
+            <a:prstGeom prst="rect">
+              <a:avLst/>
+            </a:prstGeom>
+            <a:noFill/>
+            <a:ln>
+              <a:noFill/>
+            </a:ln>
+          </p:spPr>
+        </p:pic>
+        <p:sp>
+          <p:nvSpPr>
+            <p:cNvPr id="77" name="Shape 77"/>
+            <p:cNvSpPr txBox="1"/>
+            <p:nvPr/>
+          </p:nvSpPr>
+          <p:spPr>
+            <a:xfrm>
+              <a:off x="580100" y="1096300"/>
+              <a:ext cx="1429500" cy="756300"/>
+            </a:xfrm>
+            <a:prstGeom prst="rect">
+              <a:avLst/>
+            </a:prstGeom>
+            <a:noFill/>
+            <a:ln>
+              <a:noFill/>
+            </a:ln>
+          </p:spPr>
+          <p:txBody>
+            <a:bodyPr lIns="91425" tIns="91425" rIns="91425" bIns="91425" anchor="t" anchorCtr="0">
+              <a:noAutofit/>
+            </a:bodyPr>
+            <a:lstStyle/>
+            <a:p>
+              <a:pPr lvl="0" rtl="0">
+                <a:spcBef>
+                  <a:spcPts val="0"/>
+                </a:spcBef>
+                <a:buNone/>
+              </a:pPr>
+              <a:r>
+                <a:rPr lang="en" sz="1800" b="1" dirty="0"/>
+                <a:t>Photon</a:t>
+              </a:r>
+            </a:p>
+          </p:txBody>
+        </p:sp>
+      </p:grpSp>
+    </p:spTree>
+  </p:cSld>
+  <p:clrMapOvr>
+    <a:masterClrMapping/>
+  </p:clrMapOvr>
+  <p:transition spd="slow">
+    <p:cut/>
+  </p:transition>
+</p:sld>
+</file>
+
+<file path=ppt/slides/slide5.xml><?xml version="1.0" encoding="utf-8"?>
+<p:sld xmlns:a="http://schemas.openxmlformats.org/drawingml/2006/main" xmlns:r="http://schemas.openxmlformats.org/officeDocument/2006/relationships" xmlns:p="http://schemas.openxmlformats.org/presentationml/2006/main">
+  <p:cSld>
+    <p:spTree>
+      <p:nvGrpSpPr>
+        <p:cNvPr id="1" name=""/>
+        <p:cNvGrpSpPr/>
+        <p:nvPr/>
+      </p:nvGrpSpPr>
+      <p:grpSpPr>
+        <a:xfrm>
+          <a:off x="0" y="0"/>
+          <a:ext cx="0" cy="0"/>
+          <a:chOff x="0" y="0"/>
+          <a:chExt cx="0" cy="0"/>
+        </a:xfrm>
+      </p:grpSpPr>
+      <p:pic>
+        <p:nvPicPr>
+          <p:cNvPr id="3" name="Picture 2"/>
+          <p:cNvPicPr>
+            <a:picLocks noChangeAspect="1"/>
+          </p:cNvPicPr>
+          <p:nvPr/>
+        </p:nvPicPr>
+        <p:blipFill>
+          <a:blip r:embed="rId2">
+            <a:extLst>
+              <a:ext uri="{28A0092B-C50C-407E-A947-70E740481C1C}">
+                <a14:useLocalDpi xmlns:a14="http://schemas.microsoft.com/office/drawing/2010/main" val="0"/>
+              </a:ext>
+            </a:extLst>
+          </a:blip>
+          <a:stretch>
+            <a:fillRect/>
+          </a:stretch>
+        </p:blipFill>
+        <p:spPr>
+          <a:xfrm>
+            <a:off x="2333625" y="1314450"/>
+            <a:ext cx="4476750" cy="2514600"/>
+          </a:xfrm>
+          <a:prstGeom prst="rect">
+            <a:avLst/>
+          </a:prstGeom>
+        </p:spPr>
+      </p:pic>
+      <p:sp>
+        <p:nvSpPr>
+          <p:cNvPr id="4" name="TextBox 3"/>
+          <p:cNvSpPr txBox="1"/>
+          <p:nvPr/>
+        </p:nvSpPr>
+        <p:spPr>
+          <a:xfrm>
+            <a:off x="2200197" y="613318"/>
+            <a:ext cx="4743606" cy="461665"/>
+          </a:xfrm>
+          <a:prstGeom prst="rect">
+            <a:avLst/>
+          </a:prstGeom>
+          <a:noFill/>
+        </p:spPr>
+        <p:txBody>
+          <a:bodyPr wrap="none" rtlCol="0">
+            <a:spAutoFit/>
+          </a:bodyPr>
+          <a:lstStyle/>
+          <a:p>
+            <a:r>
+              <a:rPr lang="en-US" sz="2400" b="1" dirty="0" smtClean="0"/>
+              <a:t>FLASHING …. </a:t>
+            </a:r>
+            <a:r>
+              <a:rPr lang="en-US" sz="2400" b="1" dirty="0" smtClean="0">
+                <a:solidFill>
+                  <a:srgbClr val="FF0000"/>
+                </a:solidFill>
+              </a:rPr>
+              <a:t>LIGHTS</a:t>
+            </a:r>
+            <a:r>
+              <a:rPr lang="en-US" sz="2400" b="1" dirty="0" smtClean="0"/>
+              <a:t> </a:t>
+            </a:r>
+            <a:r>
+              <a:rPr lang="en-US" sz="2400" b="1" dirty="0" smtClean="0">
+                <a:solidFill>
+                  <a:srgbClr val="92D050"/>
+                </a:solidFill>
+              </a:rPr>
+              <a:t>LIGHTS</a:t>
+            </a:r>
+            <a:r>
+              <a:rPr lang="en-US" sz="2400" b="1" dirty="0" smtClean="0"/>
+              <a:t> </a:t>
+            </a:r>
+            <a:endParaRPr lang="en-US" sz="2400" b="1" dirty="0"/>
+          </a:p>
+        </p:txBody>
+      </p:sp>
+    </p:spTree>
+    <p:extLst>
+      <p:ext uri="{BB962C8B-B14F-4D97-AF65-F5344CB8AC3E}">
+        <p14:creationId xmlns:p14="http://schemas.microsoft.com/office/powerpoint/2010/main" val="787639411"/>
+      </p:ext>
+    </p:extLst>
+  </p:cSld>
+  <p:clrMapOvr>
+    <a:masterClrMapping/>
+  </p:clrMapOvr>
+  <p:timing>
+    <p:tnLst>
+      <p:par>
+        <p:cTn id="1" dur="indefinite" restart="never" nodeType="tmRoot"/>
+      </p:par>
+    </p:tnLst>
+  </p:timing>
+</p:sld>
+</file>
+
+<file path=ppt/slides/slide6.xml><?xml version="1.0" encoding="utf-8"?>
+<p:sld xmlns:a="http://schemas.openxmlformats.org/drawingml/2006/main" xmlns:r="http://schemas.openxmlformats.org/officeDocument/2006/relationships" xmlns:p="http://schemas.openxmlformats.org/presentationml/2006/main">
+  <p:cSld>
+    <p:spTree>
+      <p:nvGrpSpPr>
+        <p:cNvPr id="1" name="Shape 81"/>
+        <p:cNvGrpSpPr/>
+        <p:nvPr/>
+      </p:nvGrpSpPr>
+      <p:grpSpPr>
+        <a:xfrm>
+          <a:off x="0" y="0"/>
+          <a:ext cx="0" cy="0"/>
+          <a:chOff x="0" y="0"/>
+          <a:chExt cx="0" cy="0"/>
+        </a:xfrm>
+      </p:grpSpPr>
+      <p:sp>
+        <p:nvSpPr>
+          <p:cNvPr id="82" name="Shape 82"/>
+          <p:cNvSpPr txBox="1">
+            <a:spLocks noGrp="1"/>
+          </p:cNvSpPr>
+          <p:nvPr>
+            <p:ph type="title"/>
+          </p:nvPr>
+        </p:nvSpPr>
+        <p:spPr>
+          <a:xfrm>
+            <a:off x="246875" y="2197650"/>
+            <a:ext cx="8537700" cy="748200"/>
+          </a:xfrm>
+          <a:prstGeom prst="rect">
+            <a:avLst/>
+          </a:prstGeom>
+        </p:spPr>
+        <p:txBody>
+          <a:bodyPr lIns="91425" tIns="91425" rIns="91425" bIns="91425" anchor="t" anchorCtr="0">
+            <a:noAutofit/>
+          </a:bodyPr>
+          <a:lstStyle/>
+          <a:p>
+            <a:pPr lvl="0" algn="ctr" rtl="0">
+              <a:spcBef>
+                <a:spcPts val="0"/>
+              </a:spcBef>
+              <a:buNone/>
+            </a:pPr>
+            <a:r>
+              <a:rPr lang="en"/>
+              <a:t>How does it work?</a:t>
+            </a:r>
+          </a:p>
+        </p:txBody>
+      </p:sp>
+    </p:spTree>
+  </p:cSld>
+  <p:clrMapOvr>
+    <a:masterClrMapping/>
+  </p:clrMapOvr>
+  <p:transition spd="slow">
+    <p:cut/>
+  </p:transition>
+</p:sld>
+</file>
+
+<file path=ppt/slides/slide7.xml><?xml version="1.0" encoding="utf-8"?>
+<p:sld xmlns:a="http://schemas.openxmlformats.org/drawingml/2006/main" xmlns:r="http://schemas.openxmlformats.org/officeDocument/2006/relationships" xmlns:p="http://schemas.openxmlformats.org/presentationml/2006/main">
+  <p:cSld>
+    <p:spTree>
+      <p:nvGrpSpPr>
+        <p:cNvPr id="1" name="Shape 86"/>
+        <p:cNvGrpSpPr/>
+        <p:nvPr/>
+      </p:nvGrpSpPr>
+      <p:grpSpPr>
+        <a:xfrm>
+          <a:off x="0" y="0"/>
+          <a:ext cx="0" cy="0"/>
+          <a:chOff x="0" y="0"/>
+          <a:chExt cx="0" cy="0"/>
+        </a:xfrm>
+      </p:grpSpPr>
+      <p:sp>
+        <p:nvSpPr>
+          <p:cNvPr id="87" name="Shape 87"/>
+          <p:cNvSpPr txBox="1">
+            <a:spLocks noGrp="1"/>
+          </p:cNvSpPr>
+          <p:nvPr>
+            <p:ph type="title"/>
+          </p:nvPr>
+        </p:nvSpPr>
+        <p:spPr>
+          <a:xfrm>
+            <a:off x="311700" y="292850"/>
+            <a:ext cx="8520600" cy="801000"/>
+          </a:xfrm>
+          <a:prstGeom prst="rect">
+            <a:avLst/>
+          </a:prstGeom>
+        </p:spPr>
+        <p:txBody>
+          <a:bodyPr lIns="91425" tIns="91425" rIns="91425" bIns="91425" anchor="t" anchorCtr="0">
+            <a:noAutofit/>
+          </a:bodyPr>
+          <a:lstStyle/>
+          <a:p>
+            <a:pPr lvl="0">
+              <a:spcBef>
+                <a:spcPts val="0"/>
+              </a:spcBef>
+              <a:buNone/>
+            </a:pPr>
+            <a:r>
+              <a:rPr lang="en" dirty="0"/>
+              <a:t>hEROKU AND SOCKET.IO</a:t>
+            </a:r>
+          </a:p>
+        </p:txBody>
+      </p:sp>
+      <p:sp>
+        <p:nvSpPr>
+          <p:cNvPr id="88" name="Shape 88"/>
+          <p:cNvSpPr txBox="1">
+            <a:spLocks noGrp="1"/>
+          </p:cNvSpPr>
+          <p:nvPr>
+            <p:ph type="body" idx="1"/>
+          </p:nvPr>
+        </p:nvSpPr>
+        <p:spPr>
+          <a:xfrm>
+            <a:off x="311700" y="1228675"/>
+            <a:ext cx="8520600" cy="3340200"/>
+          </a:xfrm>
+          <a:prstGeom prst="rect">
+            <a:avLst/>
+          </a:prstGeom>
+        </p:spPr>
+        <p:txBody>
+          <a:bodyPr lIns="91425" tIns="91425" rIns="91425" bIns="91425" anchor="t" anchorCtr="0">
+            <a:noAutofit/>
+          </a:bodyPr>
+          <a:lstStyle/>
+          <a:p>
+            <a:pPr marL="457200" lvl="0" indent="-228600" rtl="0">
+              <a:spcBef>
+                <a:spcPts val="0"/>
+              </a:spcBef>
+            </a:pPr>
+            <a:r>
+              <a:rPr lang="en" dirty="0"/>
+              <a:t>Johnny-Five (NODE)</a:t>
+            </a:r>
+          </a:p>
+          <a:p>
+            <a:pPr marL="914400" lvl="1" indent="-228600" rtl="0">
+              <a:spcBef>
+                <a:spcPts val="0"/>
+              </a:spcBef>
+            </a:pPr>
+            <a:r>
+              <a:rPr lang="en" dirty="0"/>
+              <a:t>Module for connecting to Photon/Arduino </a:t>
+            </a:r>
+          </a:p>
+          <a:p>
+            <a:pPr marL="914400" lvl="1" indent="-228600" rtl="0">
+              <a:spcBef>
+                <a:spcPts val="0"/>
+              </a:spcBef>
+            </a:pPr>
+            <a:r>
+              <a:rPr lang="en" dirty="0"/>
+              <a:t>Javascript based</a:t>
+            </a:r>
+          </a:p>
+          <a:p>
+            <a:pPr marL="914400" lvl="1" indent="-228600" rtl="0">
+              <a:spcBef>
+                <a:spcPts val="0"/>
+              </a:spcBef>
+            </a:pPr>
+            <a:r>
+              <a:rPr lang="en" dirty="0"/>
+              <a:t>Faster development lifecycle (if you prefer JS)</a:t>
+            </a:r>
+          </a:p>
+          <a:p>
+            <a:pPr marL="457200" lvl="0" indent="-228600" rtl="0">
+              <a:spcBef>
+                <a:spcPts val="0"/>
+              </a:spcBef>
+            </a:pPr>
+            <a:endParaRPr lang="en" dirty="0"/>
+          </a:p>
+          <a:p>
+            <a:pPr marL="457200" lvl="0" indent="-228600" rtl="0">
+              <a:spcBef>
+                <a:spcPts val="0"/>
+              </a:spcBef>
+            </a:pPr>
+            <a:r>
+              <a:rPr lang="en" dirty="0" smtClean="0"/>
+              <a:t>AngularJS </a:t>
+            </a:r>
+            <a:r>
+              <a:rPr lang="en" dirty="0"/>
+              <a:t>/ Express</a:t>
+            </a:r>
+          </a:p>
+          <a:p>
+            <a:pPr marL="914400" lvl="1" indent="-228600" rtl="0">
+              <a:spcBef>
+                <a:spcPts val="0"/>
+              </a:spcBef>
+            </a:pPr>
+            <a:r>
+              <a:rPr lang="en" dirty="0"/>
+              <a:t>AngularJS application front end to send ‘</a:t>
+            </a:r>
+            <a:r>
+              <a:rPr lang="en" b="1" dirty="0"/>
+              <a:t>active’</a:t>
+            </a:r>
+            <a:r>
+              <a:rPr lang="en" dirty="0"/>
+              <a:t> beat to Photon</a:t>
+            </a:r>
+          </a:p>
+          <a:p>
+            <a:pPr lvl="0">
+              <a:spcBef>
+                <a:spcPts val="0"/>
+              </a:spcBef>
+              <a:buNone/>
+            </a:pPr>
+            <a:endParaRPr dirty="0"/>
+          </a:p>
+        </p:txBody>
+      </p:sp>
+    </p:spTree>
+  </p:cSld>
+  <p:clrMapOvr>
+    <a:masterClrMapping/>
+  </p:clrMapOvr>
+  <p:transition spd="slow">
+    <p:cut/>
+  </p:transition>
+</p:sld>
+</file>
+
+<file path=ppt/slides/slide8.xml><?xml version="1.0" encoding="utf-8"?>
+<p:sld xmlns:a="http://schemas.openxmlformats.org/drawingml/2006/main" xmlns:r="http://schemas.openxmlformats.org/officeDocument/2006/relationships" xmlns:p="http://schemas.openxmlformats.org/presentationml/2006/main">
+  <p:cSld>
+    <p:spTree>
+      <p:nvGrpSpPr>
+        <p:cNvPr id="1" name="Shape 81"/>
+        <p:cNvGrpSpPr/>
+        <p:nvPr/>
+      </p:nvGrpSpPr>
+      <p:grpSpPr>
+        <a:xfrm>
+          <a:off x="0" y="0"/>
+          <a:ext cx="0" cy="0"/>
+          <a:chOff x="0" y="0"/>
+          <a:chExt cx="0" cy="0"/>
+        </a:xfrm>
+      </p:grpSpPr>
+      <p:sp>
+        <p:nvSpPr>
+          <p:cNvPr id="82" name="Shape 82"/>
+          <p:cNvSpPr txBox="1">
+            <a:spLocks noGrp="1"/>
+          </p:cNvSpPr>
+          <p:nvPr>
+            <p:ph type="title"/>
+          </p:nvPr>
+        </p:nvSpPr>
+        <p:spPr>
+          <a:xfrm>
+            <a:off x="246875" y="2197650"/>
+            <a:ext cx="8537700" cy="748200"/>
+          </a:xfrm>
+          <a:prstGeom prst="rect">
+            <a:avLst/>
+          </a:prstGeom>
+        </p:spPr>
+        <p:txBody>
+          <a:bodyPr lIns="91425" tIns="91425" rIns="91425" bIns="91425" anchor="t" anchorCtr="0">
+            <a:noAutofit/>
+          </a:bodyPr>
+          <a:lstStyle/>
+          <a:p>
+            <a:pPr lvl="0" algn="ctr" rtl="0">
+              <a:spcBef>
+                <a:spcPts val="0"/>
+              </a:spcBef>
+              <a:buNone/>
+            </a:pPr>
+            <a:r>
+              <a:rPr lang="en" dirty="0" smtClean="0"/>
+              <a:t>Challenges</a:t>
+            </a:r>
+            <a:endParaRPr lang="en" dirty="0"/>
+          </a:p>
+        </p:txBody>
+      </p:sp>
+    </p:spTree>
+    <p:extLst>
+      <p:ext uri="{BB962C8B-B14F-4D97-AF65-F5344CB8AC3E}">
+        <p14:creationId xmlns:p14="http://schemas.microsoft.com/office/powerpoint/2010/main" val="4258445757"/>
+      </p:ext>
+    </p:extLst>
+  </p:cSld>
+  <p:clrMapOvr>
+    <a:masterClrMapping/>
+  </p:clrMapOvr>
+  <p:transition spd="slow">
+    <p:cut/>
+  </p:transition>
+</p:sld>
+</file>
+
+<file path=ppt/slides/slide9.xml><?xml version="1.0" encoding="utf-8"?>
+<p:sld xmlns:a="http://schemas.openxmlformats.org/drawingml/2006/main" xmlns:r="http://schemas.openxmlformats.org/officeDocument/2006/relationships" xmlns:p="http://schemas.openxmlformats.org/presentationml/2006/main">
+  <p:cSld>
+    <p:spTree>
+      <p:nvGrpSpPr>
+        <p:cNvPr id="1" name=""/>
+        <p:cNvGrpSpPr/>
+        <p:nvPr/>
+      </p:nvGrpSpPr>
+      <p:grpSpPr>
+        <a:xfrm>
+          <a:off x="0" y="0"/>
+          <a:ext cx="0" cy="0"/>
+          <a:chOff x="0" y="0"/>
+          <a:chExt cx="0" cy="0"/>
+        </a:xfrm>
+      </p:grpSpPr>
+      <p:sp>
+        <p:nvSpPr>
+          <p:cNvPr id="2" name="Title 1"/>
+          <p:cNvSpPr>
+            <a:spLocks noGrp="1"/>
+          </p:cNvSpPr>
+          <p:nvPr>
+            <p:ph type="title"/>
+          </p:nvPr>
+        </p:nvSpPr>
+        <p:spPr/>
+        <p:txBody>
+          <a:bodyPr/>
+          <a:lstStyle/>
+          <a:p>
+            <a:r>
+              <a:rPr lang="en-US" dirty="0" smtClean="0"/>
+              <a:t>Particle .</a:t>
+            </a:r>
+            <a:r>
+              <a:rPr lang="en-US" dirty="0" err="1" smtClean="0"/>
+              <a:t>io</a:t>
+            </a:r>
+            <a:r>
+              <a:rPr lang="en-US" dirty="0" smtClean="0"/>
+              <a:t> (weak)</a:t>
+            </a:r>
+            <a:endParaRPr lang="en-US" dirty="0"/>
+          </a:p>
+        </p:txBody>
+      </p:sp>
+      <p:sp>
+        <p:nvSpPr>
+          <p:cNvPr id="4" name="Text Placeholder 3"/>
+          <p:cNvSpPr>
+            <a:spLocks noGrp="1"/>
+          </p:cNvSpPr>
+          <p:nvPr>
+            <p:ph type="body" idx="1"/>
+          </p:nvPr>
+        </p:nvSpPr>
+        <p:spPr/>
+        <p:txBody>
+          <a:bodyPr/>
+          <a:lstStyle/>
+          <a:p>
+            <a:pPr marL="285750" indent="-285750">
+              <a:buFont typeface="Arial" panose="020B0604020202020204" pitchFamily="34" charset="0"/>
+              <a:buChar char="•"/>
+            </a:pPr>
+            <a:r>
+              <a:rPr lang="en-US" dirty="0" smtClean="0"/>
+              <a:t>Build particle site (not even documentation)</a:t>
+            </a:r>
+          </a:p>
+          <a:p>
+            <a:pPr marL="285750" indent="-285750">
+              <a:buFont typeface="Arial" panose="020B0604020202020204" pitchFamily="34" charset="0"/>
+              <a:buChar char="•"/>
+            </a:pPr>
+            <a:r>
+              <a:rPr lang="en-US" dirty="0" err="1" smtClean="0"/>
+              <a:t>Heroku</a:t>
+            </a:r>
+            <a:r>
+              <a:rPr lang="en-US" dirty="0" smtClean="0"/>
+              <a:t> deployment process.</a:t>
+            </a:r>
+          </a:p>
+          <a:p>
+            <a:pPr marL="285750" indent="-285750">
+              <a:buFont typeface="Arial" panose="020B0604020202020204" pitchFamily="34" charset="0"/>
+              <a:buChar char="•"/>
+            </a:pPr>
+            <a:r>
+              <a:rPr lang="en-US" dirty="0" smtClean="0"/>
+              <a:t>Hardware connection with Photon</a:t>
+            </a:r>
+          </a:p>
+          <a:p>
+            <a:pPr marL="285750" indent="-285750">
+              <a:buFont typeface="Arial" panose="020B0604020202020204" pitchFamily="34" charset="0"/>
+              <a:buChar char="•"/>
+            </a:pPr>
+            <a:r>
+              <a:rPr lang="en-US" dirty="0" smtClean="0"/>
+              <a:t>Socket IO </a:t>
+            </a:r>
+            <a:r>
+              <a:rPr lang="en-US" smtClean="0"/>
+              <a:t>(Locally)</a:t>
+            </a:r>
+            <a:endParaRPr lang="en-US"/>
+          </a:p>
+        </p:txBody>
+      </p:sp>
+    </p:spTree>
+    <p:extLst>
+      <p:ext uri="{BB962C8B-B14F-4D97-AF65-F5344CB8AC3E}">
+        <p14:creationId xmlns:p14="http://schemas.microsoft.com/office/powerpoint/2010/main" val="2105210376"/>
+      </p:ext>
+    </p:extLst>
+  </p:cSld>
+  <p:clrMapOvr>
+    <a:masterClrMapping/>
+  </p:clrMapOvr>
+</p:sld>
+</file>
+
 <file path=ppt/theme/theme1.xml><?xml version="1.0" encoding="utf-8"?>
-<a:theme xmlns:a="http://schemas.openxmlformats.org/drawingml/2006/main" xmlns:r="http://schemas.openxmlformats.org/officeDocument/2006/relationships" name="Custom Theme">
+<a:theme xmlns:a="http://schemas.openxmlformats.org/drawingml/2006/main" name="beach-day">
+  <a:themeElements>
+    <a:clrScheme name="Beach Day">
+      <a:dk1>
+        <a:srgbClr val="00FDC8"/>
+      </a:dk1>
+      <a:lt1>
+        <a:srgbClr val="FFFFFF"/>
+      </a:lt1>
+      <a:dk2>
+        <a:srgbClr val="666666"/>
+      </a:dk2>
+      <a:lt2>
+        <a:srgbClr val="EEEEEE"/>
+      </a:lt2>
+      <a:accent1>
+        <a:srgbClr val="212121"/>
+      </a:accent1>
+      <a:accent2>
+        <a:srgbClr val="455A64"/>
+      </a:accent2>
+      <a:accent3>
+        <a:srgbClr val="78909C"/>
+      </a:accent3>
+      <a:accent4>
+        <a:srgbClr val="7C7CE0"/>
+      </a:accent4>
+      <a:accent5>
+        <a:srgbClr val="DB4437"/>
+      </a:accent5>
+      <a:accent6>
+        <a:srgbClr val="F6CD4C"/>
+      </a:accent6>
+      <a:hlink>
+        <a:srgbClr val="DB4437"/>
+      </a:hlink>
+      <a:folHlink>
+        <a:srgbClr val="DB4437"/>
+      </a:folHlink>
+    </a:clrScheme>
+    <a:fontScheme name="Office">
+      <a:majorFont>
+        <a:latin typeface="Arial"/>
+        <a:ea typeface=""/>
+        <a:cs typeface=""/>
+        <a:font script="Jpan" typeface="ＭＳ Ｐゴシック"/>
+        <a:font script="Hang" typeface="맑은 고딕"/>
+        <a:font script="Hans" typeface="宋体"/>
+        <a:font script="Hant" typeface="新細明體"/>
+        <a:font script="Arab" typeface="Times New Roman"/>
+        <a:font script="Hebr" typeface="Times New Roman"/>
+        <a:font script="Thai" typeface="Angsana New"/>
+        <a:font script="Ethi" typeface="Nyala"/>
+        <a:font script="Beng" typeface="Vrinda"/>
+        <a:font script="Gujr" typeface="Shruti"/>
+        <a:font script="Khmr" typeface="MoolBoran"/>
+        <a:font script="Knda" typeface="Tunga"/>
+        <a:font script="Guru" typeface="Raavi"/>
+        <a:font script="Cans" typeface="Euphemia"/>
+        <a:font script="Cher" typeface="Plantagenet Cherokee"/>
+        <a:font script="Yiii" typeface="Microsoft Yi Baiti"/>
+        <a:font script="Tibt" typeface="Microsoft Himalaya"/>
+        <a:font script="Thaa" typeface="MV Boli"/>
+        <a:font script="Deva" typeface="Mangal"/>
+        <a:font script="Telu" typeface="Gautami"/>
+        <a:font script="Taml" typeface="Latha"/>
+        <a:font script="Syrc" typeface="Estrangelo Edessa"/>
+        <a:font script="Orya" typeface="Kalinga"/>
+        <a:font script="Mlym" typeface="Kartika"/>
+        <a:font script="Laoo" typeface="DokChampa"/>
+        <a:font script="Sinh" typeface="Iskoola Pota"/>
+        <a:font script="Mong" typeface="Mongolian Baiti"/>
+        <a:font script="Viet" typeface="Times New Roman"/>
+        <a:font script="Uigh" typeface="Microsoft Uighur"/>
+        <a:font script="Geor" typeface="Sylfaen"/>
+      </a:majorFont>
+      <a:minorFont>
+        <a:latin typeface="Arial"/>
+        <a:ea typeface=""/>
+        <a:cs typeface=""/>
+        <a:font script="Jpan" typeface="ＭＳ Ｐゴシック"/>
+        <a:font script="Hang" typeface="맑은 고딕"/>
+        <a:font script="Hans" typeface="宋体"/>
+        <a:font script="Hant" typeface="新細明體"/>
+        <a:font script="Arab" typeface="Arial"/>
+        <a:font script="Hebr" typeface="Arial"/>
+        <a:font script="Thai" typeface="Cordia New"/>
+        <a:font script="Ethi" typeface="Nyala"/>
+        <a:font script="Beng" typeface="Vrinda"/>
+        <a:font script="Gujr" typeface="Shruti"/>
+        <a:font script="Khmr" typeface="DaunPenh"/>
+        <a:font script="Knda" typeface="Tunga"/>
+        <a:font script="Guru" typeface="Raavi"/>
+        <a:font script="Cans" typeface="Euphemia"/>
+        <a:font script="Cher" typeface="Plantagenet Cherokee"/>
+        <a:font script="Yiii" typeface="Microsoft Yi Baiti"/>
+        <a:font script="Tibt" typeface="Microsoft Himalaya"/>
+        <a:font script="Thaa" typeface="MV Boli"/>
+        <a:font script="Deva" typeface="Mangal"/>
+        <a:font script="Telu" typeface="Gautami"/>
+        <a:font script="Taml" typeface="Latha"/>
+        <a:font script="Syrc" typeface="Estrangelo Edessa"/>
+        <a:font script="Orya" typeface="Kalinga"/>
+        <a:font script="Mlym" typeface="Kartika"/>
+        <a:font script="Laoo" typeface="DokChampa"/>
+        <a:font script="Sinh" typeface="Iskoola Pota"/>
+        <a:font script="Mong" typeface="Mongolian Baiti"/>
+        <a:font script="Viet" typeface="Arial"/>
+        <a:font script="Uigh" typeface="Microsoft Uighur"/>
+        <a:font script="Geor" typeface="Sylfaen"/>
+      </a:minorFont>
+    </a:fontScheme>
+    <a:fmtScheme name="Office">
+      <a:fillStyleLst>
+        <a:solidFill>
+          <a:schemeClr val="phClr"/>
+        </a:solidFill>
+        <a:gradFill rotWithShape="1">
+          <a:gsLst>
+            <a:gs pos="0">
+              <a:schemeClr val="phClr">
+                <a:tint val="50000"/>
+                <a:satMod val="300000"/>
+              </a:schemeClr>
+            </a:gs>
+            <a:gs pos="35000">
+              <a:schemeClr val="phClr">
+                <a:tint val="37000"/>
+                <a:satMod val="300000"/>
+              </a:schemeClr>
+            </a:gs>
+            <a:gs pos="100000">
+              <a:schemeClr val="phClr">
+                <a:tint val="15000"/>
+                <a:satMod val="350000"/>
+              </a:schemeClr>
+            </a:gs>
+          </a:gsLst>
+          <a:lin ang="16200000" scaled="1"/>
+        </a:gradFill>
+        <a:gradFill rotWithShape="1">
+          <a:gsLst>
+            <a:gs pos="0">
+              <a:schemeClr val="phClr">
+                <a:tint val="100000"/>
+                <a:shade val="100000"/>
+                <a:satMod val="130000"/>
+              </a:schemeClr>
+            </a:gs>
+            <a:gs pos="100000">
+              <a:schemeClr val="phClr">
+                <a:tint val="50000"/>
+                <a:shade val="100000"/>
+                <a:satMod val="350000"/>
+              </a:schemeClr>
+            </a:gs>
+          </a:gsLst>
+          <a:lin ang="16200000" scaled="0"/>
+        </a:gradFill>
+      </a:fillStyleLst>
+      <a:lnStyleLst>
+        <a:ln w="9525" cap="flat" cmpd="sng" algn="ctr">
+          <a:solidFill>
+            <a:schemeClr val="phClr">
+              <a:shade val="95000"/>
+              <a:satMod val="105000"/>
+            </a:schemeClr>
+          </a:solidFill>
+          <a:prstDash val="solid"/>
+        </a:ln>
+        <a:ln w="25400" cap="flat" cmpd="sng" algn="ctr">
+          <a:solidFill>
+            <a:schemeClr val="phClr"/>
+          </a:solidFill>
+          <a:prstDash val="solid"/>
+        </a:ln>
+        <a:ln w="38100" cap="flat" cmpd="sng" algn="ctr">
+          <a:solidFill>
+            <a:schemeClr val="phClr"/>
+          </a:solidFill>
+          <a:prstDash val="solid"/>
+        </a:ln>
+      </a:lnStyleLst>
+      <a:effectStyleLst>
+        <a:effectStyle>
+          <a:effectLst>
+            <a:outerShdw blurRad="40000" dist="20000" dir="5400000" rotWithShape="0">
+              <a:srgbClr val="000000">
+                <a:alpha val="38000"/>
+              </a:srgbClr>
+            </a:outerShdw>
+          </a:effectLst>
+        </a:effectStyle>
+        <a:effectStyle>
+          <a:effectLst>
+            <a:outerShdw blurRad="40000" dist="23000" dir="5400000" rotWithShape="0">
+              <a:srgbClr val="000000">
+                <a:alpha val="35000"/>
+              </a:srgbClr>
+            </a:outerShdw>
+          </a:effectLst>
+        </a:effectStyle>
+        <a:effectStyle>
+          <a:effectLst>
+            <a:outerShdw blurRad="40000" dist="23000" dir="5400000" rotWithShape="0">
+              <a:srgbClr val="000000">
+                <a:alpha val="35000"/>
+              </a:srgbClr>
+            </a:outerShdw>
+          </a:effectLst>
+          <a:scene3d>
+            <a:camera prst="orthographicFront">
+              <a:rot lat="0" lon="0" rev="0"/>
+            </a:camera>
+            <a:lightRig rig="threePt" dir="t">
+              <a:rot lat="0" lon="0" rev="1200000"/>
+            </a:lightRig>
+          </a:scene3d>
+          <a:sp3d>
+            <a:bevelT w="63500" h="25400"/>
+          </a:sp3d>
+        </a:effectStyle>
+      </a:effectStyleLst>
+      <a:bgFillStyleLst>
+        <a:solidFill>
+          <a:schemeClr val="phClr"/>
+        </a:solidFill>
+        <a:gradFill rotWithShape="1">
+          <a:gsLst>
+            <a:gs pos="0">
+              <a:schemeClr val="phClr">
+                <a:tint val="40000"/>
+                <a:satMod val="350000"/>
+              </a:schemeClr>
+            </a:gs>
+            <a:gs pos="40000">
+              <a:schemeClr val="phClr">
+                <a:tint val="45000"/>
+                <a:shade val="99000"/>
+                <a:satMod val="350000"/>
+              </a:schemeClr>
+            </a:gs>
+            <a:gs pos="100000">
+              <a:schemeClr val="phClr">
+                <a:shade val="20000"/>
+                <a:satMod val="255000"/>
+              </a:schemeClr>
+            </a:gs>
+          </a:gsLst>
+          <a:path path="circle">
+            <a:fillToRect l="50000" t="-80000" r="50000" b="180000"/>
+          </a:path>
+        </a:gradFill>
+        <a:gradFill rotWithShape="1">
+          <a:gsLst>
+            <a:gs pos="0">
+              <a:schemeClr val="phClr">
+                <a:tint val="80000"/>
+                <a:satMod val="300000"/>
+              </a:schemeClr>
+            </a:gs>
+            <a:gs pos="100000">
+              <a:schemeClr val="phClr">
+                <a:shade val="30000"/>
+                <a:satMod val="200000"/>
+              </a:schemeClr>
+            </a:gs>
+          </a:gsLst>
+          <a:path path="circle">
+            <a:fillToRect l="50000" t="50000" r="50000" b="50000"/>
+          </a:path>
+        </a:gradFill>
+      </a:bgFillStyleLst>
+    </a:fmtScheme>
+  </a:themeElements>
+  <a:objectDefaults/>
+  <a:extraClrSchemeLst/>
+</a:theme>
+</file>
+
+<file path=ppt/theme/theme2.xml><?xml version="1.0" encoding="utf-8"?>
+<a:theme xmlns:a="http://schemas.openxmlformats.org/drawingml/2006/main" name="Custom Theme">
   <a:themeElements>
     <a:clrScheme name="Default">
       <a:dk1>
@@ -6022,284 +7035,7 @@
       </a:bgFillStyleLst>
     </a:fmtScheme>
   </a:themeElements>
-</a:theme>
-</file>
-
-<file path=ppt/theme/theme2.xml><?xml version="1.0" encoding="utf-8"?>
-<a:theme xmlns:a="http://schemas.openxmlformats.org/drawingml/2006/main" xmlns:r="http://schemas.openxmlformats.org/officeDocument/2006/relationships" name="beach-day">
-  <a:themeElements>
-    <a:clrScheme name="Beach Day">
-      <a:dk1>
-        <a:srgbClr val="00FDC8"/>
-      </a:dk1>
-      <a:lt1>
-        <a:srgbClr val="FFFFFF"/>
-      </a:lt1>
-      <a:dk2>
-        <a:srgbClr val="666666"/>
-      </a:dk2>
-      <a:lt2>
-        <a:srgbClr val="EEEEEE"/>
-      </a:lt2>
-      <a:accent1>
-        <a:srgbClr val="212121"/>
-      </a:accent1>
-      <a:accent2>
-        <a:srgbClr val="455A64"/>
-      </a:accent2>
-      <a:accent3>
-        <a:srgbClr val="78909C"/>
-      </a:accent3>
-      <a:accent4>
-        <a:srgbClr val="7C7CE0"/>
-      </a:accent4>
-      <a:accent5>
-        <a:srgbClr val="DB4437"/>
-      </a:accent5>
-      <a:accent6>
-        <a:srgbClr val="F6CD4C"/>
-      </a:accent6>
-      <a:hlink>
-        <a:srgbClr val="DB4437"/>
-      </a:hlink>
-      <a:folHlink>
-        <a:srgbClr val="DB4437"/>
-      </a:folHlink>
-    </a:clrScheme>
-    <a:fontScheme name="Office">
-      <a:majorFont>
-        <a:latin typeface="Arial"/>
-        <a:ea typeface=""/>
-        <a:cs typeface=""/>
-        <a:font script="Jpan" typeface="ＭＳ Ｐゴシック"/>
-        <a:font script="Hang" typeface="맑은 고딕"/>
-        <a:font script="Hans" typeface="宋体"/>
-        <a:font script="Hant" typeface="新細明體"/>
-        <a:font script="Arab" typeface="Times New Roman"/>
-        <a:font script="Hebr" typeface="Times New Roman"/>
-        <a:font script="Thai" typeface="Angsana New"/>
-        <a:font script="Ethi" typeface="Nyala"/>
-        <a:font script="Beng" typeface="Vrinda"/>
-        <a:font script="Gujr" typeface="Shruti"/>
-        <a:font script="Khmr" typeface="MoolBoran"/>
-        <a:font script="Knda" typeface="Tunga"/>
-        <a:font script="Guru" typeface="Raavi"/>
-        <a:font script="Cans" typeface="Euphemia"/>
-        <a:font script="Cher" typeface="Plantagenet Cherokee"/>
-        <a:font script="Yiii" typeface="Microsoft Yi Baiti"/>
-        <a:font script="Tibt" typeface="Microsoft Himalaya"/>
-        <a:font script="Thaa" typeface="MV Boli"/>
-        <a:font script="Deva" typeface="Mangal"/>
-        <a:font script="Telu" typeface="Gautami"/>
-        <a:font script="Taml" typeface="Latha"/>
-        <a:font script="Syrc" typeface="Estrangelo Edessa"/>
-        <a:font script="Orya" typeface="Kalinga"/>
-        <a:font script="Mlym" typeface="Kartika"/>
-        <a:font script="Laoo" typeface="DokChampa"/>
-        <a:font script="Sinh" typeface="Iskoola Pota"/>
-        <a:font script="Mong" typeface="Mongolian Baiti"/>
-        <a:font script="Viet" typeface="Times New Roman"/>
-        <a:font script="Uigh" typeface="Microsoft Uighur"/>
-        <a:font script="Geor" typeface="Sylfaen"/>
-      </a:majorFont>
-      <a:minorFont>
-        <a:latin typeface="Arial"/>
-        <a:ea typeface=""/>
-        <a:cs typeface=""/>
-        <a:font script="Jpan" typeface="ＭＳ Ｐゴシック"/>
-        <a:font script="Hang" typeface="맑은 고딕"/>
-        <a:font script="Hans" typeface="宋体"/>
-        <a:font script="Hant" typeface="新細明體"/>
-        <a:font script="Arab" typeface="Arial"/>
-        <a:font script="Hebr" typeface="Arial"/>
-        <a:font script="Thai" typeface="Cordia New"/>
-        <a:font script="Ethi" typeface="Nyala"/>
-        <a:font script="Beng" typeface="Vrinda"/>
-        <a:font script="Gujr" typeface="Shruti"/>
-        <a:font script="Khmr" typeface="DaunPenh"/>
-        <a:font script="Knda" typeface="Tunga"/>
-        <a:font script="Guru" typeface="Raavi"/>
-        <a:font script="Cans" typeface="Euphemia"/>
-        <a:font script="Cher" typeface="Plantagenet Cherokee"/>
-        <a:font script="Yiii" typeface="Microsoft Yi Baiti"/>
-        <a:font script="Tibt" typeface="Microsoft Himalaya"/>
-        <a:font script="Thaa" typeface="MV Boli"/>
-        <a:font script="Deva" typeface="Mangal"/>
-        <a:font script="Telu" typeface="Gautami"/>
-        <a:font script="Taml" typeface="Latha"/>
-        <a:font script="Syrc" typeface="Estrangelo Edessa"/>
-        <a:font script="Orya" typeface="Kalinga"/>
-        <a:font script="Mlym" typeface="Kartika"/>
-        <a:font script="Laoo" typeface="DokChampa"/>
-        <a:font script="Sinh" typeface="Iskoola Pota"/>
-        <a:font script="Mong" typeface="Mongolian Baiti"/>
-        <a:font script="Viet" typeface="Arial"/>
-        <a:font script="Uigh" typeface="Microsoft Uighur"/>
-        <a:font script="Geor" typeface="Sylfaen"/>
-      </a:minorFont>
-    </a:fontScheme>
-    <a:fmtScheme name="Office">
-      <a:fillStyleLst>
-        <a:solidFill>
-          <a:schemeClr val="phClr"/>
-        </a:solidFill>
-        <a:gradFill rotWithShape="1">
-          <a:gsLst>
-            <a:gs pos="0">
-              <a:schemeClr val="phClr">
-                <a:tint val="50000"/>
-                <a:satMod val="300000"/>
-              </a:schemeClr>
-            </a:gs>
-            <a:gs pos="35000">
-              <a:schemeClr val="phClr">
-                <a:tint val="37000"/>
-                <a:satMod val="300000"/>
-              </a:schemeClr>
-            </a:gs>
-            <a:gs pos="100000">
-              <a:schemeClr val="phClr">
-                <a:tint val="15000"/>
-                <a:satMod val="350000"/>
-              </a:schemeClr>
-            </a:gs>
-          </a:gsLst>
-          <a:lin ang="16200000" scaled="1"/>
-        </a:gradFill>
-        <a:gradFill rotWithShape="1">
-          <a:gsLst>
-            <a:gs pos="0">
-              <a:schemeClr val="phClr">
-                <a:tint val="100000"/>
-                <a:shade val="100000"/>
-                <a:satMod val="130000"/>
-              </a:schemeClr>
-            </a:gs>
-            <a:gs pos="100000">
-              <a:schemeClr val="phClr">
-                <a:tint val="50000"/>
-                <a:shade val="100000"/>
-                <a:satMod val="350000"/>
-              </a:schemeClr>
-            </a:gs>
-          </a:gsLst>
-          <a:lin ang="16200000" scaled="0"/>
-        </a:gradFill>
-      </a:fillStyleLst>
-      <a:lnStyleLst>
-        <a:ln w="9525" cap="flat" cmpd="sng" algn="ctr">
-          <a:solidFill>
-            <a:schemeClr val="phClr">
-              <a:shade val="95000"/>
-              <a:satMod val="105000"/>
-            </a:schemeClr>
-          </a:solidFill>
-          <a:prstDash val="solid"/>
-        </a:ln>
-        <a:ln w="25400" cap="flat" cmpd="sng" algn="ctr">
-          <a:solidFill>
-            <a:schemeClr val="phClr"/>
-          </a:solidFill>
-          <a:prstDash val="solid"/>
-        </a:ln>
-        <a:ln w="38100" cap="flat" cmpd="sng" algn="ctr">
-          <a:solidFill>
-            <a:schemeClr val="phClr"/>
-          </a:solidFill>
-          <a:prstDash val="solid"/>
-        </a:ln>
-      </a:lnStyleLst>
-      <a:effectStyleLst>
-        <a:effectStyle>
-          <a:effectLst>
-            <a:outerShdw blurRad="40000" dist="20000" dir="5400000" rotWithShape="0">
-              <a:srgbClr val="000000">
-                <a:alpha val="38000"/>
-              </a:srgbClr>
-            </a:outerShdw>
-          </a:effectLst>
-        </a:effectStyle>
-        <a:effectStyle>
-          <a:effectLst>
-            <a:outerShdw blurRad="40000" dist="23000" dir="5400000" rotWithShape="0">
-              <a:srgbClr val="000000">
-                <a:alpha val="35000"/>
-              </a:srgbClr>
-            </a:outerShdw>
-          </a:effectLst>
-        </a:effectStyle>
-        <a:effectStyle>
-          <a:effectLst>
-            <a:outerShdw blurRad="40000" dist="23000" dir="5400000" rotWithShape="0">
-              <a:srgbClr val="000000">
-                <a:alpha val="35000"/>
-              </a:srgbClr>
-            </a:outerShdw>
-          </a:effectLst>
-          <a:scene3d>
-            <a:camera prst="orthographicFront">
-              <a:rot lat="0" lon="0" rev="0"/>
-            </a:camera>
-            <a:lightRig rig="threePt" dir="t">
-              <a:rot lat="0" lon="0" rev="1200000"/>
-            </a:lightRig>
-          </a:scene3d>
-          <a:sp3d>
-            <a:bevelT w="63500" h="25400"/>
-          </a:sp3d>
-        </a:effectStyle>
-      </a:effectStyleLst>
-      <a:bgFillStyleLst>
-        <a:solidFill>
-          <a:schemeClr val="phClr"/>
-        </a:solidFill>
-        <a:gradFill rotWithShape="1">
-          <a:gsLst>
-            <a:gs pos="0">
-              <a:schemeClr val="phClr">
-                <a:tint val="40000"/>
-                <a:satMod val="350000"/>
-              </a:schemeClr>
-            </a:gs>
-            <a:gs pos="40000">
-              <a:schemeClr val="phClr">
-                <a:tint val="45000"/>
-                <a:shade val="99000"/>
-                <a:satMod val="350000"/>
-              </a:schemeClr>
-            </a:gs>
-            <a:gs pos="100000">
-              <a:schemeClr val="phClr">
-                <a:shade val="20000"/>
-                <a:satMod val="255000"/>
-              </a:schemeClr>
-            </a:gs>
-          </a:gsLst>
-          <a:path path="circle">
-            <a:fillToRect l="50000" t="-80000" r="50000" b="180000"/>
-          </a:path>
-        </a:gradFill>
-        <a:gradFill rotWithShape="1">
-          <a:gsLst>
-            <a:gs pos="0">
-              <a:schemeClr val="phClr">
-                <a:tint val="80000"/>
-                <a:satMod val="300000"/>
-              </a:schemeClr>
-            </a:gs>
-            <a:gs pos="100000">
-              <a:schemeClr val="phClr">
-                <a:shade val="30000"/>
-                <a:satMod val="200000"/>
-              </a:schemeClr>
-            </a:gs>
-          </a:gsLst>
-          <a:path path="circle">
-            <a:fillToRect l="50000" t="50000" r="50000" b="50000"/>
-          </a:path>
-        </a:gradFill>
-      </a:bgFillStyleLst>
-    </a:fmtScheme>
-  </a:themeElements>
+  <a:objectDefaults/>
+  <a:extraClrSchemeLst/>
 </a:theme>
 </file>